--- a/Vortraege/tvg.pptx
+++ b/Vortraege/tvg.pptx
@@ -6349,7 +6349,7 @@
               <a:rPr lang="en-GB">
                 <a:latin typeface="Eurostile" panose="020B0504020202050204" pitchFamily="34" charset="0"/>
               </a:rPr>
-              <a:t>Have the prover solve the formula</a:t>
+              <a:t>Have the theorem prover solve the formula</a:t>
             </a:r>
           </a:p>
           <a:p>

--- a/Vortraege/tvg.pptx
+++ b/Vortraege/tvg.pptx
@@ -26,23 +26,30 @@
   <p:notesSz cx="6819900" cy="9931400"/>
   <p:embeddedFontLst>
     <p:embeddedFont>
-      <p:font typeface="Calibri" panose="020F0502020204030204" pitchFamily="34" charset="0"/>
+      <p:font typeface="Arial Narrow" panose="020B0606020202030204" pitchFamily="34" charset="0"/>
       <p:regular r:id="rId14"/>
       <p:bold r:id="rId15"/>
       <p:italic r:id="rId16"/>
       <p:boldItalic r:id="rId17"/>
     </p:embeddedFont>
     <p:embeddedFont>
+      <p:font typeface="Calibri" panose="020F0502020204030204" pitchFamily="34" charset="0"/>
+      <p:regular r:id="rId18"/>
+      <p:bold r:id="rId19"/>
+      <p:italic r:id="rId20"/>
+      <p:boldItalic r:id="rId21"/>
+    </p:embeddedFont>
+    <p:embeddedFont>
       <p:font typeface="Droid Sans Mono" panose="020B0609030804020204" pitchFamily="49" charset="0"/>
-      <p:regular r:id="rId18"/>
+      <p:regular r:id="rId22"/>
     </p:embeddedFont>
     <p:embeddedFont>
       <p:font typeface="Eurostile" panose="020B0504020202050204" pitchFamily="34" charset="0"/>
-      <p:regular r:id="rId19"/>
+      <p:regular r:id="rId23"/>
     </p:embeddedFont>
     <p:embeddedFont>
       <p:font typeface="Wingdings 3" panose="05040102010807070707" pitchFamily="18" charset="2"/>
-      <p:regular r:id="rId20"/>
+      <p:regular r:id="rId24"/>
     </p:embeddedFont>
   </p:embeddedFontLst>
   <p:defaultTextStyle>
@@ -6297,16 +6304,27 @@
           <a:bodyPr/>
           <a:lstStyle/>
           <a:p>
-            <a:pPr lvl="1"/>
+            <a:pPr marL="650875" lvl="1" indent="0">
+              <a:buNone/>
+            </a:pPr>
+            <a:r>
+              <a:rPr lang="en-GB">
+                <a:latin typeface="Eurostile" panose="020B0504020202050204" pitchFamily="34" charset="0"/>
+              </a:rPr>
+              <a:t>For</a:t>
+            </a:r>
             <a:r>
               <a:rPr lang="en-GB" b="0">
                 <a:latin typeface="Eurostile" panose="020B0504020202050204" pitchFamily="34" charset="0"/>
               </a:rPr>
-              <a:t>Examing all possible paths through the code</a:t>
-            </a:r>
-          </a:p>
-          <a:p>
-            <a:pPr lvl="1"/>
+              <a:t> all possible paths through the code:</a:t>
+            </a:r>
+          </a:p>
+          <a:p>
+            <a:pPr marL="1165225" lvl="1" indent="-514350">
+              <a:buFont typeface="+mj-lt"/>
+              <a:buAutoNum type="arabicPeriod"/>
+            </a:pPr>
             <a:r>
               <a:rPr lang="en-GB">
                 <a:latin typeface="Eurostile" panose="020B0504020202050204" pitchFamily="34" charset="0"/>
@@ -6326,7 +6344,10 @@
             </a:r>
           </a:p>
           <a:p>
-            <a:pPr lvl="1"/>
+            <a:pPr marL="1165225" lvl="1" indent="-514350">
+              <a:buFont typeface="+mj-lt"/>
+              <a:buAutoNum type="arabicPeriod"/>
+            </a:pPr>
             <a:r>
               <a:rPr lang="en-GB">
                 <a:latin typeface="Eurostile" panose="020B0504020202050204" pitchFamily="34" charset="0"/>
@@ -6335,7 +6356,10 @@
             </a:r>
           </a:p>
           <a:p>
-            <a:pPr lvl="1"/>
+            <a:pPr marL="1165225" lvl="1" indent="-514350">
+              <a:buFont typeface="+mj-lt"/>
+              <a:buAutoNum type="arabicPeriod"/>
+            </a:pPr>
             <a:r>
               <a:rPr lang="en-GB">
                 <a:latin typeface="Eurostile" panose="020B0504020202050204" pitchFamily="34" charset="0"/>
@@ -6344,7 +6368,10 @@
             </a:r>
           </a:p>
           <a:p>
-            <a:pPr lvl="1"/>
+            <a:pPr marL="1165225" lvl="1" indent="-514350">
+              <a:buFont typeface="+mj-lt"/>
+              <a:buAutoNum type="arabicPeriod"/>
+            </a:pPr>
             <a:r>
               <a:rPr lang="en-GB">
                 <a:latin typeface="Eurostile" panose="020B0504020202050204" pitchFamily="34" charset="0"/>
@@ -6353,7 +6380,10 @@
             </a:r>
           </a:p>
           <a:p>
-            <a:pPr lvl="1"/>
+            <a:pPr marL="1165225" lvl="1" indent="-514350">
+              <a:buFont typeface="+mj-lt"/>
+              <a:buAutoNum type="arabicPeriod"/>
+            </a:pPr>
             <a:r>
               <a:rPr lang="en-GB">
                 <a:latin typeface="Eurostile" panose="020B0504020202050204" pitchFamily="34" charset="0"/>
@@ -6391,8 +6421,8 @@
         </p:nvSpPr>
         <p:spPr>
           <a:xfrm>
-            <a:off x="7230608" y="5317586"/>
-            <a:ext cx="697627" cy="369332"/>
+            <a:off x="9265899" y="4705212"/>
+            <a:ext cx="697627" cy="646331"/>
           </a:xfrm>
           <a:prstGeom prst="rect">
             <a:avLst/>
@@ -6408,6 +6438,16 @@
             <a:r>
               <a:rPr lang="de-DE"/>
               <a:t>f(x,y)</a:t>
+            </a:r>
+          </a:p>
+          <a:p>
+            <a:r>
+              <a:rPr lang="de-DE">
+                <a:solidFill>
+                  <a:srgbClr val="FF0000"/>
+                </a:solidFill>
+              </a:rPr>
+              <a:t>True</a:t>
             </a:r>
           </a:p>
         </p:txBody>
@@ -6426,7 +6466,7 @@
         </p:nvSpPr>
         <p:spPr>
           <a:xfrm>
-            <a:off x="4605612" y="6225662"/>
+            <a:off x="6640903" y="5890287"/>
             <a:ext cx="1005532" cy="646331"/>
           </a:xfrm>
           <a:prstGeom prst="rect">
@@ -6471,7 +6511,7 @@
         </p:nvSpPr>
         <p:spPr>
           <a:xfrm>
-            <a:off x="9655207" y="6225662"/>
+            <a:off x="11690498" y="5890287"/>
             <a:ext cx="627095" cy="646331"/>
           </a:xfrm>
           <a:prstGeom prst="rect">
@@ -6516,7 +6556,7 @@
         </p:nvSpPr>
         <p:spPr>
           <a:xfrm>
-            <a:off x="4450185" y="7645683"/>
+            <a:off x="6485476" y="7310308"/>
             <a:ext cx="1316386" cy="646331"/>
           </a:xfrm>
           <a:prstGeom prst="rect">
@@ -6561,7 +6601,7 @@
         </p:nvSpPr>
         <p:spPr>
           <a:xfrm>
-            <a:off x="2239627" y="7601776"/>
+            <a:off x="4274918" y="7266401"/>
             <a:ext cx="1316386" cy="646331"/>
           </a:xfrm>
           <a:prstGeom prst="rect">
@@ -6606,7 +6646,7 @@
         </p:nvSpPr>
         <p:spPr>
           <a:xfrm>
-            <a:off x="6982945" y="7622128"/>
+            <a:off x="9018236" y="7286753"/>
             <a:ext cx="1192955" cy="646331"/>
           </a:xfrm>
           <a:prstGeom prst="rect">
@@ -6655,7 +6695,7 @@
         </p:nvCxnSpPr>
         <p:spPr>
           <a:xfrm flipH="1">
-            <a:off x="5108378" y="5686918"/>
+            <a:off x="7143669" y="5351543"/>
             <a:ext cx="2471044" cy="538744"/>
           </a:xfrm>
           <a:prstGeom prst="straightConnector1">
@@ -6692,13 +6732,12 @@
           </p:cNvPr>
           <p:cNvCxnSpPr>
             <a:cxnSpLocks/>
-            <a:endCxn id="25" idx="0"/>
           </p:cNvCxnSpPr>
           <p:nvPr/>
         </p:nvCxnSpPr>
         <p:spPr>
           <a:xfrm>
-            <a:off x="7579422" y="5686918"/>
+            <a:off x="9614712" y="5351543"/>
             <a:ext cx="2389333" cy="538744"/>
           </a:xfrm>
           <a:prstGeom prst="straightConnector1">
@@ -6742,7 +6781,7 @@
         </p:nvCxnSpPr>
         <p:spPr>
           <a:xfrm>
-            <a:off x="5108378" y="6871993"/>
+            <a:off x="7143669" y="6536618"/>
             <a:ext cx="2471045" cy="750135"/>
           </a:xfrm>
           <a:prstGeom prst="straightConnector1">
@@ -6786,7 +6825,7 @@
         </p:nvCxnSpPr>
         <p:spPr>
           <a:xfrm>
-            <a:off x="5108378" y="6871993"/>
+            <a:off x="7143669" y="6536618"/>
             <a:ext cx="0" cy="773690"/>
           </a:xfrm>
           <a:prstGeom prst="straightConnector1">
@@ -6830,7 +6869,7 @@
         </p:nvCxnSpPr>
         <p:spPr>
           <a:xfrm flipH="1">
-            <a:off x="2897820" y="6871993"/>
+            <a:off x="4933111" y="6536618"/>
             <a:ext cx="2210558" cy="729783"/>
           </a:xfrm>
           <a:prstGeom prst="straightConnector1">
@@ -6873,9 +6912,9 @@
           <p:nvPr/>
         </p:nvCxnSpPr>
         <p:spPr>
-          <a:xfrm>
-            <a:off x="2897820" y="8248107"/>
-            <a:ext cx="0" cy="364671"/>
+          <a:xfrm flipH="1">
+            <a:off x="4914262" y="7912732"/>
+            <a:ext cx="18849" cy="425172"/>
           </a:xfrm>
           <a:prstGeom prst="straightConnector1">
             <a:avLst/>
@@ -6918,7 +6957,7 @@
         </p:nvCxnSpPr>
         <p:spPr>
           <a:xfrm>
-            <a:off x="5108378" y="8292014"/>
+            <a:off x="7143669" y="7956639"/>
             <a:ext cx="9032" cy="381265"/>
           </a:xfrm>
           <a:prstGeom prst="straightConnector1">
@@ -6962,7 +7001,7 @@
         </p:nvCxnSpPr>
         <p:spPr>
           <a:xfrm>
-            <a:off x="7579423" y="8268459"/>
+            <a:off x="9614714" y="7933084"/>
             <a:ext cx="5776" cy="434498"/>
           </a:xfrm>
           <a:prstGeom prst="straightConnector1">
@@ -7006,7 +7045,7 @@
         </p:nvCxnSpPr>
         <p:spPr>
           <a:xfrm flipH="1">
-            <a:off x="9959891" y="6871993"/>
+            <a:off x="11995182" y="6536618"/>
             <a:ext cx="8864" cy="1807234"/>
           </a:xfrm>
           <a:prstGeom prst="straightConnector1">
@@ -7046,7 +7085,7 @@
         </p:nvSpPr>
         <p:spPr>
           <a:xfrm>
-            <a:off x="2375882" y="8612778"/>
+            <a:off x="4392324" y="8337904"/>
             <a:ext cx="1043876" cy="646331"/>
           </a:xfrm>
           <a:prstGeom prst="rect">
@@ -7091,7 +7130,7 @@
         </p:nvSpPr>
         <p:spPr>
           <a:xfrm>
-            <a:off x="4385446" y="8673279"/>
+            <a:off x="6420737" y="8337904"/>
             <a:ext cx="1463927" cy="646331"/>
           </a:xfrm>
           <a:prstGeom prst="rect">
@@ -7137,7 +7176,7 @@
         </p:nvSpPr>
         <p:spPr>
           <a:xfrm>
-            <a:off x="6718583" y="8702957"/>
+            <a:off x="8753874" y="8367582"/>
             <a:ext cx="1733231" cy="646331"/>
           </a:xfrm>
           <a:prstGeom prst="rect">
@@ -7187,7 +7226,7 @@
         </p:nvSpPr>
         <p:spPr>
           <a:xfrm>
-            <a:off x="9437953" y="8679227"/>
+            <a:off x="11473244" y="8343852"/>
             <a:ext cx="1043876" cy="646331"/>
           </a:xfrm>
           <a:prstGeom prst="rect">
@@ -7272,10 +7311,494 @@
               <a:rPr lang="en-GB">
                 <a:latin typeface="Eurostile" panose="020B0504020202050204" pitchFamily="34" charset="0"/>
               </a:rPr>
-              <a:t>Formula from _FDtest</a:t>
+              <a:t>Z3 Formula for _FDtest [1,1]</a:t>
             </a:r>
             <a:endParaRPr lang="en-GB" dirty="0">
               <a:latin typeface="Eurostile" panose="020B0504020202050204" pitchFamily="34" charset="0"/>
+            </a:endParaRPr>
+          </a:p>
+        </p:txBody>
+      </p:sp>
+      <p:sp>
+        <p:nvSpPr>
+          <p:cNvPr id="7" name="Textfeld 6">
+            <a:extLst>
+              <a:ext uri="{FF2B5EF4-FFF2-40B4-BE49-F238E27FC236}">
+                <a16:creationId xmlns:a16="http://schemas.microsoft.com/office/drawing/2014/main" id="{0DF37B99-5923-43FE-9D47-A60A06215B9F}"/>
+              </a:ext>
+            </a:extLst>
+          </p:cNvPr>
+          <p:cNvSpPr txBox="1"/>
+          <p:nvPr/>
+        </p:nvSpPr>
+        <p:spPr>
+          <a:xfrm>
+            <a:off x="442800" y="2059365"/>
+            <a:ext cx="4980970" cy="7478970"/>
+          </a:xfrm>
+          <a:prstGeom prst="rect">
+            <a:avLst/>
+          </a:prstGeom>
+          <a:solidFill>
+            <a:schemeClr val="bg1">
+              <a:lumMod val="85000"/>
+            </a:schemeClr>
+          </a:solidFill>
+        </p:spPr>
+        <p:txBody>
+          <a:bodyPr wrap="square" rtlCol="0">
+            <a:spAutoFit/>
+          </a:bodyPr>
+          <a:lstStyle/>
+          <a:p>
+            <a:r>
+              <a:rPr lang="de-DE" sz="2000">
+                <a:latin typeface="Arial Narrow" panose="020B0606020202030204" pitchFamily="34" charset="0"/>
+              </a:rPr>
+              <a:t>; ----------------------------------------------</a:t>
+            </a:r>
+          </a:p>
+          <a:p>
+            <a:r>
+              <a:rPr lang="de-DE" sz="2000">
+                <a:latin typeface="Arial Narrow" panose="020B0606020202030204" pitchFamily="34" charset="0"/>
+              </a:rPr>
+              <a:t>; COND Then branch 1 "if((ps-&gt;_Sh[1] &amp; …</a:t>
+            </a:r>
+          </a:p>
+          <a:p>
+            <a:r>
+              <a:rPr lang="de-DE" sz="2000">
+                <a:latin typeface="Arial Narrow" panose="020B0606020202030204" pitchFamily="34" charset="0"/>
+              </a:rPr>
+              <a:t>; ----------------------------------------------</a:t>
+            </a:r>
+          </a:p>
+          <a:p>
+            <a:r>
+              <a:rPr lang="de-DE" sz="2000">
+                <a:latin typeface="Arial Narrow" panose="020B0606020202030204" pitchFamily="34" charset="0"/>
+              </a:rPr>
+              <a:t>(assert</a:t>
+            </a:r>
+          </a:p>
+          <a:p>
+            <a:r>
+              <a:rPr lang="de-DE" sz="2000">
+                <a:latin typeface="Arial Narrow" panose="020B0606020202030204" pitchFamily="34" charset="0"/>
+              </a:rPr>
+              <a:t>    (=</a:t>
+            </a:r>
+          </a:p>
+          <a:p>
+            <a:r>
+              <a:rPr lang="de-DE" sz="2000">
+                <a:latin typeface="Arial Narrow" panose="020B0606020202030204" pitchFamily="34" charset="0"/>
+              </a:rPr>
+              <a:t>        ((_ zero_extend 16)</a:t>
+            </a:r>
+          </a:p>
+          <a:p>
+            <a:r>
+              <a:rPr lang="de-DE" sz="2000">
+                <a:latin typeface="Arial Narrow" panose="020B0606020202030204" pitchFamily="34" charset="0"/>
+              </a:rPr>
+              <a:t>            (bvand</a:t>
+            </a:r>
+          </a:p>
+          <a:p>
+            <a:r>
+              <a:rPr lang="de-DE" sz="2000">
+                <a:latin typeface="Arial Narrow" panose="020B0606020202030204" pitchFamily="34" charset="0"/>
+              </a:rPr>
+              <a:t>                (select</a:t>
+            </a:r>
+          </a:p>
+          <a:p>
+            <a:r>
+              <a:rPr lang="de-DE" sz="2000">
+                <a:latin typeface="Arial Narrow" panose="020B0606020202030204" pitchFamily="34" charset="0"/>
+              </a:rPr>
+              <a:t>                    arr$$5</a:t>
+            </a:r>
+          </a:p>
+          <a:p>
+            <a:r>
+              <a:rPr lang="de-DE" sz="2000">
+                <a:latin typeface="Arial Narrow" panose="020B0606020202030204" pitchFamily="34" charset="0"/>
+              </a:rPr>
+              <a:t>                    #x00000001</a:t>
+            </a:r>
+          </a:p>
+          <a:p>
+            <a:r>
+              <a:rPr lang="de-DE" sz="2000">
+                <a:latin typeface="Arial Narrow" panose="020B0606020202030204" pitchFamily="34" charset="0"/>
+              </a:rPr>
+              <a:t>                )</a:t>
+            </a:r>
+          </a:p>
+          <a:p>
+            <a:r>
+              <a:rPr lang="de-DE" sz="2000">
+                <a:latin typeface="Arial Narrow" panose="020B0606020202030204" pitchFamily="34" charset="0"/>
+              </a:rPr>
+              <a:t>                ((_ extract 15 0)</a:t>
+            </a:r>
+          </a:p>
+          <a:p>
+            <a:r>
+              <a:rPr lang="de-DE" sz="2000">
+                <a:latin typeface="Arial Narrow" panose="020B0606020202030204" pitchFamily="34" charset="0"/>
+              </a:rPr>
+              <a:t>                    (bvand</a:t>
+            </a:r>
+          </a:p>
+          <a:p>
+            <a:r>
+              <a:rPr lang="de-DE" sz="2000">
+                <a:latin typeface="Arial Narrow" panose="020B0606020202030204" pitchFamily="34" charset="0"/>
+              </a:rPr>
+              <a:t>                        #x00007fff</a:t>
+            </a:r>
+          </a:p>
+          <a:p>
+            <a:r>
+              <a:rPr lang="de-DE" sz="2000">
+                <a:latin typeface="Arial Narrow" panose="020B0606020202030204" pitchFamily="34" charset="0"/>
+              </a:rPr>
+              <a:t>                        ((_ zero_extend 16)</a:t>
+            </a:r>
+          </a:p>
+          <a:p>
+            <a:r>
+              <a:rPr lang="de-DE" sz="2000">
+                <a:latin typeface="Arial Narrow" panose="020B0606020202030204" pitchFamily="34" charset="0"/>
+              </a:rPr>
+              <a:t>                            (bvnot</a:t>
+            </a:r>
+          </a:p>
+          <a:p>
+            <a:r>
+              <a:rPr lang="de-DE" sz="2000">
+                <a:latin typeface="Arial Narrow" panose="020B0606020202030204" pitchFamily="34" charset="0"/>
+              </a:rPr>
+              <a:t>                                ((_ extract 15 0)</a:t>
+            </a:r>
+          </a:p>
+          <a:p>
+            <a:r>
+              <a:rPr lang="de-DE" sz="2000">
+                <a:latin typeface="Arial Narrow" panose="020B0606020202030204" pitchFamily="34" charset="0"/>
+              </a:rPr>
+              <a:t>                                    (bvsub</a:t>
+            </a:r>
+          </a:p>
+          <a:p>
+            <a:r>
+              <a:rPr lang="de-DE" sz="2000">
+                <a:latin typeface="Arial Narrow" panose="020B0606020202030204" pitchFamily="34" charset="0"/>
+              </a:rPr>
+              <a:t>                                        (bvshl</a:t>
+            </a:r>
+          </a:p>
+          <a:p>
+            <a:r>
+              <a:rPr lang="de-DE" sz="2000">
+                <a:latin typeface="Arial Narrow" panose="020B0606020202030204" pitchFamily="34" charset="0"/>
+              </a:rPr>
+              <a:t>                                            #x00000001</a:t>
+            </a:r>
+          </a:p>
+          <a:p>
+            <a:r>
+              <a:rPr lang="de-DE" sz="2000">
+                <a:latin typeface="Arial Narrow" panose="020B0606020202030204" pitchFamily="34" charset="0"/>
+              </a:rPr>
+              <a:t>                                            #x00000007</a:t>
+            </a:r>
+          </a:p>
+          <a:p>
+            <a:r>
+              <a:rPr lang="de-DE" sz="2000">
+                <a:latin typeface="Arial Narrow" panose="020B0606020202030204" pitchFamily="34" charset="0"/>
+              </a:rPr>
+              <a:t>                                        )</a:t>
+            </a:r>
+          </a:p>
+          <a:p>
+            <a:r>
+              <a:rPr lang="de-DE" sz="2000">
+                <a:latin typeface="Arial Narrow" panose="020B0606020202030204" pitchFamily="34" charset="0"/>
+              </a:rPr>
+              <a:t>                                        #x00000001</a:t>
+            </a:r>
+          </a:p>
+          <a:p>
+            <a:r>
+              <a:rPr lang="de-DE" sz="2000">
+                <a:latin typeface="Arial Narrow" panose="020B0606020202030204" pitchFamily="34" charset="0"/>
+              </a:rPr>
+              <a:t>                                    )</a:t>
+            </a:r>
+          </a:p>
+        </p:txBody>
+      </p:sp>
+      <p:sp>
+        <p:nvSpPr>
+          <p:cNvPr id="27" name="Textfeld 26">
+            <a:extLst>
+              <a:ext uri="{FF2B5EF4-FFF2-40B4-BE49-F238E27FC236}">
+                <a16:creationId xmlns:a16="http://schemas.microsoft.com/office/drawing/2014/main" id="{04D5F1B7-CD1F-4CDC-80F8-189F2902035C}"/>
+              </a:ext>
+            </a:extLst>
+          </p:cNvPr>
+          <p:cNvSpPr txBox="1"/>
+          <p:nvPr/>
+        </p:nvSpPr>
+        <p:spPr>
+          <a:xfrm>
+            <a:off x="6114093" y="2059365"/>
+            <a:ext cx="4980970" cy="7478970"/>
+          </a:xfrm>
+          <a:prstGeom prst="rect">
+            <a:avLst/>
+          </a:prstGeom>
+          <a:solidFill>
+            <a:schemeClr val="bg1">
+              <a:lumMod val="85000"/>
+            </a:schemeClr>
+          </a:solidFill>
+        </p:spPr>
+        <p:txBody>
+          <a:bodyPr wrap="square" rtlCol="0">
+            <a:spAutoFit/>
+          </a:bodyPr>
+          <a:lstStyle/>
+          <a:p>
+            <a:endParaRPr lang="de-DE" sz="2000">
+              <a:latin typeface="Arial Narrow" panose="020B0606020202030204" pitchFamily="34" charset="0"/>
+            </a:endParaRPr>
+          </a:p>
+          <a:p>
+            <a:r>
+              <a:rPr lang="de-DE" sz="2000">
+                <a:latin typeface="Arial Narrow" panose="020B0606020202030204" pitchFamily="34" charset="0"/>
+              </a:rPr>
+              <a:t>                        )</a:t>
+            </a:r>
+          </a:p>
+          <a:p>
+            <a:r>
+              <a:rPr lang="de-DE" sz="2000">
+                <a:latin typeface="Arial Narrow" panose="020B0606020202030204" pitchFamily="34" charset="0"/>
+              </a:rPr>
+              <a:t>                    )</a:t>
+            </a:r>
+          </a:p>
+          <a:p>
+            <a:r>
+              <a:rPr lang="de-DE" sz="2000">
+                <a:latin typeface="Arial Narrow" panose="020B0606020202030204" pitchFamily="34" charset="0"/>
+              </a:rPr>
+              <a:t>                )</a:t>
+            </a:r>
+          </a:p>
+          <a:p>
+            <a:r>
+              <a:rPr lang="de-DE" sz="2000">
+                <a:latin typeface="Arial Narrow" panose="020B0606020202030204" pitchFamily="34" charset="0"/>
+              </a:rPr>
+              <a:t>            )</a:t>
+            </a:r>
+          </a:p>
+          <a:p>
+            <a:r>
+              <a:rPr lang="de-DE" sz="2000">
+                <a:latin typeface="Arial Narrow" panose="020B0606020202030204" pitchFamily="34" charset="0"/>
+              </a:rPr>
+              <a:t>        )</a:t>
+            </a:r>
+          </a:p>
+          <a:p>
+            <a:r>
+              <a:rPr lang="de-DE" sz="2000">
+                <a:latin typeface="Arial Narrow" panose="020B0606020202030204" pitchFamily="34" charset="0"/>
+              </a:rPr>
+              <a:t>        (bvshl</a:t>
+            </a:r>
+          </a:p>
+          <a:p>
+            <a:r>
+              <a:rPr lang="de-DE" sz="2000">
+                <a:latin typeface="Arial Narrow" panose="020B0606020202030204" pitchFamily="34" charset="0"/>
+              </a:rPr>
+              <a:t>            ((_ zero_extend 16)</a:t>
+            </a:r>
+          </a:p>
+          <a:p>
+            <a:r>
+              <a:rPr lang="de-DE" sz="2000">
+                <a:latin typeface="Arial Narrow" panose="020B0606020202030204" pitchFamily="34" charset="0"/>
+              </a:rPr>
+              <a:t>                ((_ extract 15 0)</a:t>
+            </a:r>
+          </a:p>
+          <a:p>
+            <a:r>
+              <a:rPr lang="de-DE" sz="2000">
+                <a:latin typeface="Arial Narrow" panose="020B0606020202030204" pitchFamily="34" charset="0"/>
+              </a:rPr>
+              <a:t>                    (bvsub</a:t>
+            </a:r>
+          </a:p>
+          <a:p>
+            <a:r>
+              <a:rPr lang="de-DE" sz="2000">
+                <a:latin typeface="Arial Narrow" panose="020B0606020202030204" pitchFamily="34" charset="0"/>
+              </a:rPr>
+              <a:t>                        (bvshl</a:t>
+            </a:r>
+          </a:p>
+          <a:p>
+            <a:r>
+              <a:rPr lang="de-DE" sz="2000">
+                <a:latin typeface="Arial Narrow" panose="020B0606020202030204" pitchFamily="34" charset="0"/>
+              </a:rPr>
+              <a:t>                            #x00000001</a:t>
+            </a:r>
+          </a:p>
+          <a:p>
+            <a:r>
+              <a:rPr lang="de-DE" sz="2000">
+                <a:latin typeface="Arial Narrow" panose="020B0606020202030204" pitchFamily="34" charset="0"/>
+              </a:rPr>
+              <a:t>                            (bvsub</a:t>
+            </a:r>
+          </a:p>
+          <a:p>
+            <a:r>
+              <a:rPr lang="de-DE" sz="2000">
+                <a:latin typeface="Arial Narrow" panose="020B0606020202030204" pitchFamily="34" charset="0"/>
+              </a:rPr>
+              <a:t>                                #x0000000f</a:t>
+            </a:r>
+          </a:p>
+          <a:p>
+            <a:r>
+              <a:rPr lang="de-DE" sz="2000">
+                <a:latin typeface="Arial Narrow" panose="020B0606020202030204" pitchFamily="34" charset="0"/>
+              </a:rPr>
+              <a:t>                                #x00000007</a:t>
+            </a:r>
+          </a:p>
+          <a:p>
+            <a:r>
+              <a:rPr lang="de-DE" sz="2000">
+                <a:latin typeface="Arial Narrow" panose="020B0606020202030204" pitchFamily="34" charset="0"/>
+              </a:rPr>
+              <a:t>                            )</a:t>
+            </a:r>
+          </a:p>
+          <a:p>
+            <a:r>
+              <a:rPr lang="de-DE" sz="2000">
+                <a:latin typeface="Arial Narrow" panose="020B0606020202030204" pitchFamily="34" charset="0"/>
+              </a:rPr>
+              <a:t>                        )</a:t>
+            </a:r>
+          </a:p>
+          <a:p>
+            <a:r>
+              <a:rPr lang="de-DE" sz="2000">
+                <a:latin typeface="Arial Narrow" panose="020B0606020202030204" pitchFamily="34" charset="0"/>
+              </a:rPr>
+              <a:t>                        #x00000001</a:t>
+            </a:r>
+          </a:p>
+          <a:p>
+            <a:r>
+              <a:rPr lang="de-DE" sz="2000">
+                <a:latin typeface="Arial Narrow" panose="020B0606020202030204" pitchFamily="34" charset="0"/>
+              </a:rPr>
+              <a:t>                    )</a:t>
+            </a:r>
+          </a:p>
+          <a:p>
+            <a:r>
+              <a:rPr lang="de-DE" sz="2000">
+                <a:latin typeface="Arial Narrow" panose="020B0606020202030204" pitchFamily="34" charset="0"/>
+              </a:rPr>
+              <a:t>                )</a:t>
+            </a:r>
+          </a:p>
+          <a:p>
+            <a:r>
+              <a:rPr lang="de-DE" sz="2000">
+                <a:latin typeface="Arial Narrow" panose="020B0606020202030204" pitchFamily="34" charset="0"/>
+              </a:rPr>
+              <a:t>            )</a:t>
+            </a:r>
+          </a:p>
+          <a:p>
+            <a:r>
+              <a:rPr lang="de-DE" sz="2000">
+                <a:latin typeface="Arial Narrow" panose="020B0606020202030204" pitchFamily="34" charset="0"/>
+              </a:rPr>
+              <a:t>            #x00000007</a:t>
+            </a:r>
+          </a:p>
+          <a:p>
+            <a:r>
+              <a:rPr lang="de-DE" sz="2000">
+                <a:latin typeface="Arial Narrow" panose="020B0606020202030204" pitchFamily="34" charset="0"/>
+              </a:rPr>
+              <a:t>        )</a:t>
+            </a:r>
+          </a:p>
+          <a:p>
+            <a:endParaRPr lang="de-DE" sz="2000">
+              <a:latin typeface="Arial Narrow" panose="020B0606020202030204" pitchFamily="34" charset="0"/>
+            </a:endParaRPr>
+          </a:p>
+        </p:txBody>
+      </p:sp>
+      <p:sp>
+        <p:nvSpPr>
+          <p:cNvPr id="8" name="Textfeld 7">
+            <a:extLst>
+              <a:ext uri="{FF2B5EF4-FFF2-40B4-BE49-F238E27FC236}">
+                <a16:creationId xmlns:a16="http://schemas.microsoft.com/office/drawing/2014/main" id="{1A0285E7-0216-4682-A739-7257271DFFE2}"/>
+              </a:ext>
+            </a:extLst>
+          </p:cNvPr>
+          <p:cNvSpPr txBox="1"/>
+          <p:nvPr/>
+        </p:nvSpPr>
+        <p:spPr>
+          <a:xfrm>
+            <a:off x="421639" y="1146172"/>
+            <a:ext cx="12161521" cy="400110"/>
+          </a:xfrm>
+          <a:prstGeom prst="rect">
+            <a:avLst/>
+          </a:prstGeom>
+          <a:noFill/>
+        </p:spPr>
+        <p:txBody>
+          <a:bodyPr wrap="square" rtlCol="0">
+            <a:spAutoFit/>
+          </a:bodyPr>
+          <a:lstStyle/>
+          <a:p>
+            <a:r>
+              <a:rPr lang="en-US" sz="2000" b="1">
+                <a:latin typeface="Arial Narrow" panose="020B0606020202030204" pitchFamily="34" charset="0"/>
+              </a:rPr>
+              <a:t>if((ps-&gt;_Sh[1] &amp; (unsigned short) (0x7fff &amp; ~(unsigned short) ((1 &lt;&lt; 7) - 1))) == (unsigned short) ((1 &lt;&lt; 15 - 7) - 1) &lt;&lt; 7)</a:t>
+            </a:r>
+            <a:endParaRPr lang="de-DE" sz="2000" b="1">
+              <a:latin typeface="Arial Narrow" panose="020B0606020202030204" pitchFamily="34" charset="0"/>
             </a:endParaRPr>
           </a:p>
         </p:txBody>

--- a/Vortraege/tvg.pptx
+++ b/Vortraege/tvg.pptx
@@ -5,10 +5,10 @@
     <p:sldMasterId id="2147483708" r:id="rId1"/>
   </p:sldMasterIdLst>
   <p:notesMasterIdLst>
-    <p:notesMasterId r:id="rId12"/>
+    <p:notesMasterId r:id="rId15"/>
   </p:notesMasterIdLst>
   <p:handoutMasterIdLst>
-    <p:handoutMasterId r:id="rId13"/>
+    <p:handoutMasterId r:id="rId16"/>
   </p:handoutMasterIdLst>
   <p:sldIdLst>
     <p:sldId id="303" r:id="rId2"/>
@@ -20,36 +20,43 @@
     <p:sldId id="393" r:id="rId8"/>
     <p:sldId id="391" r:id="rId9"/>
     <p:sldId id="394" r:id="rId10"/>
-    <p:sldId id="388" r:id="rId11"/>
+    <p:sldId id="395" r:id="rId11"/>
+    <p:sldId id="396" r:id="rId12"/>
+    <p:sldId id="397" r:id="rId13"/>
+    <p:sldId id="388" r:id="rId14"/>
   </p:sldIdLst>
   <p:sldSz cx="13004800" cy="9753600"/>
   <p:notesSz cx="6819900" cy="9931400"/>
   <p:embeddedFontLst>
     <p:embeddedFont>
       <p:font typeface="Arial Narrow" panose="020B0606020202030204" pitchFamily="34" charset="0"/>
-      <p:regular r:id="rId14"/>
-      <p:bold r:id="rId15"/>
-      <p:italic r:id="rId16"/>
-      <p:boldItalic r:id="rId17"/>
+      <p:regular r:id="rId17"/>
+      <p:bold r:id="rId18"/>
+      <p:italic r:id="rId19"/>
+      <p:boldItalic r:id="rId20"/>
     </p:embeddedFont>
     <p:embeddedFont>
       <p:font typeface="Calibri" panose="020F0502020204030204" pitchFamily="34" charset="0"/>
-      <p:regular r:id="rId18"/>
-      <p:bold r:id="rId19"/>
-      <p:italic r:id="rId20"/>
-      <p:boldItalic r:id="rId21"/>
+      <p:regular r:id="rId21"/>
+      <p:bold r:id="rId22"/>
+      <p:italic r:id="rId23"/>
+      <p:boldItalic r:id="rId24"/>
+    </p:embeddedFont>
+    <p:embeddedFont>
+      <p:font typeface="Cambria Math" panose="02040503050406030204" pitchFamily="18" charset="0"/>
+      <p:regular r:id="rId25"/>
     </p:embeddedFont>
     <p:embeddedFont>
       <p:font typeface="Droid Sans Mono" panose="020B0609030804020204" pitchFamily="49" charset="0"/>
-      <p:regular r:id="rId22"/>
+      <p:regular r:id="rId26"/>
     </p:embeddedFont>
     <p:embeddedFont>
       <p:font typeface="Eurostile" panose="020B0504020202050204" pitchFamily="34" charset="0"/>
-      <p:regular r:id="rId23"/>
+      <p:regular r:id="rId27"/>
     </p:embeddedFont>
     <p:embeddedFont>
       <p:font typeface="Wingdings 3" panose="05040102010807070707" pitchFamily="18" charset="2"/>
-      <p:regular r:id="rId24"/>
+      <p:regular r:id="rId28"/>
     </p:embeddedFont>
   </p:embeddedFontLst>
   <p:defaultTextStyle>
@@ -1162,6 +1169,189 @@
 </file>
 
 <file path=ppt/notesSlides/notesSlide10.xml><?xml version="1.0" encoding="utf-8"?>
+<p:notes xmlns:a="http://schemas.openxmlformats.org/drawingml/2006/main" xmlns:r="http://schemas.openxmlformats.org/officeDocument/2006/relationships" xmlns:p="http://schemas.openxmlformats.org/presentationml/2006/main">
+  <p:cSld>
+    <p:spTree>
+      <p:nvGrpSpPr>
+        <p:cNvPr id="1" name=""/>
+        <p:cNvGrpSpPr/>
+        <p:nvPr/>
+      </p:nvGrpSpPr>
+      <p:grpSpPr>
+        <a:xfrm>
+          <a:off x="0" y="0"/>
+          <a:ext cx="0" cy="0"/>
+          <a:chOff x="0" y="0"/>
+          <a:chExt cx="0" cy="0"/>
+        </a:xfrm>
+      </p:grpSpPr>
+      <p:sp>
+        <p:nvSpPr>
+          <p:cNvPr id="2" name="Folienbildplatzhalter 1"/>
+          <p:cNvSpPr>
+            <a:spLocks noGrp="1" noRot="1" noChangeAspect="1"/>
+          </p:cNvSpPr>
+          <p:nvPr>
+            <p:ph type="sldImg"/>
+          </p:nvPr>
+        </p:nvSpPr>
+        <p:spPr/>
+      </p:sp>
+      <p:sp>
+        <p:nvSpPr>
+          <p:cNvPr id="3" name="Notizenplatzhalter 2"/>
+          <p:cNvSpPr>
+            <a:spLocks noGrp="1"/>
+          </p:cNvSpPr>
+          <p:nvPr>
+            <p:ph type="body" idx="1"/>
+          </p:nvPr>
+        </p:nvSpPr>
+        <p:spPr/>
+        <p:txBody>
+          <a:bodyPr/>
+          <a:lstStyle/>
+          <a:p>
+            <a:endParaRPr lang="de-DE"/>
+          </a:p>
+        </p:txBody>
+      </p:sp>
+    </p:spTree>
+    <p:extLst>
+      <p:ext uri="{BB962C8B-B14F-4D97-AF65-F5344CB8AC3E}">
+        <p14:creationId xmlns:p14="http://schemas.microsoft.com/office/powerpoint/2010/main" val="893799902"/>
+      </p:ext>
+    </p:extLst>
+  </p:cSld>
+  <p:clrMapOvr>
+    <a:masterClrMapping/>
+  </p:clrMapOvr>
+</p:notes>
+</file>
+
+<file path=ppt/notesSlides/notesSlide11.xml><?xml version="1.0" encoding="utf-8"?>
+<p:notes xmlns:a="http://schemas.openxmlformats.org/drawingml/2006/main" xmlns:r="http://schemas.openxmlformats.org/officeDocument/2006/relationships" xmlns:p="http://schemas.openxmlformats.org/presentationml/2006/main">
+  <p:cSld>
+    <p:spTree>
+      <p:nvGrpSpPr>
+        <p:cNvPr id="1" name=""/>
+        <p:cNvGrpSpPr/>
+        <p:nvPr/>
+      </p:nvGrpSpPr>
+      <p:grpSpPr>
+        <a:xfrm>
+          <a:off x="0" y="0"/>
+          <a:ext cx="0" cy="0"/>
+          <a:chOff x="0" y="0"/>
+          <a:chExt cx="0" cy="0"/>
+        </a:xfrm>
+      </p:grpSpPr>
+      <p:sp>
+        <p:nvSpPr>
+          <p:cNvPr id="2" name="Folienbildplatzhalter 1"/>
+          <p:cNvSpPr>
+            <a:spLocks noGrp="1" noRot="1" noChangeAspect="1"/>
+          </p:cNvSpPr>
+          <p:nvPr>
+            <p:ph type="sldImg"/>
+          </p:nvPr>
+        </p:nvSpPr>
+        <p:spPr/>
+      </p:sp>
+      <p:sp>
+        <p:nvSpPr>
+          <p:cNvPr id="3" name="Notizenplatzhalter 2"/>
+          <p:cNvSpPr>
+            <a:spLocks noGrp="1"/>
+          </p:cNvSpPr>
+          <p:nvPr>
+            <p:ph type="body" idx="1"/>
+          </p:nvPr>
+        </p:nvSpPr>
+        <p:spPr/>
+        <p:txBody>
+          <a:bodyPr/>
+          <a:lstStyle/>
+          <a:p>
+            <a:endParaRPr lang="de-DE"/>
+          </a:p>
+        </p:txBody>
+      </p:sp>
+    </p:spTree>
+    <p:extLst>
+      <p:ext uri="{BB962C8B-B14F-4D97-AF65-F5344CB8AC3E}">
+        <p14:creationId xmlns:p14="http://schemas.microsoft.com/office/powerpoint/2010/main" val="673589907"/>
+      </p:ext>
+    </p:extLst>
+  </p:cSld>
+  <p:clrMapOvr>
+    <a:masterClrMapping/>
+  </p:clrMapOvr>
+</p:notes>
+</file>
+
+<file path=ppt/notesSlides/notesSlide12.xml><?xml version="1.0" encoding="utf-8"?>
+<p:notes xmlns:a="http://schemas.openxmlformats.org/drawingml/2006/main" xmlns:r="http://schemas.openxmlformats.org/officeDocument/2006/relationships" xmlns:p="http://schemas.openxmlformats.org/presentationml/2006/main">
+  <p:cSld>
+    <p:spTree>
+      <p:nvGrpSpPr>
+        <p:cNvPr id="1" name=""/>
+        <p:cNvGrpSpPr/>
+        <p:nvPr/>
+      </p:nvGrpSpPr>
+      <p:grpSpPr>
+        <a:xfrm>
+          <a:off x="0" y="0"/>
+          <a:ext cx="0" cy="0"/>
+          <a:chOff x="0" y="0"/>
+          <a:chExt cx="0" cy="0"/>
+        </a:xfrm>
+      </p:grpSpPr>
+      <p:sp>
+        <p:nvSpPr>
+          <p:cNvPr id="2" name="Folienbildplatzhalter 1"/>
+          <p:cNvSpPr>
+            <a:spLocks noGrp="1" noRot="1" noChangeAspect="1"/>
+          </p:cNvSpPr>
+          <p:nvPr>
+            <p:ph type="sldImg"/>
+          </p:nvPr>
+        </p:nvSpPr>
+        <p:spPr/>
+      </p:sp>
+      <p:sp>
+        <p:nvSpPr>
+          <p:cNvPr id="3" name="Notizenplatzhalter 2"/>
+          <p:cNvSpPr>
+            <a:spLocks noGrp="1"/>
+          </p:cNvSpPr>
+          <p:nvPr>
+            <p:ph type="body" idx="1"/>
+          </p:nvPr>
+        </p:nvSpPr>
+        <p:spPr/>
+        <p:txBody>
+          <a:bodyPr/>
+          <a:lstStyle/>
+          <a:p>
+            <a:endParaRPr lang="de-DE"/>
+          </a:p>
+        </p:txBody>
+      </p:sp>
+    </p:spTree>
+    <p:extLst>
+      <p:ext uri="{BB962C8B-B14F-4D97-AF65-F5344CB8AC3E}">
+        <p14:creationId xmlns:p14="http://schemas.microsoft.com/office/powerpoint/2010/main" val="1455118150"/>
+      </p:ext>
+    </p:extLst>
+  </p:cSld>
+  <p:clrMapOvr>
+    <a:masterClrMapping/>
+  </p:clrMapOvr>
+</p:notes>
+</file>
+
+<file path=ppt/notesSlides/notesSlide13.xml><?xml version="1.0" encoding="utf-8"?>
 <p:notes xmlns:a="http://schemas.openxmlformats.org/drawingml/2006/main" xmlns:r="http://schemas.openxmlformats.org/officeDocument/2006/relationships" xmlns:p="http://schemas.openxmlformats.org/presentationml/2006/main">
   <p:cSld>
     <p:spTree>
@@ -3415,6 +3605,1155 @@
 </file>
 
 <file path=ppt/slides/slide10.xml><?xml version="1.0" encoding="utf-8"?>
+<p:sld xmlns:a="http://schemas.openxmlformats.org/drawingml/2006/main" xmlns:r="http://schemas.openxmlformats.org/officeDocument/2006/relationships" xmlns:p="http://schemas.openxmlformats.org/presentationml/2006/main">
+  <p:cSld>
+    <p:spTree>
+      <p:nvGrpSpPr>
+        <p:cNvPr id="1" name=""/>
+        <p:cNvGrpSpPr/>
+        <p:nvPr/>
+      </p:nvGrpSpPr>
+      <p:grpSpPr>
+        <a:xfrm>
+          <a:off x="0" y="0"/>
+          <a:ext cx="0" cy="0"/>
+          <a:chOff x="0" y="0"/>
+          <a:chExt cx="0" cy="0"/>
+        </a:xfrm>
+      </p:grpSpPr>
+      <p:sp>
+        <p:nvSpPr>
+          <p:cNvPr id="2" name="Titel 1"/>
+          <p:cNvSpPr>
+            <a:spLocks noGrp="1"/>
+          </p:cNvSpPr>
+          <p:nvPr>
+            <p:ph type="title"/>
+          </p:nvPr>
+        </p:nvSpPr>
+        <p:spPr/>
+        <p:txBody>
+          <a:bodyPr/>
+          <a:lstStyle/>
+          <a:p>
+            <a:r>
+              <a:rPr lang="en-GB">
+                <a:latin typeface="Eurostile" panose="020B0504020202050204" pitchFamily="34" charset="0"/>
+              </a:rPr>
+              <a:t>Trace Result Verification</a:t>
+            </a:r>
+            <a:endParaRPr lang="en-GB" dirty="0">
+              <a:latin typeface="Eurostile" panose="020B0504020202050204" pitchFamily="34" charset="0"/>
+            </a:endParaRPr>
+          </a:p>
+        </p:txBody>
+      </p:sp>
+      <p:sp>
+        <p:nvSpPr>
+          <p:cNvPr id="22" name="Inhaltsplatzhalter 2">
+            <a:extLst>
+              <a:ext uri="{FF2B5EF4-FFF2-40B4-BE49-F238E27FC236}">
+                <a16:creationId xmlns:a16="http://schemas.microsoft.com/office/drawing/2014/main" id="{BCD625D6-CB70-42E6-B4B7-BA424AD9C64C}"/>
+              </a:ext>
+            </a:extLst>
+          </p:cNvPr>
+          <p:cNvSpPr>
+            <a:spLocks noGrp="1"/>
+          </p:cNvSpPr>
+          <p:nvPr>
+            <p:ph idx="1"/>
+          </p:nvPr>
+        </p:nvSpPr>
+        <p:spPr>
+          <a:xfrm>
+            <a:off x="6502400" y="4044679"/>
+            <a:ext cx="6180446" cy="1453597"/>
+          </a:xfrm>
+          <a:ln>
+            <a:noFill/>
+          </a:ln>
+        </p:spPr>
+        <p:txBody>
+          <a:bodyPr lIns="64800"/>
+          <a:lstStyle/>
+          <a:p>
+            <a:pPr marL="650875" lvl="1" indent="0">
+              <a:buNone/>
+            </a:pPr>
+            <a:r>
+              <a:rPr lang="en-GB">
+                <a:latin typeface="Eurostile" panose="020B0504020202050204" pitchFamily="34" charset="0"/>
+              </a:rPr>
+              <a:t>Compile and execute the code:</a:t>
+            </a:r>
+            <a:br>
+              <a:rPr lang="en-GB">
+                <a:latin typeface="Eurostile" panose="020B0504020202050204" pitchFamily="34" charset="0"/>
+              </a:rPr>
+            </a:br>
+            <a:r>
+              <a:rPr lang="en-GB">
+                <a:solidFill>
+                  <a:srgbClr val="FF0000"/>
+                </a:solidFill>
+                <a:latin typeface="Eurostile" panose="020B0504020202050204" pitchFamily="34" charset="0"/>
+              </a:rPr>
+              <a:t>Result = Prediction?</a:t>
+            </a:r>
+            <a:endParaRPr lang="en-GB" b="0">
+              <a:solidFill>
+                <a:srgbClr val="FF0000"/>
+              </a:solidFill>
+              <a:latin typeface="Eurostile" panose="020B0504020202050204" pitchFamily="34" charset="0"/>
+            </a:endParaRPr>
+          </a:p>
+          <a:p>
+            <a:pPr marL="650875" lvl="1" indent="0">
+              <a:buNone/>
+            </a:pPr>
+            <a:endParaRPr lang="en-GB" b="0">
+              <a:latin typeface="Eurostile" panose="020B0504020202050204" pitchFamily="34" charset="0"/>
+            </a:endParaRPr>
+          </a:p>
+        </p:txBody>
+      </p:sp>
+      <p:pic>
+        <p:nvPicPr>
+          <p:cNvPr id="6" name="Grafik 5">
+            <a:extLst>
+              <a:ext uri="{FF2B5EF4-FFF2-40B4-BE49-F238E27FC236}">
+                <a16:creationId xmlns:a16="http://schemas.microsoft.com/office/drawing/2014/main" id="{2A6FEFE0-DC6E-4717-AAB4-5EF013BC697C}"/>
+              </a:ext>
+            </a:extLst>
+          </p:cNvPr>
+          <p:cNvPicPr>
+            <a:picLocks noChangeAspect="1"/>
+          </p:cNvPicPr>
+          <p:nvPr/>
+        </p:nvPicPr>
+        <p:blipFill>
+          <a:blip r:embed="rId3"/>
+          <a:stretch>
+            <a:fillRect/>
+          </a:stretch>
+        </p:blipFill>
+        <p:spPr>
+          <a:xfrm>
+            <a:off x="0" y="1163782"/>
+            <a:ext cx="5933444" cy="8096772"/>
+          </a:xfrm>
+          <a:prstGeom prst="rect">
+            <a:avLst/>
+          </a:prstGeom>
+        </p:spPr>
+      </p:pic>
+      <p:sp>
+        <p:nvSpPr>
+          <p:cNvPr id="27" name="Rechteck 26">
+            <a:extLst>
+              <a:ext uri="{FF2B5EF4-FFF2-40B4-BE49-F238E27FC236}">
+                <a16:creationId xmlns:a16="http://schemas.microsoft.com/office/drawing/2014/main" id="{EA2F01A5-A53B-45EA-B4D4-14A457707150}"/>
+              </a:ext>
+            </a:extLst>
+          </p:cNvPr>
+          <p:cNvSpPr/>
+          <p:nvPr/>
+        </p:nvSpPr>
+        <p:spPr>
+          <a:xfrm>
+            <a:off x="442799" y="8589819"/>
+            <a:ext cx="2312275" cy="328550"/>
+          </a:xfrm>
+          <a:prstGeom prst="rect">
+            <a:avLst/>
+          </a:prstGeom>
+          <a:solidFill>
+            <a:srgbClr val="FFFF00">
+              <a:alpha val="50000"/>
+            </a:srgbClr>
+          </a:solidFill>
+        </p:spPr>
+        <p:style>
+          <a:lnRef idx="2">
+            <a:schemeClr val="accent1">
+              <a:shade val="50000"/>
+            </a:schemeClr>
+          </a:lnRef>
+          <a:fillRef idx="1">
+            <a:schemeClr val="accent1"/>
+          </a:fillRef>
+          <a:effectRef idx="0">
+            <a:schemeClr val="accent1"/>
+          </a:effectRef>
+          <a:fontRef idx="minor">
+            <a:schemeClr val="lt1"/>
+          </a:fontRef>
+        </p:style>
+        <p:txBody>
+          <a:bodyPr rtlCol="0" anchor="ctr"/>
+          <a:lstStyle/>
+          <a:p>
+            <a:pPr algn="ctr"/>
+            <a:endParaRPr lang="de-DE"/>
+          </a:p>
+        </p:txBody>
+      </p:sp>
+      <p:sp>
+        <p:nvSpPr>
+          <p:cNvPr id="29" name="Rechteck 28">
+            <a:extLst>
+              <a:ext uri="{FF2B5EF4-FFF2-40B4-BE49-F238E27FC236}">
+                <a16:creationId xmlns:a16="http://schemas.microsoft.com/office/drawing/2014/main" id="{D2BEBC42-01EC-4F0E-9C29-7FB6E678168C}"/>
+              </a:ext>
+            </a:extLst>
+          </p:cNvPr>
+          <p:cNvSpPr/>
+          <p:nvPr/>
+        </p:nvSpPr>
+        <p:spPr>
+          <a:xfrm>
+            <a:off x="442799" y="8073463"/>
+            <a:ext cx="3891695" cy="197922"/>
+          </a:xfrm>
+          <a:prstGeom prst="rect">
+            <a:avLst/>
+          </a:prstGeom>
+          <a:solidFill>
+            <a:srgbClr val="FFFF00">
+              <a:alpha val="50000"/>
+            </a:srgbClr>
+          </a:solidFill>
+        </p:spPr>
+        <p:style>
+          <a:lnRef idx="2">
+            <a:schemeClr val="accent1">
+              <a:shade val="50000"/>
+            </a:schemeClr>
+          </a:lnRef>
+          <a:fillRef idx="1">
+            <a:schemeClr val="accent1"/>
+          </a:fillRef>
+          <a:effectRef idx="0">
+            <a:schemeClr val="accent1"/>
+          </a:effectRef>
+          <a:fontRef idx="minor">
+            <a:schemeClr val="lt1"/>
+          </a:fontRef>
+        </p:style>
+        <p:txBody>
+          <a:bodyPr rtlCol="0" anchor="ctr"/>
+          <a:lstStyle/>
+          <a:p>
+            <a:pPr algn="ctr"/>
+            <a:endParaRPr lang="de-DE"/>
+          </a:p>
+        </p:txBody>
+      </p:sp>
+      <p:sp>
+        <p:nvSpPr>
+          <p:cNvPr id="34" name="Inhaltsplatzhalter 2">
+            <a:extLst>
+              <a:ext uri="{FF2B5EF4-FFF2-40B4-BE49-F238E27FC236}">
+                <a16:creationId xmlns:a16="http://schemas.microsoft.com/office/drawing/2014/main" id="{C11E3180-076D-4A8B-8B74-B9A137852B3B}"/>
+              </a:ext>
+            </a:extLst>
+          </p:cNvPr>
+          <p:cNvSpPr txBox="1">
+            <a:spLocks/>
+          </p:cNvSpPr>
+          <p:nvPr/>
+        </p:nvSpPr>
+        <p:spPr>
+          <a:xfrm>
+            <a:off x="3800103" y="7958683"/>
+            <a:ext cx="7112072" cy="551072"/>
+          </a:xfrm>
+          <a:prstGeom prst="rect">
+            <a:avLst/>
+          </a:prstGeom>
+          <a:ln>
+            <a:noFill/>
+          </a:ln>
+        </p:spPr>
+        <p:txBody>
+          <a:bodyPr lIns="64800" tIns="65023" rIns="130046" bIns="65023"/>
+          <a:lstStyle>
+            <a:lvl1pPr marL="487363" indent="-487363" algn="l" rtl="0" eaLnBrk="0" fontAlgn="base" hangingPunct="0">
+              <a:spcBef>
+                <a:spcPct val="20000"/>
+              </a:spcBef>
+              <a:spcAft>
+                <a:spcPct val="0"/>
+              </a:spcAft>
+              <a:buFont typeface="Wingdings 3" pitchFamily="18" charset="2"/>
+              <a:buChar char=""/>
+              <a:defRPr sz="2800" b="1" spc="0">
+                <a:solidFill>
+                  <a:schemeClr val="tx1"/>
+                </a:solidFill>
+                <a:latin typeface="+mn-lt"/>
+                <a:ea typeface="+mn-ea"/>
+                <a:cs typeface="+mn-cs"/>
+              </a:defRPr>
+            </a:lvl1pPr>
+            <a:lvl2pPr marL="1055688" indent="-404813" algn="l" rtl="0" eaLnBrk="0" fontAlgn="base" hangingPunct="0">
+              <a:spcBef>
+                <a:spcPct val="20000"/>
+              </a:spcBef>
+              <a:spcAft>
+                <a:spcPct val="0"/>
+              </a:spcAft>
+              <a:buFont typeface="Calibri" pitchFamily="34" charset="0"/>
+              <a:buChar char="–"/>
+              <a:defRPr sz="2800" spc="0">
+                <a:solidFill>
+                  <a:schemeClr val="tx1"/>
+                </a:solidFill>
+                <a:latin typeface="+mn-lt"/>
+              </a:defRPr>
+            </a:lvl2pPr>
+            <a:lvl3pPr marL="1624013" indent="-323850" algn="l" rtl="0" eaLnBrk="0" fontAlgn="base" hangingPunct="0">
+              <a:spcBef>
+                <a:spcPct val="20000"/>
+              </a:spcBef>
+              <a:spcAft>
+                <a:spcPct val="0"/>
+              </a:spcAft>
+              <a:buChar char="•"/>
+              <a:defRPr sz="2400" spc="0">
+                <a:solidFill>
+                  <a:schemeClr val="tx1"/>
+                </a:solidFill>
+                <a:latin typeface="+mn-lt"/>
+              </a:defRPr>
+            </a:lvl3pPr>
+            <a:lvl4pPr marL="2274888" indent="-323850" algn="l" rtl="0" eaLnBrk="0" fontAlgn="base" hangingPunct="0">
+              <a:spcBef>
+                <a:spcPct val="20000"/>
+              </a:spcBef>
+              <a:spcAft>
+                <a:spcPct val="0"/>
+              </a:spcAft>
+              <a:buChar char="–"/>
+              <a:defRPr sz="2000" spc="0">
+                <a:solidFill>
+                  <a:schemeClr val="tx1"/>
+                </a:solidFill>
+                <a:latin typeface="+mn-lt"/>
+              </a:defRPr>
+            </a:lvl4pPr>
+            <a:lvl5pPr marL="2925763" indent="-323850" algn="l" rtl="0" eaLnBrk="0" fontAlgn="base" hangingPunct="0">
+              <a:spcBef>
+                <a:spcPct val="20000"/>
+              </a:spcBef>
+              <a:spcAft>
+                <a:spcPct val="0"/>
+              </a:spcAft>
+              <a:buChar char="»"/>
+              <a:defRPr sz="1800" spc="0">
+                <a:solidFill>
+                  <a:schemeClr val="tx1"/>
+                </a:solidFill>
+                <a:latin typeface="+mn-lt"/>
+              </a:defRPr>
+            </a:lvl5pPr>
+            <a:lvl6pPr marL="3576264" indent="-325115" algn="l" rtl="0" eaLnBrk="1" fontAlgn="base" hangingPunct="1">
+              <a:spcBef>
+                <a:spcPct val="20000"/>
+              </a:spcBef>
+              <a:spcAft>
+                <a:spcPct val="0"/>
+              </a:spcAft>
+              <a:buChar char="»"/>
+              <a:defRPr sz="2800">
+                <a:solidFill>
+                  <a:schemeClr val="tx1"/>
+                </a:solidFill>
+                <a:latin typeface="+mn-lt"/>
+              </a:defRPr>
+            </a:lvl6pPr>
+            <a:lvl7pPr marL="4226494" indent="-325115" algn="l" rtl="0" eaLnBrk="1" fontAlgn="base" hangingPunct="1">
+              <a:spcBef>
+                <a:spcPct val="20000"/>
+              </a:spcBef>
+              <a:spcAft>
+                <a:spcPct val="0"/>
+              </a:spcAft>
+              <a:buChar char="»"/>
+              <a:defRPr sz="2800">
+                <a:solidFill>
+                  <a:schemeClr val="tx1"/>
+                </a:solidFill>
+                <a:latin typeface="+mn-lt"/>
+              </a:defRPr>
+            </a:lvl7pPr>
+            <a:lvl8pPr marL="4876724" indent="-325115" algn="l" rtl="0" eaLnBrk="1" fontAlgn="base" hangingPunct="1">
+              <a:spcBef>
+                <a:spcPct val="20000"/>
+              </a:spcBef>
+              <a:spcAft>
+                <a:spcPct val="0"/>
+              </a:spcAft>
+              <a:buChar char="»"/>
+              <a:defRPr sz="2800">
+                <a:solidFill>
+                  <a:schemeClr val="tx1"/>
+                </a:solidFill>
+                <a:latin typeface="+mn-lt"/>
+              </a:defRPr>
+            </a:lvl8pPr>
+            <a:lvl9pPr marL="5526954" indent="-325115" algn="l" rtl="0" eaLnBrk="1" fontAlgn="base" hangingPunct="1">
+              <a:spcBef>
+                <a:spcPct val="20000"/>
+              </a:spcBef>
+              <a:spcAft>
+                <a:spcPct val="0"/>
+              </a:spcAft>
+              <a:buChar char="»"/>
+              <a:defRPr sz="2800">
+                <a:solidFill>
+                  <a:schemeClr val="tx1"/>
+                </a:solidFill>
+                <a:latin typeface="+mn-lt"/>
+              </a:defRPr>
+            </a:lvl9pPr>
+          </a:lstStyle>
+          <a:p>
+            <a:pPr marL="650875" lvl="1" indent="0">
+              <a:buFont typeface="Calibri" pitchFamily="34" charset="0"/>
+              <a:buNone/>
+            </a:pPr>
+            <a:r>
+              <a:rPr lang="en-GB" sz="2000" kern="0">
+                <a:latin typeface="Eurostile" panose="020B0504020202050204" pitchFamily="34" charset="0"/>
+              </a:rPr>
+              <a:t>Get arguments from commandline</a:t>
+            </a:r>
+          </a:p>
+        </p:txBody>
+      </p:sp>
+      <p:sp>
+        <p:nvSpPr>
+          <p:cNvPr id="36" name="Inhaltsplatzhalter 2">
+            <a:extLst>
+              <a:ext uri="{FF2B5EF4-FFF2-40B4-BE49-F238E27FC236}">
+                <a16:creationId xmlns:a16="http://schemas.microsoft.com/office/drawing/2014/main" id="{53776843-18DD-4453-8097-85CC6357F639}"/>
+              </a:ext>
+            </a:extLst>
+          </p:cNvPr>
+          <p:cNvSpPr txBox="1">
+            <a:spLocks/>
+          </p:cNvSpPr>
+          <p:nvPr/>
+        </p:nvSpPr>
+        <p:spPr>
+          <a:xfrm>
+            <a:off x="3776587" y="8453266"/>
+            <a:ext cx="7112072" cy="690733"/>
+          </a:xfrm>
+          <a:prstGeom prst="rect">
+            <a:avLst/>
+          </a:prstGeom>
+          <a:ln>
+            <a:noFill/>
+          </a:ln>
+        </p:spPr>
+        <p:txBody>
+          <a:bodyPr lIns="64800" tIns="65023" rIns="130046" bIns="65023"/>
+          <a:lstStyle>
+            <a:lvl1pPr marL="487363" indent="-487363" algn="l" rtl="0" eaLnBrk="0" fontAlgn="base" hangingPunct="0">
+              <a:spcBef>
+                <a:spcPct val="20000"/>
+              </a:spcBef>
+              <a:spcAft>
+                <a:spcPct val="0"/>
+              </a:spcAft>
+              <a:buFont typeface="Wingdings 3" pitchFamily="18" charset="2"/>
+              <a:buChar char=""/>
+              <a:defRPr sz="2800" b="1" spc="0">
+                <a:solidFill>
+                  <a:schemeClr val="tx1"/>
+                </a:solidFill>
+                <a:latin typeface="+mn-lt"/>
+                <a:ea typeface="+mn-ea"/>
+                <a:cs typeface="+mn-cs"/>
+              </a:defRPr>
+            </a:lvl1pPr>
+            <a:lvl2pPr marL="1055688" indent="-404813" algn="l" rtl="0" eaLnBrk="0" fontAlgn="base" hangingPunct="0">
+              <a:spcBef>
+                <a:spcPct val="20000"/>
+              </a:spcBef>
+              <a:spcAft>
+                <a:spcPct val="0"/>
+              </a:spcAft>
+              <a:buFont typeface="Calibri" pitchFamily="34" charset="0"/>
+              <a:buChar char="–"/>
+              <a:defRPr sz="2800" spc="0">
+                <a:solidFill>
+                  <a:schemeClr val="tx1"/>
+                </a:solidFill>
+                <a:latin typeface="+mn-lt"/>
+              </a:defRPr>
+            </a:lvl2pPr>
+            <a:lvl3pPr marL="1624013" indent="-323850" algn="l" rtl="0" eaLnBrk="0" fontAlgn="base" hangingPunct="0">
+              <a:spcBef>
+                <a:spcPct val="20000"/>
+              </a:spcBef>
+              <a:spcAft>
+                <a:spcPct val="0"/>
+              </a:spcAft>
+              <a:buChar char="•"/>
+              <a:defRPr sz="2400" spc="0">
+                <a:solidFill>
+                  <a:schemeClr val="tx1"/>
+                </a:solidFill>
+                <a:latin typeface="+mn-lt"/>
+              </a:defRPr>
+            </a:lvl3pPr>
+            <a:lvl4pPr marL="2274888" indent="-323850" algn="l" rtl="0" eaLnBrk="0" fontAlgn="base" hangingPunct="0">
+              <a:spcBef>
+                <a:spcPct val="20000"/>
+              </a:spcBef>
+              <a:spcAft>
+                <a:spcPct val="0"/>
+              </a:spcAft>
+              <a:buChar char="–"/>
+              <a:defRPr sz="2000" spc="0">
+                <a:solidFill>
+                  <a:schemeClr val="tx1"/>
+                </a:solidFill>
+                <a:latin typeface="+mn-lt"/>
+              </a:defRPr>
+            </a:lvl4pPr>
+            <a:lvl5pPr marL="2925763" indent="-323850" algn="l" rtl="0" eaLnBrk="0" fontAlgn="base" hangingPunct="0">
+              <a:spcBef>
+                <a:spcPct val="20000"/>
+              </a:spcBef>
+              <a:spcAft>
+                <a:spcPct val="0"/>
+              </a:spcAft>
+              <a:buChar char="»"/>
+              <a:defRPr sz="1800" spc="0">
+                <a:solidFill>
+                  <a:schemeClr val="tx1"/>
+                </a:solidFill>
+                <a:latin typeface="+mn-lt"/>
+              </a:defRPr>
+            </a:lvl5pPr>
+            <a:lvl6pPr marL="3576264" indent="-325115" algn="l" rtl="0" eaLnBrk="1" fontAlgn="base" hangingPunct="1">
+              <a:spcBef>
+                <a:spcPct val="20000"/>
+              </a:spcBef>
+              <a:spcAft>
+                <a:spcPct val="0"/>
+              </a:spcAft>
+              <a:buChar char="»"/>
+              <a:defRPr sz="2800">
+                <a:solidFill>
+                  <a:schemeClr val="tx1"/>
+                </a:solidFill>
+                <a:latin typeface="+mn-lt"/>
+              </a:defRPr>
+            </a:lvl6pPr>
+            <a:lvl7pPr marL="4226494" indent="-325115" algn="l" rtl="0" eaLnBrk="1" fontAlgn="base" hangingPunct="1">
+              <a:spcBef>
+                <a:spcPct val="20000"/>
+              </a:spcBef>
+              <a:spcAft>
+                <a:spcPct val="0"/>
+              </a:spcAft>
+              <a:buChar char="»"/>
+              <a:defRPr sz="2800">
+                <a:solidFill>
+                  <a:schemeClr val="tx1"/>
+                </a:solidFill>
+                <a:latin typeface="+mn-lt"/>
+              </a:defRPr>
+            </a:lvl7pPr>
+            <a:lvl8pPr marL="4876724" indent="-325115" algn="l" rtl="0" eaLnBrk="1" fontAlgn="base" hangingPunct="1">
+              <a:spcBef>
+                <a:spcPct val="20000"/>
+              </a:spcBef>
+              <a:spcAft>
+                <a:spcPct val="0"/>
+              </a:spcAft>
+              <a:buChar char="»"/>
+              <a:defRPr sz="2800">
+                <a:solidFill>
+                  <a:schemeClr val="tx1"/>
+                </a:solidFill>
+                <a:latin typeface="+mn-lt"/>
+              </a:defRPr>
+            </a:lvl8pPr>
+            <a:lvl9pPr marL="5526954" indent="-325115" algn="l" rtl="0" eaLnBrk="1" fontAlgn="base" hangingPunct="1">
+              <a:spcBef>
+                <a:spcPct val="20000"/>
+              </a:spcBef>
+              <a:spcAft>
+                <a:spcPct val="0"/>
+              </a:spcAft>
+              <a:buChar char="»"/>
+              <a:defRPr sz="2800">
+                <a:solidFill>
+                  <a:schemeClr val="tx1"/>
+                </a:solidFill>
+                <a:latin typeface="+mn-lt"/>
+              </a:defRPr>
+            </a:lvl9pPr>
+          </a:lstStyle>
+          <a:p>
+            <a:pPr marL="650875" lvl="1" indent="0">
+              <a:buFont typeface="Calibri" pitchFamily="34" charset="0"/>
+              <a:buNone/>
+            </a:pPr>
+            <a:r>
+              <a:rPr lang="en-GB" sz="2000" kern="0">
+                <a:latin typeface="Eurostile" panose="020B0504020202050204" pitchFamily="34" charset="0"/>
+              </a:rPr>
+              <a:t>Execute function</a:t>
+            </a:r>
+            <a:br>
+              <a:rPr lang="en-GB" sz="2000" kern="0">
+                <a:latin typeface="Eurostile" panose="020B0504020202050204" pitchFamily="34" charset="0"/>
+              </a:rPr>
+            </a:br>
+            <a:r>
+              <a:rPr lang="en-GB" sz="2000" kern="0">
+                <a:latin typeface="Eurostile" panose="020B0504020202050204" pitchFamily="34" charset="0"/>
+              </a:rPr>
+              <a:t>Print return value to stdout</a:t>
+            </a:r>
+          </a:p>
+        </p:txBody>
+      </p:sp>
+    </p:spTree>
+    <p:extLst>
+      <p:ext uri="{BB962C8B-B14F-4D97-AF65-F5344CB8AC3E}">
+        <p14:creationId xmlns:p14="http://schemas.microsoft.com/office/powerpoint/2010/main" val="2495551845"/>
+      </p:ext>
+    </p:extLst>
+  </p:cSld>
+  <p:clrMapOvr>
+    <a:masterClrMapping/>
+  </p:clrMapOvr>
+  <p:timing>
+    <p:tnLst>
+      <p:par>
+        <p:cTn id="1" dur="indefinite" restart="never" nodeType="tmRoot">
+          <p:childTnLst>
+            <p:seq concurrent="1" nextAc="seek">
+              <p:cTn id="2" dur="indefinite" nodeType="mainSeq">
+                <p:childTnLst>
+                  <p:par>
+                    <p:cTn id="3" fill="hold">
+                      <p:stCondLst>
+                        <p:cond delay="indefinite"/>
+                      </p:stCondLst>
+                      <p:childTnLst>
+                        <p:par>
+                          <p:cTn id="4" fill="hold">
+                            <p:stCondLst>
+                              <p:cond delay="0"/>
+                            </p:stCondLst>
+                            <p:childTnLst>
+                              <p:par>
+                                <p:cTn id="5" presetID="1" presetClass="entr" presetSubtype="0" fill="hold" grpId="0" nodeType="clickEffect">
+                                  <p:stCondLst>
+                                    <p:cond delay="0"/>
+                                  </p:stCondLst>
+                                  <p:childTnLst>
+                                    <p:set>
+                                      <p:cBhvr>
+                                        <p:cTn id="6" dur="1" fill="hold">
+                                          <p:stCondLst>
+                                            <p:cond delay="0"/>
+                                          </p:stCondLst>
+                                        </p:cTn>
+                                        <p:tgtEl>
+                                          <p:spTgt spid="34"/>
+                                        </p:tgtEl>
+                                        <p:attrNameLst>
+                                          <p:attrName>style.visibility</p:attrName>
+                                        </p:attrNameLst>
+                                      </p:cBhvr>
+                                      <p:to>
+                                        <p:strVal val="visible"/>
+                                      </p:to>
+                                    </p:set>
+                                  </p:childTnLst>
+                                </p:cTn>
+                              </p:par>
+                              <p:par>
+                                <p:cTn id="7" presetID="1" presetClass="entr" presetSubtype="0" fill="hold" grpId="0" nodeType="withEffect">
+                                  <p:stCondLst>
+                                    <p:cond delay="0"/>
+                                  </p:stCondLst>
+                                  <p:childTnLst>
+                                    <p:set>
+                                      <p:cBhvr>
+                                        <p:cTn id="8" dur="1" fill="hold">
+                                          <p:stCondLst>
+                                            <p:cond delay="0"/>
+                                          </p:stCondLst>
+                                        </p:cTn>
+                                        <p:tgtEl>
+                                          <p:spTgt spid="29"/>
+                                        </p:tgtEl>
+                                        <p:attrNameLst>
+                                          <p:attrName>style.visibility</p:attrName>
+                                        </p:attrNameLst>
+                                      </p:cBhvr>
+                                      <p:to>
+                                        <p:strVal val="visible"/>
+                                      </p:to>
+                                    </p:set>
+                                  </p:childTnLst>
+                                </p:cTn>
+                              </p:par>
+                            </p:childTnLst>
+                          </p:cTn>
+                        </p:par>
+                      </p:childTnLst>
+                    </p:cTn>
+                  </p:par>
+                  <p:par>
+                    <p:cTn id="9" fill="hold">
+                      <p:stCondLst>
+                        <p:cond delay="indefinite"/>
+                      </p:stCondLst>
+                      <p:childTnLst>
+                        <p:par>
+                          <p:cTn id="10" fill="hold">
+                            <p:stCondLst>
+                              <p:cond delay="0"/>
+                            </p:stCondLst>
+                            <p:childTnLst>
+                              <p:par>
+                                <p:cTn id="11" presetID="1" presetClass="entr" presetSubtype="0" fill="hold" grpId="0" nodeType="clickEffect">
+                                  <p:stCondLst>
+                                    <p:cond delay="0"/>
+                                  </p:stCondLst>
+                                  <p:childTnLst>
+                                    <p:set>
+                                      <p:cBhvr>
+                                        <p:cTn id="12" dur="1" fill="hold">
+                                          <p:stCondLst>
+                                            <p:cond delay="0"/>
+                                          </p:stCondLst>
+                                        </p:cTn>
+                                        <p:tgtEl>
+                                          <p:spTgt spid="36"/>
+                                        </p:tgtEl>
+                                        <p:attrNameLst>
+                                          <p:attrName>style.visibility</p:attrName>
+                                        </p:attrNameLst>
+                                      </p:cBhvr>
+                                      <p:to>
+                                        <p:strVal val="visible"/>
+                                      </p:to>
+                                    </p:set>
+                                  </p:childTnLst>
+                                </p:cTn>
+                              </p:par>
+                              <p:par>
+                                <p:cTn id="13" presetID="1" presetClass="entr" presetSubtype="0" fill="hold" grpId="0" nodeType="withEffect">
+                                  <p:stCondLst>
+                                    <p:cond delay="0"/>
+                                  </p:stCondLst>
+                                  <p:childTnLst>
+                                    <p:set>
+                                      <p:cBhvr>
+                                        <p:cTn id="14" dur="1" fill="hold">
+                                          <p:stCondLst>
+                                            <p:cond delay="0"/>
+                                          </p:stCondLst>
+                                        </p:cTn>
+                                        <p:tgtEl>
+                                          <p:spTgt spid="27"/>
+                                        </p:tgtEl>
+                                        <p:attrNameLst>
+                                          <p:attrName>style.visibility</p:attrName>
+                                        </p:attrNameLst>
+                                      </p:cBhvr>
+                                      <p:to>
+                                        <p:strVal val="visible"/>
+                                      </p:to>
+                                    </p:set>
+                                  </p:childTnLst>
+                                </p:cTn>
+                              </p:par>
+                            </p:childTnLst>
+                          </p:cTn>
+                        </p:par>
+                      </p:childTnLst>
+                    </p:cTn>
+                  </p:par>
+                </p:childTnLst>
+              </p:cTn>
+              <p:prevCondLst>
+                <p:cond evt="onPrev" delay="0">
+                  <p:tgtEl>
+                    <p:sldTgt/>
+                  </p:tgtEl>
+                </p:cond>
+              </p:prevCondLst>
+              <p:nextCondLst>
+                <p:cond evt="onNext" delay="0">
+                  <p:tgtEl>
+                    <p:sldTgt/>
+                  </p:tgtEl>
+                </p:cond>
+              </p:nextCondLst>
+            </p:seq>
+          </p:childTnLst>
+        </p:cTn>
+      </p:par>
+    </p:tnLst>
+    <p:bldLst>
+      <p:bldP spid="27" grpId="0" animBg="1"/>
+      <p:bldP spid="29" grpId="0" animBg="1"/>
+      <p:bldP spid="34" grpId="0"/>
+      <p:bldP spid="36" grpId="0"/>
+    </p:bldLst>
+  </p:timing>
+</p:sld>
+</file>
+
+<file path=ppt/slides/slide11.xml><?xml version="1.0" encoding="utf-8"?>
+<p:sld xmlns:a="http://schemas.openxmlformats.org/drawingml/2006/main" xmlns:r="http://schemas.openxmlformats.org/officeDocument/2006/relationships" xmlns:p="http://schemas.openxmlformats.org/presentationml/2006/main">
+  <p:cSld>
+    <p:spTree>
+      <p:nvGrpSpPr>
+        <p:cNvPr id="1" name=""/>
+        <p:cNvGrpSpPr/>
+        <p:nvPr/>
+      </p:nvGrpSpPr>
+      <p:grpSpPr>
+        <a:xfrm>
+          <a:off x="0" y="0"/>
+          <a:ext cx="0" cy="0"/>
+          <a:chOff x="0" y="0"/>
+          <a:chExt cx="0" cy="0"/>
+        </a:xfrm>
+      </p:grpSpPr>
+      <p:sp>
+        <p:nvSpPr>
+          <p:cNvPr id="2" name="Titel 1"/>
+          <p:cNvSpPr>
+            <a:spLocks noGrp="1"/>
+          </p:cNvSpPr>
+          <p:nvPr>
+            <p:ph type="title"/>
+          </p:nvPr>
+        </p:nvSpPr>
+        <p:spPr/>
+        <p:txBody>
+          <a:bodyPr/>
+          <a:lstStyle/>
+          <a:p>
+            <a:r>
+              <a:rPr lang="en-GB">
+                <a:latin typeface="Eurostile" panose="020B0504020202050204" pitchFamily="34" charset="0"/>
+              </a:rPr>
+              <a:t>Template</a:t>
+            </a:r>
+            <a:endParaRPr lang="en-GB" dirty="0">
+              <a:latin typeface="Eurostile" panose="020B0504020202050204" pitchFamily="34" charset="0"/>
+            </a:endParaRPr>
+          </a:p>
+        </p:txBody>
+      </p:sp>
+      <p:sp>
+        <p:nvSpPr>
+          <p:cNvPr id="3" name="Inhaltsplatzhalter 2"/>
+          <p:cNvSpPr>
+            <a:spLocks noGrp="1"/>
+          </p:cNvSpPr>
+          <p:nvPr>
+            <p:ph idx="1"/>
+          </p:nvPr>
+        </p:nvSpPr>
+        <p:spPr>
+          <a:ln>
+            <a:noFill/>
+          </a:ln>
+        </p:spPr>
+        <p:txBody>
+          <a:bodyPr/>
+          <a:lstStyle/>
+          <a:p>
+            <a:pPr lvl="1"/>
+            <a:r>
+              <a:rPr lang="en-GB" b="0">
+                <a:latin typeface="Eurostile" panose="020B0504020202050204" pitchFamily="34" charset="0"/>
+              </a:rPr>
+              <a:t>Library Qualification: ISO26262 demands</a:t>
+            </a:r>
+          </a:p>
+        </p:txBody>
+      </p:sp>
+    </p:spTree>
+    <p:extLst>
+      <p:ext uri="{BB962C8B-B14F-4D97-AF65-F5344CB8AC3E}">
+        <p14:creationId xmlns:p14="http://schemas.microsoft.com/office/powerpoint/2010/main" val="1563738116"/>
+      </p:ext>
+    </p:extLst>
+  </p:cSld>
+  <p:clrMapOvr>
+    <a:masterClrMapping/>
+  </p:clrMapOvr>
+</p:sld>
+</file>
+
+<file path=ppt/slides/slide12.xml><?xml version="1.0" encoding="utf-8"?>
+<p:sld xmlns:a="http://schemas.openxmlformats.org/drawingml/2006/main" xmlns:r="http://schemas.openxmlformats.org/officeDocument/2006/relationships" xmlns:p="http://schemas.openxmlformats.org/presentationml/2006/main">
+  <p:cSld>
+    <p:spTree>
+      <p:nvGrpSpPr>
+        <p:cNvPr id="1" name=""/>
+        <p:cNvGrpSpPr/>
+        <p:nvPr/>
+      </p:nvGrpSpPr>
+      <p:grpSpPr>
+        <a:xfrm>
+          <a:off x="0" y="0"/>
+          <a:ext cx="0" cy="0"/>
+          <a:chOff x="0" y="0"/>
+          <a:chExt cx="0" cy="0"/>
+        </a:xfrm>
+      </p:grpSpPr>
+      <p:sp>
+        <p:nvSpPr>
+          <p:cNvPr id="2" name="Titel 1"/>
+          <p:cNvSpPr>
+            <a:spLocks noGrp="1"/>
+          </p:cNvSpPr>
+          <p:nvPr>
+            <p:ph type="title"/>
+          </p:nvPr>
+        </p:nvSpPr>
+        <p:spPr/>
+        <p:txBody>
+          <a:bodyPr/>
+          <a:lstStyle/>
+          <a:p>
+            <a:r>
+              <a:rPr lang="en-GB">
+                <a:latin typeface="Eurostile" panose="020B0504020202050204" pitchFamily="34" charset="0"/>
+              </a:rPr>
+              <a:t>Loop Length Inference</a:t>
+            </a:r>
+            <a:endParaRPr lang="en-GB" dirty="0">
+              <a:latin typeface="Eurostile" panose="020B0504020202050204" pitchFamily="34" charset="0"/>
+            </a:endParaRPr>
+          </a:p>
+        </p:txBody>
+      </p:sp>
+      <mc:AlternateContent xmlns:mc="http://schemas.openxmlformats.org/markup-compatibility/2006">
+        <mc:Choice xmlns:a14="http://schemas.microsoft.com/office/drawing/2010/main" Requires="a14">
+          <p:sp>
+            <p:nvSpPr>
+              <p:cNvPr id="3" name="Inhaltsplatzhalter 2"/>
+              <p:cNvSpPr>
+                <a:spLocks noGrp="1"/>
+              </p:cNvSpPr>
+              <p:nvPr>
+                <p:ph idx="1"/>
+              </p:nvPr>
+            </p:nvSpPr>
+            <p:spPr>
+              <a:ln>
+                <a:noFill/>
+              </a:ln>
+            </p:spPr>
+            <p:txBody>
+              <a:bodyPr/>
+              <a:lstStyle/>
+              <a:p>
+                <a:pPr lvl="1"/>
+                <a:r>
+                  <a:rPr lang="en-GB" b="0">
+                    <a:latin typeface="Eurostile" panose="020B0504020202050204" pitchFamily="34" charset="0"/>
+                  </a:rPr>
+                  <a:t>t traces in a loop body, loops n times:</a:t>
+                </a:r>
+                <a:br>
+                  <a:rPr lang="en-GB" b="0">
+                    <a:latin typeface="Eurostile" panose="020B0504020202050204" pitchFamily="34" charset="0"/>
+                  </a:rPr>
+                </a:br>
+                <a14:m>
+                  <m:oMath xmlns:m="http://schemas.openxmlformats.org/officeDocument/2006/math">
+                    <m:nary>
+                      <m:naryPr>
+                        <m:chr m:val="∑"/>
+                        <m:ctrlPr>
+                          <a:rPr lang="en-GB" b="0" i="1" smtClean="0">
+                            <a:latin typeface="Cambria Math" panose="02040503050406030204" pitchFamily="18" charset="0"/>
+                          </a:rPr>
+                        </m:ctrlPr>
+                      </m:naryPr>
+                      <m:sub>
+                        <m:r>
+                          <m:rPr>
+                            <m:brk m:alnAt="23"/>
+                          </m:rPr>
+                          <a:rPr lang="de-DE" b="0" i="1" smtClean="0">
+                            <a:latin typeface="Cambria Math" panose="02040503050406030204" pitchFamily="18" charset="0"/>
+                          </a:rPr>
+                          <m:t>𝑛</m:t>
+                        </m:r>
+                        <m:r>
+                          <a:rPr lang="de-DE" b="0" i="1" smtClean="0">
+                            <a:latin typeface="Cambria Math" panose="02040503050406030204" pitchFamily="18" charset="0"/>
+                          </a:rPr>
+                          <m:t>=0</m:t>
+                        </m:r>
+                      </m:sub>
+                      <m:sup>
+                        <m:sSub>
+                          <m:sSubPr>
+                            <m:ctrlPr>
+                              <a:rPr lang="de-DE" b="0" i="1" smtClean="0">
+                                <a:latin typeface="Cambria Math" panose="02040503050406030204" pitchFamily="18" charset="0"/>
+                              </a:rPr>
+                            </m:ctrlPr>
+                          </m:sSubPr>
+                          <m:e>
+                            <m:r>
+                              <a:rPr lang="de-DE" b="0" i="1" smtClean="0">
+                                <a:latin typeface="Cambria Math" panose="02040503050406030204" pitchFamily="18" charset="0"/>
+                              </a:rPr>
+                              <m:t>𝑛</m:t>
+                            </m:r>
+                          </m:e>
+                          <m:sub>
+                            <m:r>
+                              <a:rPr lang="de-DE" b="0" i="1" smtClean="0">
+                                <a:latin typeface="Cambria Math" panose="02040503050406030204" pitchFamily="18" charset="0"/>
+                              </a:rPr>
+                              <m:t>𝑙𝑜𝑜𝑝𝑠</m:t>
+                            </m:r>
+                          </m:sub>
+                        </m:sSub>
+                      </m:sup>
+                      <m:e>
+                        <m:sSup>
+                          <m:sSupPr>
+                            <m:ctrlPr>
+                              <a:rPr lang="en-GB" b="0" i="1" smtClean="0">
+                                <a:latin typeface="Cambria Math" panose="02040503050406030204" pitchFamily="18" charset="0"/>
+                              </a:rPr>
+                            </m:ctrlPr>
+                          </m:sSupPr>
+                          <m:e>
+                            <m:r>
+                              <a:rPr lang="de-DE" b="0" i="1" smtClean="0">
+                                <a:latin typeface="Cambria Math" panose="02040503050406030204" pitchFamily="18" charset="0"/>
+                              </a:rPr>
+                              <m:t>𝑡</m:t>
+                            </m:r>
+                          </m:e>
+                          <m:sup>
+                            <m:r>
+                              <a:rPr lang="de-DE" b="0" i="1" smtClean="0">
+                                <a:latin typeface="Cambria Math" panose="02040503050406030204" pitchFamily="18" charset="0"/>
+                              </a:rPr>
+                              <m:t>𝑛</m:t>
+                            </m:r>
+                          </m:sup>
+                        </m:sSup>
+                      </m:e>
+                    </m:nary>
+                  </m:oMath>
+                </a14:m>
+                <a:r>
+                  <a:rPr lang="en-GB" b="0">
+                    <a:latin typeface="Eurostile" panose="020B0504020202050204" pitchFamily="34" charset="0"/>
+                  </a:rPr>
+                  <a:t> traces to examine.</a:t>
+                </a:r>
+              </a:p>
+              <a:p>
+                <a:pPr lvl="1"/>
+                <a:r>
+                  <a:rPr lang="en-GB">
+                    <a:latin typeface="Eurostile" panose="020B0504020202050204" pitchFamily="34" charset="0"/>
+                  </a:rPr>
+                  <a:t>Infer loop length (possible for most loops):</a:t>
+                </a:r>
+                <a:br>
+                  <a:rPr lang="en-GB">
+                    <a:latin typeface="Eurostile" panose="020B0504020202050204" pitchFamily="34" charset="0"/>
+                  </a:rPr>
+                </a:br>
+                <a:r>
+                  <a:rPr lang="en-GB">
+                    <a:latin typeface="Eurostile" panose="020B0504020202050204" pitchFamily="34" charset="0"/>
+                  </a:rPr>
+                  <a:t>same montone counter manipulation</a:t>
+                </a:r>
+                <a:r>
+                  <a:rPr lang="en-GB" b="0">
+                    <a:latin typeface="Eurostile" panose="020B0504020202050204" pitchFamily="34" charset="0"/>
+                  </a:rPr>
+                  <a:t> in every body trace?</a:t>
+                </a:r>
+              </a:p>
+            </p:txBody>
+          </p:sp>
+        </mc:Choice>
+        <mc:Fallback>
+          <p:sp>
+            <p:nvSpPr>
+              <p:cNvPr id="3" name="Inhaltsplatzhalter 2"/>
+              <p:cNvSpPr>
+                <a:spLocks noGrp="1" noRot="1" noChangeAspect="1" noMove="1" noResize="1" noEditPoints="1" noAdjustHandles="1" noChangeArrowheads="1" noChangeShapeType="1" noTextEdit="1"/>
+              </p:cNvSpPr>
+              <p:nvPr>
+                <p:ph idx="1"/>
+              </p:nvPr>
+            </p:nvSpPr>
+            <p:spPr>
+              <a:blipFill>
+                <a:blip r:embed="rId3"/>
+                <a:stretch>
+                  <a:fillRect t="-501"/>
+                </a:stretch>
+              </a:blipFill>
+              <a:ln>
+                <a:noFill/>
+              </a:ln>
+            </p:spPr>
+            <p:txBody>
+              <a:bodyPr/>
+              <a:lstStyle/>
+              <a:p>
+                <a:r>
+                  <a:rPr lang="de-DE">
+                    <a:noFill/>
+                  </a:rPr>
+                  <a:t> </a:t>
+                </a:r>
+              </a:p>
+            </p:txBody>
+          </p:sp>
+        </mc:Fallback>
+      </mc:AlternateContent>
+    </p:spTree>
+    <p:extLst>
+      <p:ext uri="{BB962C8B-B14F-4D97-AF65-F5344CB8AC3E}">
+        <p14:creationId xmlns:p14="http://schemas.microsoft.com/office/powerpoint/2010/main" val="2387920944"/>
+      </p:ext>
+    </p:extLst>
+  </p:cSld>
+  <p:clrMapOvr>
+    <a:masterClrMapping/>
+  </p:clrMapOvr>
+</p:sld>
+</file>
+
+<file path=ppt/slides/slide13.xml><?xml version="1.0" encoding="utf-8"?>
 <p:sld xmlns:a="http://schemas.openxmlformats.org/drawingml/2006/main" xmlns:r="http://schemas.openxmlformats.org/officeDocument/2006/relationships" xmlns:p="http://schemas.openxmlformats.org/presentationml/2006/main">
   <p:cSld>
     <p:spTree>

--- a/Vortraege/tvg.pptx
+++ b/Vortraege/tvg.pptx
@@ -385,7 +385,7 @@
               <a:pPr>
                 <a:defRPr/>
               </a:pPr>
-              <a:t>5/3/2021</a:t>
+              <a:t>5/4/2021</a:t>
             </a:fld>
             <a:endParaRPr lang="en-US" altLang="de-DE"/>
           </a:p>
@@ -1149,7 +1149,7 @@
               <a:pPr>
                 <a:defRPr/>
               </a:pPr>
-              <a:t>03.05.2021</a:t>
+              <a:t>04.05.2021</a:t>
             </a:fld>
             <a:endParaRPr lang="de-DE"/>
           </a:p>
@@ -4691,7 +4691,7 @@
                   <a:rPr lang="en-GB">
                     <a:latin typeface="Eurostile" panose="020B0504020202050204" pitchFamily="34" charset="0"/>
                   </a:rPr>
-                  <a:t>same montone counter manipulation</a:t>
+                  <a:t>same strictly montone counter manipulation</a:t>
                 </a:r>
                 <a:r>
                   <a:rPr lang="en-GB" b="0">
@@ -4699,6 +4699,188 @@
                   </a:rPr>
                   <a:t> in every body trace?</a:t>
                 </a:r>
+                <a:br>
+                  <a:rPr lang="en-GB" b="0">
+                    <a:latin typeface="Eurostile" panose="020B0504020202050204" pitchFamily="34" charset="0"/>
+                  </a:rPr>
+                </a:br>
+                <a14:m>
+                  <m:oMath xmlns:m="http://schemas.openxmlformats.org/officeDocument/2006/math">
+                    <m:sSup>
+                      <m:sSupPr>
+                        <m:ctrlPr>
+                          <a:rPr lang="en-GB" b="0" i="1" smtClean="0">
+                            <a:latin typeface="Cambria Math" panose="02040503050406030204" pitchFamily="18" charset="0"/>
+                          </a:rPr>
+                        </m:ctrlPr>
+                      </m:sSupPr>
+                      <m:e>
+                        <m:r>
+                          <a:rPr lang="de-DE" b="0" i="1" smtClean="0">
+                            <a:latin typeface="Cambria Math" panose="02040503050406030204" pitchFamily="18" charset="0"/>
+                          </a:rPr>
+                          <m:t>(</m:t>
+                        </m:r>
+                        <m:r>
+                          <a:rPr lang="de-DE" b="0" i="1" smtClean="0">
+                            <a:latin typeface="Cambria Math" panose="02040503050406030204" pitchFamily="18" charset="0"/>
+                          </a:rPr>
+                          <m:t>𝑥</m:t>
+                        </m:r>
+                        <m:r>
+                          <a:rPr lang="de-DE" b="0" i="1" smtClean="0">
+                            <a:latin typeface="Cambria Math" panose="02040503050406030204" pitchFamily="18" charset="0"/>
+                          </a:rPr>
+                          <m:t>≫1;)</m:t>
+                        </m:r>
+                      </m:e>
+                      <m:sup>
+                        <m:r>
+                          <a:rPr lang="de-DE" b="0" i="1" smtClean="0">
+                            <a:latin typeface="Cambria Math" panose="02040503050406030204" pitchFamily="18" charset="0"/>
+                          </a:rPr>
+                          <m:t>𝑛</m:t>
+                        </m:r>
+                      </m:sup>
+                    </m:sSup>
+                    <m:groupChr>
+                      <m:groupChrPr>
+                        <m:chr m:val="→"/>
+                        <m:vertJc m:val="bot"/>
+                        <m:ctrlPr>
+                          <a:rPr lang="en-GB" b="0" i="1" smtClean="0">
+                            <a:latin typeface="Cambria Math" panose="02040503050406030204" pitchFamily="18" charset="0"/>
+                          </a:rPr>
+                        </m:ctrlPr>
+                      </m:groupChrPr>
+                      <m:e/>
+                    </m:groupChr>
+                    <m:r>
+                      <a:rPr lang="de-DE" b="0" i="1" smtClean="0">
+                        <a:latin typeface="Cambria Math" panose="02040503050406030204" pitchFamily="18" charset="0"/>
+                      </a:rPr>
+                      <m:t> </m:t>
+                    </m:r>
+                  </m:oMath>
+                </a14:m>
+                <a:br>
+                  <a:rPr lang="de-DE" b="0" i="1">
+                    <a:latin typeface="Cambria Math" panose="02040503050406030204" pitchFamily="18" charset="0"/>
+                  </a:rPr>
+                </a:br>
+                <a:br>
+                  <a:rPr lang="de-DE" b="0" i="1">
+                    <a:latin typeface="Cambria Math" panose="02040503050406030204" pitchFamily="18" charset="0"/>
+                  </a:rPr>
+                </a:br>
+                <a14:m>
+                  <m:oMath xmlns:m="http://schemas.openxmlformats.org/officeDocument/2006/math">
+                    <m:sSup>
+                      <m:sSupPr>
+                        <m:ctrlPr>
+                          <a:rPr lang="en-GB" b="0" i="1" smtClean="0">
+                            <a:latin typeface="Cambria Math" panose="02040503050406030204" pitchFamily="18" charset="0"/>
+                          </a:rPr>
+                        </m:ctrlPr>
+                      </m:sSupPr>
+                      <m:e>
+                        <m:r>
+                          <a:rPr lang="de-DE" b="0" i="1" smtClean="0">
+                            <a:latin typeface="Cambria Math" panose="02040503050406030204" pitchFamily="18" charset="0"/>
+                          </a:rPr>
+                          <m:t>(</m:t>
+                        </m:r>
+                        <m:r>
+                          <a:rPr lang="de-DE" b="0" i="1" smtClean="0">
+                            <a:latin typeface="Cambria Math" panose="02040503050406030204" pitchFamily="18" charset="0"/>
+                          </a:rPr>
+                          <m:t>𝑥</m:t>
+                        </m:r>
+                        <m:r>
+                          <a:rPr lang="de-DE" b="0" i="1" smtClean="0">
+                            <a:latin typeface="Cambria Math" panose="02040503050406030204" pitchFamily="18" charset="0"/>
+                          </a:rPr>
+                          <m:t>++;)</m:t>
+                        </m:r>
+                      </m:e>
+                      <m:sup>
+                        <m:r>
+                          <a:rPr lang="de-DE" b="0" i="1" smtClean="0">
+                            <a:latin typeface="Cambria Math" panose="02040503050406030204" pitchFamily="18" charset="0"/>
+                          </a:rPr>
+                          <m:t>𝑛</m:t>
+                        </m:r>
+                      </m:sup>
+                    </m:sSup>
+                    <m:r>
+                      <a:rPr lang="de-DE" b="0" i="1" smtClean="0">
+                        <a:latin typeface="Cambria Math" panose="02040503050406030204" pitchFamily="18" charset="0"/>
+                      </a:rPr>
+                      <m:t>   </m:t>
+                    </m:r>
+                    <m:groupChr>
+                      <m:groupChrPr>
+                        <m:chr m:val="⇔"/>
+                        <m:vertJc m:val="bot"/>
+                        <m:ctrlPr>
+                          <a:rPr lang="de-DE" b="0" i="1" smtClean="0">
+                            <a:latin typeface="Cambria Math" panose="02040503050406030204" pitchFamily="18" charset="0"/>
+                          </a:rPr>
+                        </m:ctrlPr>
+                      </m:groupChrPr>
+                      <m:e>
+                        <m:r>
+                          <m:rPr>
+                            <m:brk m:alnAt="2"/>
+                          </m:rPr>
+                          <a:rPr lang="de-DE" b="0" i="1" smtClean="0">
+                            <a:latin typeface="Cambria Math" panose="02040503050406030204" pitchFamily="18" charset="0"/>
+                          </a:rPr>
+                          <m:t>𝑏</m:t>
+                        </m:r>
+                        <m:r>
+                          <a:rPr lang="de-DE" b="0" i="1" smtClean="0">
+                            <a:latin typeface="Cambria Math" panose="02040503050406030204" pitchFamily="18" charset="0"/>
+                          </a:rPr>
+                          <m:t>𝑖𝑠𝑖𝑚𝑢𝑙𝑎𝑟</m:t>
+                        </m:r>
+                      </m:e>
+                    </m:groupChr>
+                    <m:r>
+                      <a:rPr lang="de-DE" b="0" i="1" smtClean="0">
+                        <a:latin typeface="Cambria Math" panose="02040503050406030204" pitchFamily="18" charset="0"/>
+                      </a:rPr>
+                      <m:t>  </m:t>
+                    </m:r>
+                    <m:r>
+                      <a:rPr lang="de-DE" b="0" i="1" smtClean="0">
+                        <a:latin typeface="Cambria Math" panose="02040503050406030204" pitchFamily="18" charset="0"/>
+                      </a:rPr>
+                      <m:t>𝑥</m:t>
+                    </m:r>
+                    <m:r>
+                      <a:rPr lang="de-DE" b="0" i="1" smtClean="0">
+                        <a:latin typeface="Cambria Math" panose="02040503050406030204" pitchFamily="18" charset="0"/>
+                      </a:rPr>
+                      <m:t>+=</m:t>
+                    </m:r>
+                    <m:r>
+                      <a:rPr lang="de-DE" b="0" i="1" smtClean="0">
+                        <a:latin typeface="Cambria Math" panose="02040503050406030204" pitchFamily="18" charset="0"/>
+                      </a:rPr>
+                      <m:t>𝑛</m:t>
+                    </m:r>
+                    <m:r>
+                      <a:rPr lang="de-DE" b="0" i="1" smtClean="0">
+                        <a:latin typeface="Cambria Math" panose="02040503050406030204" pitchFamily="18" charset="0"/>
+                      </a:rPr>
+                      <m:t>;</m:t>
+                    </m:r>
+                  </m:oMath>
+                </a14:m>
+                <a:endParaRPr lang="en-GB" b="0">
+                  <a:latin typeface="Eurostile" panose="020B0504020202050204" pitchFamily="34" charset="0"/>
+                </a:endParaRPr>
               </a:p>
             </p:txBody>
           </p:sp>
@@ -4740,6 +4922,36 @@
           </p:sp>
         </mc:Fallback>
       </mc:AlternateContent>
+      <p:pic>
+        <p:nvPicPr>
+          <p:cNvPr id="5" name="Grafik 4">
+            <a:extLst>
+              <a:ext uri="{FF2B5EF4-FFF2-40B4-BE49-F238E27FC236}">
+                <a16:creationId xmlns:a16="http://schemas.microsoft.com/office/drawing/2014/main" id="{ABF593DC-6687-40FC-8FE3-B0D10ADCD9EC}"/>
+              </a:ext>
+            </a:extLst>
+          </p:cNvPr>
+          <p:cNvPicPr>
+            <a:picLocks noChangeAspect="1"/>
+          </p:cNvPicPr>
+          <p:nvPr/>
+        </p:nvPicPr>
+        <p:blipFill>
+          <a:blip r:embed="rId4"/>
+          <a:stretch>
+            <a:fillRect/>
+          </a:stretch>
+        </p:blipFill>
+        <p:spPr>
+          <a:xfrm>
+            <a:off x="1123055" y="6275950"/>
+            <a:ext cx="10758689" cy="2398433"/>
+          </a:xfrm>
+          <a:prstGeom prst="rect">
+            <a:avLst/>
+          </a:prstGeom>
+        </p:spPr>
+      </p:pic>
     </p:spTree>
     <p:extLst>
       <p:ext uri="{BB962C8B-B14F-4D97-AF65-F5344CB8AC3E}">

--- a/Vortraege/tvg.pptx
+++ b/Vortraege/tvg.pptx
@@ -385,7 +385,7 @@
               <a:pPr>
                 <a:defRPr/>
               </a:pPr>
-              <a:t>5/4/2021</a:t>
+              <a:t>5/5/2021</a:t>
             </a:fld>
             <a:endParaRPr lang="en-US" altLang="de-DE"/>
           </a:p>
@@ -1149,7 +1149,7 @@
               <a:pPr>
                 <a:defRPr/>
               </a:pPr>
-              <a:t>04.05.2021</a:t>
+              <a:t>05.05.2021</a:t>
             </a:fld>
             <a:endParaRPr lang="de-DE"/>
           </a:p>
@@ -4549,8 +4549,8 @@
           </a:p>
         </p:txBody>
       </p:sp>
-      <mc:AlternateContent xmlns:mc="http://schemas.openxmlformats.org/markup-compatibility/2006">
-        <mc:Choice xmlns:a14="http://schemas.microsoft.com/office/drawing/2010/main" Requires="a14">
+      <mc:AlternateContent xmlns:mc="http://schemas.openxmlformats.org/markup-compatibility/2006" xmlns:a14="http://schemas.microsoft.com/office/drawing/2010/main">
+        <mc:Choice Requires="a14">
           <p:sp>
             <p:nvSpPr>
               <p:cNvPr id="3" name="Inhaltsplatzhalter 2"/>
@@ -4885,7 +4885,7 @@
             </p:txBody>
           </p:sp>
         </mc:Choice>
-        <mc:Fallback>
+        <mc:Fallback xmlns="">
           <p:sp>
             <p:nvSpPr>
               <p:cNvPr id="3" name="Inhaltsplatzhalter 2"/>
@@ -5379,6 +5379,22 @@
                 <a:latin typeface="Eurostile" panose="020B0504020202050204" pitchFamily="34" charset="0"/>
               </a:rPr>
               <a:t>Show Tests</a:t>
+            </a:r>
+          </a:p>
+          <a:p>
+            <a:r>
+              <a:rPr lang="en-GB" sz="1400" b="0">
+                <a:latin typeface="Eurostile" panose="020B0504020202050204" pitchFamily="34" charset="0"/>
+              </a:rPr>
+              <a:t>Compilation of Source Code Snippets</a:t>
+            </a:r>
+          </a:p>
+          <a:p>
+            <a:r>
+              <a:rPr lang="en-GB" sz="1400" b="0">
+                <a:latin typeface="Eurostile" panose="020B0504020202050204" pitchFamily="34" charset="0"/>
+              </a:rPr>
+              <a:t>State Of the Art?</a:t>
             </a:r>
           </a:p>
           <a:p>

--- a/Vortraege/tvg.pptx
+++ b/Vortraege/tvg.pptx
@@ -7054,8 +7054,8 @@
         </p:nvSpPr>
         <p:spPr>
           <a:xfrm>
-            <a:off x="487680" y="5937662"/>
-            <a:ext cx="12029440" cy="2736721"/>
+            <a:off x="442800" y="5937662"/>
+            <a:ext cx="12029440" cy="3301341"/>
           </a:xfrm>
           <a:ln>
             <a:noFill/>
@@ -7075,13 +7075,13 @@
               <a:rPr lang="en-GB" sz="2400" u="sng">
                 <a:latin typeface="Eurostile" panose="020B0504020202050204" pitchFamily="34" charset="0"/>
               </a:rPr>
-              <a:t>MC/DC </a:t>
+              <a:t>MC/DC</a:t>
             </a:r>
             <a:r>
               <a:rPr lang="en-GB" sz="2400" b="0">
                 <a:latin typeface="Eurostile" panose="020B0504020202050204" pitchFamily="34" charset="0"/>
               </a:rPr>
-              <a:t>coverage?</a:t>
+              <a:t> coverage?</a:t>
             </a:r>
           </a:p>
           <a:p>
@@ -7090,12 +7090,788 @@
             </a:endParaRPr>
           </a:p>
           <a:p>
+            <a:pPr marL="0" indent="0">
+              <a:buNone/>
+            </a:pPr>
             <a:endParaRPr lang="en-GB" sz="2400" b="0">
               <a:latin typeface="Eurostile" panose="020B0504020202050204" pitchFamily="34" charset="0"/>
             </a:endParaRPr>
           </a:p>
         </p:txBody>
       </p:sp>
+      <p:sp>
+        <p:nvSpPr>
+          <p:cNvPr id="7" name="Textfeld 6">
+            <a:extLst>
+              <a:ext uri="{FF2B5EF4-FFF2-40B4-BE49-F238E27FC236}">
+                <a16:creationId xmlns:a16="http://schemas.microsoft.com/office/drawing/2014/main" id="{9FBC8C10-E141-495A-800E-089657BAD863}"/>
+              </a:ext>
+            </a:extLst>
+          </p:cNvPr>
+          <p:cNvSpPr txBox="1"/>
+          <p:nvPr/>
+        </p:nvSpPr>
+        <p:spPr>
+          <a:xfrm>
+            <a:off x="5068254" y="6982157"/>
+            <a:ext cx="1197764" cy="369332"/>
+          </a:xfrm>
+          <a:prstGeom prst="rect">
+            <a:avLst/>
+          </a:prstGeom>
+          <a:noFill/>
+        </p:spPr>
+        <p:txBody>
+          <a:bodyPr wrap="none" rtlCol="0">
+            <a:spAutoFit/>
+          </a:bodyPr>
+          <a:lstStyle/>
+          <a:p>
+            <a:r>
+              <a:rPr lang="de-DE"/>
+              <a:t>if (line 24)</a:t>
+            </a:r>
+            <a:endParaRPr lang="de-DE">
+              <a:solidFill>
+                <a:srgbClr val="FF0000"/>
+              </a:solidFill>
+            </a:endParaRPr>
+          </a:p>
+        </p:txBody>
+      </p:sp>
+      <p:cxnSp>
+        <p:nvCxnSpPr>
+          <p:cNvPr id="8" name="Gerade Verbindung mit Pfeil 7">
+            <a:extLst>
+              <a:ext uri="{FF2B5EF4-FFF2-40B4-BE49-F238E27FC236}">
+                <a16:creationId xmlns:a16="http://schemas.microsoft.com/office/drawing/2014/main" id="{6E124E79-E96E-4623-8748-4FE45FDFCD58}"/>
+              </a:ext>
+            </a:extLst>
+          </p:cNvPr>
+          <p:cNvCxnSpPr>
+            <a:cxnSpLocks/>
+            <a:stCxn id="7" idx="2"/>
+            <a:endCxn id="11" idx="0"/>
+          </p:cNvCxnSpPr>
+          <p:nvPr/>
+        </p:nvCxnSpPr>
+        <p:spPr>
+          <a:xfrm flipH="1">
+            <a:off x="4467711" y="7351489"/>
+            <a:ext cx="1199425" cy="299576"/>
+          </a:xfrm>
+          <a:prstGeom prst="straightConnector1">
+            <a:avLst/>
+          </a:prstGeom>
+          <a:ln w="25400">
+            <a:headEnd type="oval"/>
+            <a:tailEnd type="triangle" w="lg" len="lg"/>
+          </a:ln>
+        </p:spPr>
+        <p:style>
+          <a:lnRef idx="1">
+            <a:schemeClr val="accent1"/>
+          </a:lnRef>
+          <a:fillRef idx="0">
+            <a:schemeClr val="accent1"/>
+          </a:fillRef>
+          <a:effectRef idx="0">
+            <a:schemeClr val="accent1"/>
+          </a:effectRef>
+          <a:fontRef idx="minor">
+            <a:schemeClr val="tx1"/>
+          </a:fontRef>
+        </p:style>
+      </p:cxnSp>
+      <p:cxnSp>
+        <p:nvCxnSpPr>
+          <p:cNvPr id="9" name="Gerade Verbindung mit Pfeil 8">
+            <a:extLst>
+              <a:ext uri="{FF2B5EF4-FFF2-40B4-BE49-F238E27FC236}">
+                <a16:creationId xmlns:a16="http://schemas.microsoft.com/office/drawing/2014/main" id="{3ECD0CF3-E3AF-4673-894A-ACF8D8009B3B}"/>
+              </a:ext>
+            </a:extLst>
+          </p:cNvPr>
+          <p:cNvCxnSpPr>
+            <a:cxnSpLocks/>
+            <a:stCxn id="7" idx="2"/>
+            <a:endCxn id="19" idx="0"/>
+          </p:cNvCxnSpPr>
+          <p:nvPr/>
+        </p:nvCxnSpPr>
+        <p:spPr>
+          <a:xfrm>
+            <a:off x="5667136" y="7351489"/>
+            <a:ext cx="1499902" cy="299576"/>
+          </a:xfrm>
+          <a:prstGeom prst="straightConnector1">
+            <a:avLst/>
+          </a:prstGeom>
+          <a:ln w="25400">
+            <a:headEnd type="oval"/>
+            <a:tailEnd type="triangle" w="lg" len="lg"/>
+          </a:ln>
+        </p:spPr>
+        <p:style>
+          <a:lnRef idx="1">
+            <a:schemeClr val="accent1"/>
+          </a:lnRef>
+          <a:fillRef idx="0">
+            <a:schemeClr val="accent1"/>
+          </a:fillRef>
+          <a:effectRef idx="0">
+            <a:schemeClr val="accent1"/>
+          </a:effectRef>
+          <a:fontRef idx="minor">
+            <a:schemeClr val="tx1"/>
+          </a:fontRef>
+        </p:style>
+      </p:cxnSp>
+      <p:sp>
+        <p:nvSpPr>
+          <p:cNvPr id="11" name="Textfeld 10">
+            <a:extLst>
+              <a:ext uri="{FF2B5EF4-FFF2-40B4-BE49-F238E27FC236}">
+                <a16:creationId xmlns:a16="http://schemas.microsoft.com/office/drawing/2014/main" id="{FC4F37B8-3FAD-4866-B9F1-C2B646C6657C}"/>
+              </a:ext>
+            </a:extLst>
+          </p:cNvPr>
+          <p:cNvSpPr txBox="1"/>
+          <p:nvPr/>
+        </p:nvSpPr>
+        <p:spPr>
+          <a:xfrm>
+            <a:off x="4311258" y="7651065"/>
+            <a:ext cx="312906" cy="369332"/>
+          </a:xfrm>
+          <a:prstGeom prst="rect">
+            <a:avLst/>
+          </a:prstGeom>
+          <a:noFill/>
+        </p:spPr>
+        <p:txBody>
+          <a:bodyPr wrap="none" rtlCol="0">
+            <a:spAutoFit/>
+          </a:bodyPr>
+          <a:lstStyle/>
+          <a:p>
+            <a:r>
+              <a:rPr lang="de-DE">
+                <a:solidFill>
+                  <a:srgbClr val="FF0000"/>
+                </a:solidFill>
+              </a:rPr>
+              <a:t>3</a:t>
+            </a:r>
+          </a:p>
+        </p:txBody>
+      </p:sp>
+      <p:sp>
+        <p:nvSpPr>
+          <p:cNvPr id="14" name="Textfeld 13">
+            <a:extLst>
+              <a:ext uri="{FF2B5EF4-FFF2-40B4-BE49-F238E27FC236}">
+                <a16:creationId xmlns:a16="http://schemas.microsoft.com/office/drawing/2014/main" id="{7F333718-0654-4430-94F3-09E1C3602DCF}"/>
+              </a:ext>
+            </a:extLst>
+          </p:cNvPr>
+          <p:cNvSpPr txBox="1"/>
+          <p:nvPr/>
+        </p:nvSpPr>
+        <p:spPr>
+          <a:xfrm>
+            <a:off x="4753035" y="7389421"/>
+            <a:ext cx="431528" cy="246221"/>
+          </a:xfrm>
+          <a:prstGeom prst="rect">
+            <a:avLst/>
+          </a:prstGeom>
+          <a:noFill/>
+        </p:spPr>
+        <p:txBody>
+          <a:bodyPr wrap="none" rtlCol="0">
+            <a:spAutoFit/>
+          </a:bodyPr>
+          <a:lstStyle/>
+          <a:p>
+            <a:r>
+              <a:rPr lang="de-DE" sz="1000"/>
+              <a:t>then</a:t>
+            </a:r>
+            <a:endParaRPr lang="de-DE" sz="1000">
+              <a:solidFill>
+                <a:srgbClr val="FF0000"/>
+              </a:solidFill>
+            </a:endParaRPr>
+          </a:p>
+        </p:txBody>
+      </p:sp>
+      <p:sp>
+        <p:nvSpPr>
+          <p:cNvPr id="17" name="Textfeld 16">
+            <a:extLst>
+              <a:ext uri="{FF2B5EF4-FFF2-40B4-BE49-F238E27FC236}">
+                <a16:creationId xmlns:a16="http://schemas.microsoft.com/office/drawing/2014/main" id="{2D6A0860-FF32-4579-B669-432D9BC031D8}"/>
+              </a:ext>
+            </a:extLst>
+          </p:cNvPr>
+          <p:cNvSpPr txBox="1"/>
+          <p:nvPr/>
+        </p:nvSpPr>
+        <p:spPr>
+          <a:xfrm>
+            <a:off x="6266018" y="7373999"/>
+            <a:ext cx="418704" cy="246221"/>
+          </a:xfrm>
+          <a:prstGeom prst="rect">
+            <a:avLst/>
+          </a:prstGeom>
+          <a:noFill/>
+        </p:spPr>
+        <p:txBody>
+          <a:bodyPr wrap="none" rtlCol="0">
+            <a:spAutoFit/>
+          </a:bodyPr>
+          <a:lstStyle/>
+          <a:p>
+            <a:r>
+              <a:rPr lang="de-DE" sz="1000"/>
+              <a:t>else</a:t>
+            </a:r>
+            <a:endParaRPr lang="de-DE" sz="1000">
+              <a:solidFill>
+                <a:srgbClr val="FF0000"/>
+              </a:solidFill>
+            </a:endParaRPr>
+          </a:p>
+        </p:txBody>
+      </p:sp>
+      <p:sp>
+        <p:nvSpPr>
+          <p:cNvPr id="19" name="Textfeld 18">
+            <a:extLst>
+              <a:ext uri="{FF2B5EF4-FFF2-40B4-BE49-F238E27FC236}">
+                <a16:creationId xmlns:a16="http://schemas.microsoft.com/office/drawing/2014/main" id="{4385B8AB-64FF-4734-B73B-906CE7AF9759}"/>
+              </a:ext>
+            </a:extLst>
+          </p:cNvPr>
+          <p:cNvSpPr txBox="1"/>
+          <p:nvPr/>
+        </p:nvSpPr>
+        <p:spPr>
+          <a:xfrm>
+            <a:off x="6324499" y="7651065"/>
+            <a:ext cx="1685077" cy="369332"/>
+          </a:xfrm>
+          <a:prstGeom prst="rect">
+            <a:avLst/>
+          </a:prstGeom>
+          <a:noFill/>
+        </p:spPr>
+        <p:txBody>
+          <a:bodyPr wrap="none" rtlCol="0">
+            <a:spAutoFit/>
+          </a:bodyPr>
+          <a:lstStyle/>
+          <a:p>
+            <a:r>
+              <a:rPr lang="de-DE"/>
+              <a:t>else if (line 27)</a:t>
+            </a:r>
+            <a:endParaRPr lang="de-DE">
+              <a:solidFill>
+                <a:srgbClr val="FF0000"/>
+              </a:solidFill>
+            </a:endParaRPr>
+          </a:p>
+        </p:txBody>
+      </p:sp>
+      <p:cxnSp>
+        <p:nvCxnSpPr>
+          <p:cNvPr id="24" name="Gerade Verbindung mit Pfeil 23">
+            <a:extLst>
+              <a:ext uri="{FF2B5EF4-FFF2-40B4-BE49-F238E27FC236}">
+                <a16:creationId xmlns:a16="http://schemas.microsoft.com/office/drawing/2014/main" id="{16013E2D-2982-4329-AE82-DF974049BE08}"/>
+              </a:ext>
+            </a:extLst>
+          </p:cNvPr>
+          <p:cNvCxnSpPr>
+            <a:cxnSpLocks/>
+            <a:stCxn id="19" idx="2"/>
+          </p:cNvCxnSpPr>
+          <p:nvPr/>
+        </p:nvCxnSpPr>
+        <p:spPr>
+          <a:xfrm flipH="1">
+            <a:off x="5868342" y="8020397"/>
+            <a:ext cx="1298696" cy="267692"/>
+          </a:xfrm>
+          <a:prstGeom prst="straightConnector1">
+            <a:avLst/>
+          </a:prstGeom>
+          <a:ln w="25400">
+            <a:headEnd type="oval"/>
+            <a:tailEnd type="triangle" w="lg" len="lg"/>
+          </a:ln>
+        </p:spPr>
+        <p:style>
+          <a:lnRef idx="1">
+            <a:schemeClr val="accent1"/>
+          </a:lnRef>
+          <a:fillRef idx="0">
+            <a:schemeClr val="accent1"/>
+          </a:fillRef>
+          <a:effectRef idx="0">
+            <a:schemeClr val="accent1"/>
+          </a:effectRef>
+          <a:fontRef idx="minor">
+            <a:schemeClr val="tx1"/>
+          </a:fontRef>
+        </p:style>
+      </p:cxnSp>
+      <p:cxnSp>
+        <p:nvCxnSpPr>
+          <p:cNvPr id="25" name="Gerade Verbindung mit Pfeil 24">
+            <a:extLst>
+              <a:ext uri="{FF2B5EF4-FFF2-40B4-BE49-F238E27FC236}">
+                <a16:creationId xmlns:a16="http://schemas.microsoft.com/office/drawing/2014/main" id="{A0CB16AA-E910-4E2D-A35B-B192E7A91C66}"/>
+              </a:ext>
+            </a:extLst>
+          </p:cNvPr>
+          <p:cNvCxnSpPr>
+            <a:cxnSpLocks/>
+            <a:stCxn id="19" idx="2"/>
+          </p:cNvCxnSpPr>
+          <p:nvPr/>
+        </p:nvCxnSpPr>
+        <p:spPr>
+          <a:xfrm>
+            <a:off x="7167038" y="8020397"/>
+            <a:ext cx="1369868" cy="277648"/>
+          </a:xfrm>
+          <a:prstGeom prst="straightConnector1">
+            <a:avLst/>
+          </a:prstGeom>
+          <a:ln w="25400">
+            <a:headEnd type="oval"/>
+            <a:tailEnd type="triangle" w="lg" len="lg"/>
+          </a:ln>
+        </p:spPr>
+        <p:style>
+          <a:lnRef idx="1">
+            <a:schemeClr val="accent1"/>
+          </a:lnRef>
+          <a:fillRef idx="0">
+            <a:schemeClr val="accent1"/>
+          </a:fillRef>
+          <a:effectRef idx="0">
+            <a:schemeClr val="accent1"/>
+          </a:effectRef>
+          <a:fontRef idx="minor">
+            <a:schemeClr val="tx1"/>
+          </a:fontRef>
+        </p:style>
+      </p:cxnSp>
+      <p:cxnSp>
+        <p:nvCxnSpPr>
+          <p:cNvPr id="31" name="Gerade Verbindung mit Pfeil 30">
+            <a:extLst>
+              <a:ext uri="{FF2B5EF4-FFF2-40B4-BE49-F238E27FC236}">
+                <a16:creationId xmlns:a16="http://schemas.microsoft.com/office/drawing/2014/main" id="{1AE98447-8DDC-4157-987E-F17EA567B73F}"/>
+              </a:ext>
+            </a:extLst>
+          </p:cNvPr>
+          <p:cNvCxnSpPr>
+            <a:cxnSpLocks/>
+            <a:stCxn id="19" idx="2"/>
+            <a:endCxn id="40" idx="0"/>
+          </p:cNvCxnSpPr>
+          <p:nvPr/>
+        </p:nvCxnSpPr>
+        <p:spPr>
+          <a:xfrm>
+            <a:off x="7167038" y="8020397"/>
+            <a:ext cx="24267" cy="687119"/>
+          </a:xfrm>
+          <a:prstGeom prst="straightConnector1">
+            <a:avLst/>
+          </a:prstGeom>
+          <a:ln w="25400">
+            <a:headEnd type="oval"/>
+            <a:tailEnd type="triangle" w="lg" len="lg"/>
+          </a:ln>
+        </p:spPr>
+        <p:style>
+          <a:lnRef idx="1">
+            <a:schemeClr val="accent1"/>
+          </a:lnRef>
+          <a:fillRef idx="0">
+            <a:schemeClr val="accent1"/>
+          </a:fillRef>
+          <a:effectRef idx="0">
+            <a:schemeClr val="accent1"/>
+          </a:effectRef>
+          <a:fontRef idx="minor">
+            <a:schemeClr val="tx1"/>
+          </a:fontRef>
+        </p:style>
+      </p:cxnSp>
+      <p:sp>
+        <p:nvSpPr>
+          <p:cNvPr id="32" name="Textfeld 31">
+            <a:extLst>
+              <a:ext uri="{FF2B5EF4-FFF2-40B4-BE49-F238E27FC236}">
+                <a16:creationId xmlns:a16="http://schemas.microsoft.com/office/drawing/2014/main" id="{FC41C6CD-7CBE-4720-89BF-EB2AFDE7CD3B}"/>
+              </a:ext>
+            </a:extLst>
+          </p:cNvPr>
+          <p:cNvSpPr txBox="1"/>
+          <p:nvPr/>
+        </p:nvSpPr>
+        <p:spPr>
+          <a:xfrm>
+            <a:off x="6952762" y="8224442"/>
+            <a:ext cx="584712" cy="246221"/>
+          </a:xfrm>
+          <a:prstGeom prst="rect">
+            <a:avLst/>
+          </a:prstGeom>
+          <a:noFill/>
+        </p:spPr>
+        <p:txBody>
+          <a:bodyPr wrap="square" rtlCol="0">
+            <a:spAutoFit/>
+          </a:bodyPr>
+          <a:lstStyle/>
+          <a:p>
+            <a:r>
+              <a:rPr lang="de-DE" sz="1000"/>
+              <a:t>F || T</a:t>
+            </a:r>
+            <a:endParaRPr lang="de-DE" sz="1000">
+              <a:solidFill>
+                <a:srgbClr val="FF0000"/>
+              </a:solidFill>
+            </a:endParaRPr>
+          </a:p>
+        </p:txBody>
+      </p:sp>
+      <p:sp>
+        <p:nvSpPr>
+          <p:cNvPr id="35" name="Textfeld 34">
+            <a:extLst>
+              <a:ext uri="{FF2B5EF4-FFF2-40B4-BE49-F238E27FC236}">
+                <a16:creationId xmlns:a16="http://schemas.microsoft.com/office/drawing/2014/main" id="{A4472F21-5109-4A2D-864E-C5BF97723B7C}"/>
+              </a:ext>
+            </a:extLst>
+          </p:cNvPr>
+          <p:cNvSpPr txBox="1"/>
+          <p:nvPr/>
+        </p:nvSpPr>
+        <p:spPr>
+          <a:xfrm>
+            <a:off x="6122152" y="7930885"/>
+            <a:ext cx="588293" cy="246221"/>
+          </a:xfrm>
+          <a:prstGeom prst="rect">
+            <a:avLst/>
+          </a:prstGeom>
+          <a:noFill/>
+        </p:spPr>
+        <p:txBody>
+          <a:bodyPr wrap="square" rtlCol="0">
+            <a:spAutoFit/>
+          </a:bodyPr>
+          <a:lstStyle/>
+          <a:p>
+            <a:r>
+              <a:rPr lang="de-DE" sz="1000"/>
+              <a:t>T || _</a:t>
+            </a:r>
+          </a:p>
+        </p:txBody>
+      </p:sp>
+      <p:sp>
+        <p:nvSpPr>
+          <p:cNvPr id="36" name="Textfeld 35">
+            <a:extLst>
+              <a:ext uri="{FF2B5EF4-FFF2-40B4-BE49-F238E27FC236}">
+                <a16:creationId xmlns:a16="http://schemas.microsoft.com/office/drawing/2014/main" id="{E758B032-B003-42BA-A167-E7D559F9B9E4}"/>
+              </a:ext>
+            </a:extLst>
+          </p:cNvPr>
+          <p:cNvSpPr txBox="1"/>
+          <p:nvPr/>
+        </p:nvSpPr>
+        <p:spPr>
+          <a:xfrm>
+            <a:off x="7822487" y="7947960"/>
+            <a:ext cx="643681" cy="246221"/>
+          </a:xfrm>
+          <a:prstGeom prst="rect">
+            <a:avLst/>
+          </a:prstGeom>
+          <a:noFill/>
+        </p:spPr>
+        <p:txBody>
+          <a:bodyPr wrap="square" rtlCol="0">
+            <a:spAutoFit/>
+          </a:bodyPr>
+          <a:lstStyle/>
+          <a:p>
+            <a:r>
+              <a:rPr lang="de-DE" sz="1000"/>
+              <a:t>F || F</a:t>
+            </a:r>
+            <a:endParaRPr lang="de-DE" sz="1000">
+              <a:solidFill>
+                <a:srgbClr val="FF0000"/>
+              </a:solidFill>
+            </a:endParaRPr>
+          </a:p>
+        </p:txBody>
+      </p:sp>
+      <p:sp>
+        <p:nvSpPr>
+          <p:cNvPr id="39" name="Textfeld 38">
+            <a:extLst>
+              <a:ext uri="{FF2B5EF4-FFF2-40B4-BE49-F238E27FC236}">
+                <a16:creationId xmlns:a16="http://schemas.microsoft.com/office/drawing/2014/main" id="{C95479CD-5931-4948-9B7D-96CAFEEDF65E}"/>
+              </a:ext>
+            </a:extLst>
+          </p:cNvPr>
+          <p:cNvSpPr txBox="1"/>
+          <p:nvPr/>
+        </p:nvSpPr>
+        <p:spPr>
+          <a:xfrm>
+            <a:off x="5644672" y="8333110"/>
+            <a:ext cx="312906" cy="369332"/>
+          </a:xfrm>
+          <a:prstGeom prst="rect">
+            <a:avLst/>
+          </a:prstGeom>
+          <a:noFill/>
+        </p:spPr>
+        <p:txBody>
+          <a:bodyPr wrap="none" rtlCol="0">
+            <a:spAutoFit/>
+          </a:bodyPr>
+          <a:lstStyle/>
+          <a:p>
+            <a:r>
+              <a:rPr lang="de-DE">
+                <a:solidFill>
+                  <a:srgbClr val="FF0000"/>
+                </a:solidFill>
+              </a:rPr>
+              <a:t>2</a:t>
+            </a:r>
+          </a:p>
+        </p:txBody>
+      </p:sp>
+      <p:sp>
+        <p:nvSpPr>
+          <p:cNvPr id="40" name="Textfeld 39">
+            <a:extLst>
+              <a:ext uri="{FF2B5EF4-FFF2-40B4-BE49-F238E27FC236}">
+                <a16:creationId xmlns:a16="http://schemas.microsoft.com/office/drawing/2014/main" id="{C4A8A622-44C6-4695-8675-258708086132}"/>
+              </a:ext>
+            </a:extLst>
+          </p:cNvPr>
+          <p:cNvSpPr txBox="1"/>
+          <p:nvPr/>
+        </p:nvSpPr>
+        <p:spPr>
+          <a:xfrm>
+            <a:off x="7034852" y="8707516"/>
+            <a:ext cx="312906" cy="369332"/>
+          </a:xfrm>
+          <a:prstGeom prst="rect">
+            <a:avLst/>
+          </a:prstGeom>
+          <a:noFill/>
+        </p:spPr>
+        <p:txBody>
+          <a:bodyPr wrap="none" rtlCol="0">
+            <a:spAutoFit/>
+          </a:bodyPr>
+          <a:lstStyle/>
+          <a:p>
+            <a:r>
+              <a:rPr lang="de-DE">
+                <a:solidFill>
+                  <a:srgbClr val="FF0000"/>
+                </a:solidFill>
+              </a:rPr>
+              <a:t>2</a:t>
+            </a:r>
+          </a:p>
+        </p:txBody>
+      </p:sp>
+      <p:sp>
+        <p:nvSpPr>
+          <p:cNvPr id="41" name="Textfeld 40">
+            <a:extLst>
+              <a:ext uri="{FF2B5EF4-FFF2-40B4-BE49-F238E27FC236}">
+                <a16:creationId xmlns:a16="http://schemas.microsoft.com/office/drawing/2014/main" id="{974057B4-54E8-48EC-9956-62318FDA6712}"/>
+              </a:ext>
+            </a:extLst>
+          </p:cNvPr>
+          <p:cNvSpPr txBox="1"/>
+          <p:nvPr/>
+        </p:nvSpPr>
+        <p:spPr>
+          <a:xfrm>
+            <a:off x="8353536" y="8422324"/>
+            <a:ext cx="310569" cy="369332"/>
+          </a:xfrm>
+          <a:prstGeom prst="rect">
+            <a:avLst/>
+          </a:prstGeom>
+          <a:noFill/>
+        </p:spPr>
+        <p:txBody>
+          <a:bodyPr wrap="square" rtlCol="0">
+            <a:spAutoFit/>
+          </a:bodyPr>
+          <a:lstStyle/>
+          <a:p>
+            <a:r>
+              <a:rPr lang="de-DE">
+                <a:solidFill>
+                  <a:srgbClr val="FF0000"/>
+                </a:solidFill>
+              </a:rPr>
+              <a:t>1</a:t>
+            </a:r>
+          </a:p>
+        </p:txBody>
+      </p:sp>
+      <p:cxnSp>
+        <p:nvCxnSpPr>
+          <p:cNvPr id="45" name="Gerade Verbindung mit Pfeil 44">
+            <a:extLst>
+              <a:ext uri="{FF2B5EF4-FFF2-40B4-BE49-F238E27FC236}">
+                <a16:creationId xmlns:a16="http://schemas.microsoft.com/office/drawing/2014/main" id="{B686FBBF-9529-4406-A80F-EC997D3383B9}"/>
+              </a:ext>
+            </a:extLst>
+          </p:cNvPr>
+          <p:cNvCxnSpPr>
+            <a:cxnSpLocks/>
+          </p:cNvCxnSpPr>
+          <p:nvPr/>
+        </p:nvCxnSpPr>
+        <p:spPr>
+          <a:xfrm>
+            <a:off x="5973736" y="8492134"/>
+            <a:ext cx="1078582" cy="376981"/>
+          </a:xfrm>
+          <a:prstGeom prst="straightConnector1">
+            <a:avLst/>
+          </a:prstGeom>
+          <a:ln w="25400">
+            <a:headEnd type="oval"/>
+            <a:tailEnd type="triangle" w="lg" len="lg"/>
+          </a:ln>
+        </p:spPr>
+        <p:style>
+          <a:lnRef idx="1">
+            <a:schemeClr val="accent1"/>
+          </a:lnRef>
+          <a:fillRef idx="0">
+            <a:schemeClr val="accent1"/>
+          </a:fillRef>
+          <a:effectRef idx="0">
+            <a:schemeClr val="accent1"/>
+          </a:effectRef>
+          <a:fontRef idx="minor">
+            <a:schemeClr val="tx1"/>
+          </a:fontRef>
+        </p:style>
+      </p:cxnSp>
+      <p:sp>
+        <p:nvSpPr>
+          <p:cNvPr id="58" name="Textfeld 57">
+            <a:extLst>
+              <a:ext uri="{FF2B5EF4-FFF2-40B4-BE49-F238E27FC236}">
+                <a16:creationId xmlns:a16="http://schemas.microsoft.com/office/drawing/2014/main" id="{3F9B3971-1D85-4CE5-BC30-81BD0374B28B}"/>
+              </a:ext>
+            </a:extLst>
+          </p:cNvPr>
+          <p:cNvSpPr txBox="1"/>
+          <p:nvPr/>
+        </p:nvSpPr>
+        <p:spPr>
+          <a:xfrm>
+            <a:off x="7002543" y="8701657"/>
+            <a:ext cx="690429" cy="369332"/>
+          </a:xfrm>
+          <a:prstGeom prst="rect">
+            <a:avLst/>
+          </a:prstGeom>
+          <a:noFill/>
+        </p:spPr>
+        <p:txBody>
+          <a:bodyPr wrap="square" rtlCol="0">
+            <a:spAutoFit/>
+          </a:bodyPr>
+          <a:lstStyle/>
+          <a:p>
+            <a:r>
+              <a:rPr lang="de-DE">
+                <a:solidFill>
+                  <a:srgbClr val="FF0000"/>
+                </a:solidFill>
+              </a:rPr>
+              <a:t>   1</a:t>
+            </a:r>
+          </a:p>
+        </p:txBody>
+      </p:sp>
+      <p:cxnSp>
+        <p:nvCxnSpPr>
+          <p:cNvPr id="62" name="Gerader Verbinder 61">
+            <a:extLst>
+              <a:ext uri="{FF2B5EF4-FFF2-40B4-BE49-F238E27FC236}">
+                <a16:creationId xmlns:a16="http://schemas.microsoft.com/office/drawing/2014/main" id="{35B3D221-B27F-4C60-8F29-270838A12837}"/>
+              </a:ext>
+            </a:extLst>
+          </p:cNvPr>
+          <p:cNvCxnSpPr>
+            <a:cxnSpLocks/>
+          </p:cNvCxnSpPr>
+          <p:nvPr/>
+        </p:nvCxnSpPr>
+        <p:spPr>
+          <a:xfrm>
+            <a:off x="7078230" y="8790176"/>
+            <a:ext cx="201881" cy="198153"/>
+          </a:xfrm>
+          <a:prstGeom prst="line">
+            <a:avLst/>
+          </a:prstGeom>
+          <a:ln w="12700">
+            <a:solidFill>
+              <a:srgbClr val="FF0000"/>
+            </a:solidFill>
+          </a:ln>
+        </p:spPr>
+        <p:style>
+          <a:lnRef idx="1">
+            <a:schemeClr val="dk1"/>
+          </a:lnRef>
+          <a:fillRef idx="0">
+            <a:schemeClr val="dk1"/>
+          </a:fillRef>
+          <a:effectRef idx="0">
+            <a:schemeClr val="dk1"/>
+          </a:effectRef>
+          <a:fontRef idx="minor">
+            <a:schemeClr val="tx1"/>
+          </a:fontRef>
+        </p:style>
+      </p:cxnSp>
     </p:spTree>
     <p:extLst>
       <p:ext uri="{BB962C8B-B14F-4D97-AF65-F5344CB8AC3E}">
@@ -7106,6 +7882,617 @@
   <p:clrMapOvr>
     <a:masterClrMapping/>
   </p:clrMapOvr>
+  <p:timing>
+    <p:tnLst>
+      <p:par>
+        <p:cTn id="1" dur="indefinite" restart="never" nodeType="tmRoot">
+          <p:childTnLst>
+            <p:seq concurrent="1" nextAc="seek">
+              <p:cTn id="2" dur="indefinite" nodeType="mainSeq">
+                <p:childTnLst>
+                  <p:par>
+                    <p:cTn id="3" fill="hold">
+                      <p:stCondLst>
+                        <p:cond delay="indefinite"/>
+                      </p:stCondLst>
+                      <p:childTnLst>
+                        <p:par>
+                          <p:cTn id="4" fill="hold">
+                            <p:stCondLst>
+                              <p:cond delay="0"/>
+                            </p:stCondLst>
+                            <p:childTnLst>
+                              <p:par>
+                                <p:cTn id="5" presetID="1" presetClass="entr" presetSubtype="0" fill="hold" grpId="0" nodeType="clickEffect">
+                                  <p:stCondLst>
+                                    <p:cond delay="0"/>
+                                  </p:stCondLst>
+                                  <p:childTnLst>
+                                    <p:set>
+                                      <p:cBhvr>
+                                        <p:cTn id="6" dur="1" fill="hold">
+                                          <p:stCondLst>
+                                            <p:cond delay="0"/>
+                                          </p:stCondLst>
+                                        </p:cTn>
+                                        <p:tgtEl>
+                                          <p:spTgt spid="7"/>
+                                        </p:tgtEl>
+                                        <p:attrNameLst>
+                                          <p:attrName>style.visibility</p:attrName>
+                                        </p:attrNameLst>
+                                      </p:cBhvr>
+                                      <p:to>
+                                        <p:strVal val="visible"/>
+                                      </p:to>
+                                    </p:set>
+                                  </p:childTnLst>
+                                </p:cTn>
+                              </p:par>
+                              <p:par>
+                                <p:cTn id="7" presetID="1" presetClass="entr" presetSubtype="0" fill="hold" nodeType="withEffect">
+                                  <p:stCondLst>
+                                    <p:cond delay="0"/>
+                                  </p:stCondLst>
+                                  <p:childTnLst>
+                                    <p:set>
+                                      <p:cBhvr>
+                                        <p:cTn id="8" dur="1" fill="hold">
+                                          <p:stCondLst>
+                                            <p:cond delay="0"/>
+                                          </p:stCondLst>
+                                        </p:cTn>
+                                        <p:tgtEl>
+                                          <p:spTgt spid="8"/>
+                                        </p:tgtEl>
+                                        <p:attrNameLst>
+                                          <p:attrName>style.visibility</p:attrName>
+                                        </p:attrNameLst>
+                                      </p:cBhvr>
+                                      <p:to>
+                                        <p:strVal val="visible"/>
+                                      </p:to>
+                                    </p:set>
+                                  </p:childTnLst>
+                                </p:cTn>
+                              </p:par>
+                              <p:par>
+                                <p:cTn id="9" presetID="1" presetClass="entr" presetSubtype="0" fill="hold" nodeType="withEffect">
+                                  <p:stCondLst>
+                                    <p:cond delay="0"/>
+                                  </p:stCondLst>
+                                  <p:childTnLst>
+                                    <p:set>
+                                      <p:cBhvr>
+                                        <p:cTn id="10" dur="1" fill="hold">
+                                          <p:stCondLst>
+                                            <p:cond delay="0"/>
+                                          </p:stCondLst>
+                                        </p:cTn>
+                                        <p:tgtEl>
+                                          <p:spTgt spid="9"/>
+                                        </p:tgtEl>
+                                        <p:attrNameLst>
+                                          <p:attrName>style.visibility</p:attrName>
+                                        </p:attrNameLst>
+                                      </p:cBhvr>
+                                      <p:to>
+                                        <p:strVal val="visible"/>
+                                      </p:to>
+                                    </p:set>
+                                  </p:childTnLst>
+                                </p:cTn>
+                              </p:par>
+                              <p:par>
+                                <p:cTn id="11" presetID="1" presetClass="entr" presetSubtype="0" fill="hold" grpId="0" nodeType="withEffect">
+                                  <p:stCondLst>
+                                    <p:cond delay="0"/>
+                                  </p:stCondLst>
+                                  <p:childTnLst>
+                                    <p:set>
+                                      <p:cBhvr>
+                                        <p:cTn id="12" dur="1" fill="hold">
+                                          <p:stCondLst>
+                                            <p:cond delay="0"/>
+                                          </p:stCondLst>
+                                        </p:cTn>
+                                        <p:tgtEl>
+                                          <p:spTgt spid="11"/>
+                                        </p:tgtEl>
+                                        <p:attrNameLst>
+                                          <p:attrName>style.visibility</p:attrName>
+                                        </p:attrNameLst>
+                                      </p:cBhvr>
+                                      <p:to>
+                                        <p:strVal val="visible"/>
+                                      </p:to>
+                                    </p:set>
+                                  </p:childTnLst>
+                                </p:cTn>
+                              </p:par>
+                              <p:par>
+                                <p:cTn id="13" presetID="1" presetClass="entr" presetSubtype="0" fill="hold" grpId="0" nodeType="withEffect">
+                                  <p:stCondLst>
+                                    <p:cond delay="0"/>
+                                  </p:stCondLst>
+                                  <p:childTnLst>
+                                    <p:set>
+                                      <p:cBhvr>
+                                        <p:cTn id="14" dur="1" fill="hold">
+                                          <p:stCondLst>
+                                            <p:cond delay="0"/>
+                                          </p:stCondLst>
+                                        </p:cTn>
+                                        <p:tgtEl>
+                                          <p:spTgt spid="14"/>
+                                        </p:tgtEl>
+                                        <p:attrNameLst>
+                                          <p:attrName>style.visibility</p:attrName>
+                                        </p:attrNameLst>
+                                      </p:cBhvr>
+                                      <p:to>
+                                        <p:strVal val="visible"/>
+                                      </p:to>
+                                    </p:set>
+                                  </p:childTnLst>
+                                </p:cTn>
+                              </p:par>
+                              <p:par>
+                                <p:cTn id="15" presetID="1" presetClass="entr" presetSubtype="0" fill="hold" grpId="0" nodeType="withEffect">
+                                  <p:stCondLst>
+                                    <p:cond delay="0"/>
+                                  </p:stCondLst>
+                                  <p:childTnLst>
+                                    <p:set>
+                                      <p:cBhvr>
+                                        <p:cTn id="16" dur="1" fill="hold">
+                                          <p:stCondLst>
+                                            <p:cond delay="0"/>
+                                          </p:stCondLst>
+                                        </p:cTn>
+                                        <p:tgtEl>
+                                          <p:spTgt spid="17"/>
+                                        </p:tgtEl>
+                                        <p:attrNameLst>
+                                          <p:attrName>style.visibility</p:attrName>
+                                        </p:attrNameLst>
+                                      </p:cBhvr>
+                                      <p:to>
+                                        <p:strVal val="visible"/>
+                                      </p:to>
+                                    </p:set>
+                                  </p:childTnLst>
+                                </p:cTn>
+                              </p:par>
+                              <p:par>
+                                <p:cTn id="17" presetID="1" presetClass="entr" presetSubtype="0" fill="hold" grpId="0" nodeType="withEffect">
+                                  <p:stCondLst>
+                                    <p:cond delay="0"/>
+                                  </p:stCondLst>
+                                  <p:childTnLst>
+                                    <p:set>
+                                      <p:cBhvr>
+                                        <p:cTn id="18" dur="1" fill="hold">
+                                          <p:stCondLst>
+                                            <p:cond delay="0"/>
+                                          </p:stCondLst>
+                                        </p:cTn>
+                                        <p:tgtEl>
+                                          <p:spTgt spid="19"/>
+                                        </p:tgtEl>
+                                        <p:attrNameLst>
+                                          <p:attrName>style.visibility</p:attrName>
+                                        </p:attrNameLst>
+                                      </p:cBhvr>
+                                      <p:to>
+                                        <p:strVal val="visible"/>
+                                      </p:to>
+                                    </p:set>
+                                  </p:childTnLst>
+                                </p:cTn>
+                              </p:par>
+                              <p:par>
+                                <p:cTn id="19" presetID="1" presetClass="entr" presetSubtype="0" fill="hold" nodeType="withEffect">
+                                  <p:stCondLst>
+                                    <p:cond delay="0"/>
+                                  </p:stCondLst>
+                                  <p:childTnLst>
+                                    <p:set>
+                                      <p:cBhvr>
+                                        <p:cTn id="20" dur="1" fill="hold">
+                                          <p:stCondLst>
+                                            <p:cond delay="0"/>
+                                          </p:stCondLst>
+                                        </p:cTn>
+                                        <p:tgtEl>
+                                          <p:spTgt spid="24"/>
+                                        </p:tgtEl>
+                                        <p:attrNameLst>
+                                          <p:attrName>style.visibility</p:attrName>
+                                        </p:attrNameLst>
+                                      </p:cBhvr>
+                                      <p:to>
+                                        <p:strVal val="visible"/>
+                                      </p:to>
+                                    </p:set>
+                                  </p:childTnLst>
+                                </p:cTn>
+                              </p:par>
+                              <p:par>
+                                <p:cTn id="21" presetID="1" presetClass="entr" presetSubtype="0" fill="hold" nodeType="withEffect">
+                                  <p:stCondLst>
+                                    <p:cond delay="0"/>
+                                  </p:stCondLst>
+                                  <p:childTnLst>
+                                    <p:set>
+                                      <p:cBhvr>
+                                        <p:cTn id="22" dur="1" fill="hold">
+                                          <p:stCondLst>
+                                            <p:cond delay="0"/>
+                                          </p:stCondLst>
+                                        </p:cTn>
+                                        <p:tgtEl>
+                                          <p:spTgt spid="25"/>
+                                        </p:tgtEl>
+                                        <p:attrNameLst>
+                                          <p:attrName>style.visibility</p:attrName>
+                                        </p:attrNameLst>
+                                      </p:cBhvr>
+                                      <p:to>
+                                        <p:strVal val="visible"/>
+                                      </p:to>
+                                    </p:set>
+                                  </p:childTnLst>
+                                </p:cTn>
+                              </p:par>
+                              <p:par>
+                                <p:cTn id="23" presetID="1" presetClass="entr" presetSubtype="0" fill="hold" nodeType="withEffect">
+                                  <p:stCondLst>
+                                    <p:cond delay="0"/>
+                                  </p:stCondLst>
+                                  <p:childTnLst>
+                                    <p:set>
+                                      <p:cBhvr>
+                                        <p:cTn id="24" dur="1" fill="hold">
+                                          <p:stCondLst>
+                                            <p:cond delay="0"/>
+                                          </p:stCondLst>
+                                        </p:cTn>
+                                        <p:tgtEl>
+                                          <p:spTgt spid="31"/>
+                                        </p:tgtEl>
+                                        <p:attrNameLst>
+                                          <p:attrName>style.visibility</p:attrName>
+                                        </p:attrNameLst>
+                                      </p:cBhvr>
+                                      <p:to>
+                                        <p:strVal val="visible"/>
+                                      </p:to>
+                                    </p:set>
+                                  </p:childTnLst>
+                                </p:cTn>
+                              </p:par>
+                              <p:par>
+                                <p:cTn id="25" presetID="1" presetClass="entr" presetSubtype="0" fill="hold" grpId="0" nodeType="withEffect">
+                                  <p:stCondLst>
+                                    <p:cond delay="0"/>
+                                  </p:stCondLst>
+                                  <p:childTnLst>
+                                    <p:set>
+                                      <p:cBhvr>
+                                        <p:cTn id="26" dur="1" fill="hold">
+                                          <p:stCondLst>
+                                            <p:cond delay="0"/>
+                                          </p:stCondLst>
+                                        </p:cTn>
+                                        <p:tgtEl>
+                                          <p:spTgt spid="32"/>
+                                        </p:tgtEl>
+                                        <p:attrNameLst>
+                                          <p:attrName>style.visibility</p:attrName>
+                                        </p:attrNameLst>
+                                      </p:cBhvr>
+                                      <p:to>
+                                        <p:strVal val="visible"/>
+                                      </p:to>
+                                    </p:set>
+                                  </p:childTnLst>
+                                </p:cTn>
+                              </p:par>
+                              <p:par>
+                                <p:cTn id="27" presetID="1" presetClass="entr" presetSubtype="0" fill="hold" grpId="0" nodeType="withEffect">
+                                  <p:stCondLst>
+                                    <p:cond delay="0"/>
+                                  </p:stCondLst>
+                                  <p:childTnLst>
+                                    <p:set>
+                                      <p:cBhvr>
+                                        <p:cTn id="28" dur="1" fill="hold">
+                                          <p:stCondLst>
+                                            <p:cond delay="0"/>
+                                          </p:stCondLst>
+                                        </p:cTn>
+                                        <p:tgtEl>
+                                          <p:spTgt spid="35"/>
+                                        </p:tgtEl>
+                                        <p:attrNameLst>
+                                          <p:attrName>style.visibility</p:attrName>
+                                        </p:attrNameLst>
+                                      </p:cBhvr>
+                                      <p:to>
+                                        <p:strVal val="visible"/>
+                                      </p:to>
+                                    </p:set>
+                                  </p:childTnLst>
+                                </p:cTn>
+                              </p:par>
+                              <p:par>
+                                <p:cTn id="29" presetID="1" presetClass="entr" presetSubtype="0" fill="hold" grpId="0" nodeType="withEffect">
+                                  <p:stCondLst>
+                                    <p:cond delay="0"/>
+                                  </p:stCondLst>
+                                  <p:childTnLst>
+                                    <p:set>
+                                      <p:cBhvr>
+                                        <p:cTn id="30" dur="1" fill="hold">
+                                          <p:stCondLst>
+                                            <p:cond delay="0"/>
+                                          </p:stCondLst>
+                                        </p:cTn>
+                                        <p:tgtEl>
+                                          <p:spTgt spid="36"/>
+                                        </p:tgtEl>
+                                        <p:attrNameLst>
+                                          <p:attrName>style.visibility</p:attrName>
+                                        </p:attrNameLst>
+                                      </p:cBhvr>
+                                      <p:to>
+                                        <p:strVal val="visible"/>
+                                      </p:to>
+                                    </p:set>
+                                  </p:childTnLst>
+                                </p:cTn>
+                              </p:par>
+                              <p:par>
+                                <p:cTn id="31" presetID="1" presetClass="entr" presetSubtype="0" fill="hold" grpId="0" nodeType="withEffect">
+                                  <p:stCondLst>
+                                    <p:cond delay="0"/>
+                                  </p:stCondLst>
+                                  <p:childTnLst>
+                                    <p:set>
+                                      <p:cBhvr>
+                                        <p:cTn id="32" dur="1" fill="hold">
+                                          <p:stCondLst>
+                                            <p:cond delay="0"/>
+                                          </p:stCondLst>
+                                        </p:cTn>
+                                        <p:tgtEl>
+                                          <p:spTgt spid="39"/>
+                                        </p:tgtEl>
+                                        <p:attrNameLst>
+                                          <p:attrName>style.visibility</p:attrName>
+                                        </p:attrNameLst>
+                                      </p:cBhvr>
+                                      <p:to>
+                                        <p:strVal val="visible"/>
+                                      </p:to>
+                                    </p:set>
+                                  </p:childTnLst>
+                                </p:cTn>
+                              </p:par>
+                              <p:par>
+                                <p:cTn id="33" presetID="1" presetClass="entr" presetSubtype="0" fill="hold" grpId="0" nodeType="withEffect">
+                                  <p:stCondLst>
+                                    <p:cond delay="0"/>
+                                  </p:stCondLst>
+                                  <p:childTnLst>
+                                    <p:set>
+                                      <p:cBhvr>
+                                        <p:cTn id="34" dur="1" fill="hold">
+                                          <p:stCondLst>
+                                            <p:cond delay="0"/>
+                                          </p:stCondLst>
+                                        </p:cTn>
+                                        <p:tgtEl>
+                                          <p:spTgt spid="40"/>
+                                        </p:tgtEl>
+                                        <p:attrNameLst>
+                                          <p:attrName>style.visibility</p:attrName>
+                                        </p:attrNameLst>
+                                      </p:cBhvr>
+                                      <p:to>
+                                        <p:strVal val="visible"/>
+                                      </p:to>
+                                    </p:set>
+                                  </p:childTnLst>
+                                </p:cTn>
+                              </p:par>
+                              <p:par>
+                                <p:cTn id="35" presetID="1" presetClass="entr" presetSubtype="0" fill="hold" grpId="0" nodeType="withEffect">
+                                  <p:stCondLst>
+                                    <p:cond delay="0"/>
+                                  </p:stCondLst>
+                                  <p:childTnLst>
+                                    <p:set>
+                                      <p:cBhvr>
+                                        <p:cTn id="36" dur="1" fill="hold">
+                                          <p:stCondLst>
+                                            <p:cond delay="0"/>
+                                          </p:stCondLst>
+                                        </p:cTn>
+                                        <p:tgtEl>
+                                          <p:spTgt spid="41"/>
+                                        </p:tgtEl>
+                                        <p:attrNameLst>
+                                          <p:attrName>style.visibility</p:attrName>
+                                        </p:attrNameLst>
+                                      </p:cBhvr>
+                                      <p:to>
+                                        <p:strVal val="visible"/>
+                                      </p:to>
+                                    </p:set>
+                                  </p:childTnLst>
+                                </p:cTn>
+                              </p:par>
+                            </p:childTnLst>
+                          </p:cTn>
+                        </p:par>
+                      </p:childTnLst>
+                    </p:cTn>
+                  </p:par>
+                  <p:par>
+                    <p:cTn id="37" fill="hold">
+                      <p:stCondLst>
+                        <p:cond delay="indefinite"/>
+                      </p:stCondLst>
+                      <p:childTnLst>
+                        <p:par>
+                          <p:cTn id="38" fill="hold">
+                            <p:stCondLst>
+                              <p:cond delay="0"/>
+                            </p:stCondLst>
+                            <p:childTnLst>
+                              <p:par>
+                                <p:cTn id="39" presetID="1" presetClass="entr" presetSubtype="0" fill="hold" nodeType="clickEffect">
+                                  <p:stCondLst>
+                                    <p:cond delay="0"/>
+                                  </p:stCondLst>
+                                  <p:childTnLst>
+                                    <p:set>
+                                      <p:cBhvr>
+                                        <p:cTn id="40" dur="1" fill="hold">
+                                          <p:stCondLst>
+                                            <p:cond delay="0"/>
+                                          </p:stCondLst>
+                                        </p:cTn>
+                                        <p:tgtEl>
+                                          <p:spTgt spid="45"/>
+                                        </p:tgtEl>
+                                        <p:attrNameLst>
+                                          <p:attrName>style.visibility</p:attrName>
+                                        </p:attrNameLst>
+                                      </p:cBhvr>
+                                      <p:to>
+                                        <p:strVal val="visible"/>
+                                      </p:to>
+                                    </p:set>
+                                  </p:childTnLst>
+                                </p:cTn>
+                              </p:par>
+                            </p:childTnLst>
+                          </p:cTn>
+                        </p:par>
+                      </p:childTnLst>
+                    </p:cTn>
+                  </p:par>
+                  <p:par>
+                    <p:cTn id="41" fill="hold">
+                      <p:stCondLst>
+                        <p:cond delay="indefinite"/>
+                      </p:stCondLst>
+                      <p:childTnLst>
+                        <p:par>
+                          <p:cTn id="42" fill="hold">
+                            <p:stCondLst>
+                              <p:cond delay="0"/>
+                            </p:stCondLst>
+                            <p:childTnLst>
+                              <p:par>
+                                <p:cTn id="43" presetID="1" presetClass="entr" presetSubtype="0" fill="hold" grpId="0" nodeType="clickEffect">
+                                  <p:stCondLst>
+                                    <p:cond delay="0"/>
+                                  </p:stCondLst>
+                                  <p:childTnLst>
+                                    <p:set>
+                                      <p:cBhvr>
+                                        <p:cTn id="44" dur="1" fill="hold">
+                                          <p:stCondLst>
+                                            <p:cond delay="0"/>
+                                          </p:stCondLst>
+                                        </p:cTn>
+                                        <p:tgtEl>
+                                          <p:spTgt spid="58"/>
+                                        </p:tgtEl>
+                                        <p:attrNameLst>
+                                          <p:attrName>style.visibility</p:attrName>
+                                        </p:attrNameLst>
+                                      </p:cBhvr>
+                                      <p:to>
+                                        <p:strVal val="visible"/>
+                                      </p:to>
+                                    </p:set>
+                                  </p:childTnLst>
+                                </p:cTn>
+                              </p:par>
+                              <p:par>
+                                <p:cTn id="45" presetID="1" presetClass="entr" presetSubtype="0" fill="hold" nodeType="withEffect">
+                                  <p:stCondLst>
+                                    <p:cond delay="0"/>
+                                  </p:stCondLst>
+                                  <p:childTnLst>
+                                    <p:set>
+                                      <p:cBhvr>
+                                        <p:cTn id="46" dur="1" fill="hold">
+                                          <p:stCondLst>
+                                            <p:cond delay="0"/>
+                                          </p:stCondLst>
+                                        </p:cTn>
+                                        <p:tgtEl>
+                                          <p:spTgt spid="62"/>
+                                        </p:tgtEl>
+                                        <p:attrNameLst>
+                                          <p:attrName>style.visibility</p:attrName>
+                                        </p:attrNameLst>
+                                      </p:cBhvr>
+                                      <p:to>
+                                        <p:strVal val="visible"/>
+                                      </p:to>
+                                    </p:set>
+                                  </p:childTnLst>
+                                </p:cTn>
+                              </p:par>
+                            </p:childTnLst>
+                          </p:cTn>
+                        </p:par>
+                      </p:childTnLst>
+                    </p:cTn>
+                  </p:par>
+                </p:childTnLst>
+              </p:cTn>
+              <p:prevCondLst>
+                <p:cond evt="onPrev" delay="0">
+                  <p:tgtEl>
+                    <p:sldTgt/>
+                  </p:tgtEl>
+                </p:cond>
+              </p:prevCondLst>
+              <p:nextCondLst>
+                <p:cond evt="onNext" delay="0">
+                  <p:tgtEl>
+                    <p:sldTgt/>
+                  </p:tgtEl>
+                </p:cond>
+              </p:nextCondLst>
+            </p:seq>
+          </p:childTnLst>
+        </p:cTn>
+      </p:par>
+    </p:tnLst>
+    <p:bldLst>
+      <p:bldP spid="7" grpId="0"/>
+      <p:bldP spid="11" grpId="0"/>
+      <p:bldP spid="14" grpId="0"/>
+      <p:bldP spid="17" grpId="0"/>
+      <p:bldP spid="19" grpId="0"/>
+      <p:bldP spid="32" grpId="0"/>
+      <p:bldP spid="35" grpId="0"/>
+      <p:bldP spid="36" grpId="0"/>
+      <p:bldP spid="39" grpId="0"/>
+      <p:bldP spid="40" grpId="0"/>
+      <p:bldP spid="41" grpId="0"/>
+      <p:bldP spid="58" grpId="0"/>
+    </p:bldLst>
+  </p:timing>
 </p:sld>
 </file>
 

--- a/Vortraege/tvg.pptx
+++ b/Vortraege/tvg.pptx
@@ -5,10 +5,10 @@
     <p:sldMasterId id="2147483708" r:id="rId1"/>
   </p:sldMasterIdLst>
   <p:notesMasterIdLst>
-    <p:notesMasterId r:id="rId15"/>
+    <p:notesMasterId r:id="rId17"/>
   </p:notesMasterIdLst>
   <p:handoutMasterIdLst>
-    <p:handoutMasterId r:id="rId16"/>
+    <p:handoutMasterId r:id="rId18"/>
   </p:handoutMasterIdLst>
   <p:sldIdLst>
     <p:sldId id="303" r:id="rId2"/>
@@ -22,41 +22,43 @@
     <p:sldId id="394" r:id="rId10"/>
     <p:sldId id="395" r:id="rId11"/>
     <p:sldId id="396" r:id="rId12"/>
-    <p:sldId id="397" r:id="rId13"/>
-    <p:sldId id="388" r:id="rId14"/>
+    <p:sldId id="398" r:id="rId13"/>
+    <p:sldId id="397" r:id="rId14"/>
+    <p:sldId id="399" r:id="rId15"/>
+    <p:sldId id="388" r:id="rId16"/>
   </p:sldIdLst>
   <p:sldSz cx="13004800" cy="9753600"/>
   <p:notesSz cx="6819900" cy="9931400"/>
   <p:embeddedFontLst>
     <p:embeddedFont>
       <p:font typeface="Arial Narrow" panose="020B0606020202030204" pitchFamily="34" charset="0"/>
-      <p:regular r:id="rId17"/>
-      <p:bold r:id="rId18"/>
-      <p:italic r:id="rId19"/>
-      <p:boldItalic r:id="rId20"/>
+      <p:regular r:id="rId19"/>
+      <p:bold r:id="rId20"/>
+      <p:italic r:id="rId21"/>
+      <p:boldItalic r:id="rId22"/>
     </p:embeddedFont>
     <p:embeddedFont>
       <p:font typeface="Calibri" panose="020F0502020204030204" pitchFamily="34" charset="0"/>
-      <p:regular r:id="rId21"/>
-      <p:bold r:id="rId22"/>
-      <p:italic r:id="rId23"/>
-      <p:boldItalic r:id="rId24"/>
+      <p:regular r:id="rId23"/>
+      <p:bold r:id="rId24"/>
+      <p:italic r:id="rId25"/>
+      <p:boldItalic r:id="rId26"/>
     </p:embeddedFont>
     <p:embeddedFont>
       <p:font typeface="Cambria Math" panose="02040503050406030204" pitchFamily="18" charset="0"/>
-      <p:regular r:id="rId25"/>
+      <p:regular r:id="rId27"/>
     </p:embeddedFont>
     <p:embeddedFont>
       <p:font typeface="Droid Sans Mono" panose="020B0609030804020204" pitchFamily="49" charset="0"/>
-      <p:regular r:id="rId26"/>
+      <p:regular r:id="rId28"/>
     </p:embeddedFont>
     <p:embeddedFont>
       <p:font typeface="Eurostile" panose="020B0504020202050204" pitchFamily="34" charset="0"/>
-      <p:regular r:id="rId27"/>
+      <p:regular r:id="rId29"/>
     </p:embeddedFont>
     <p:embeddedFont>
       <p:font typeface="Wingdings 3" panose="05040102010807070707" pitchFamily="18" charset="2"/>
-      <p:regular r:id="rId28"/>
+      <p:regular r:id="rId30"/>
     </p:embeddedFont>
   </p:embeddedFontLst>
   <p:defaultTextStyle>
@@ -1341,6 +1343,67 @@
     </p:spTree>
     <p:extLst>
       <p:ext uri="{BB962C8B-B14F-4D97-AF65-F5344CB8AC3E}">
+        <p14:creationId xmlns:p14="http://schemas.microsoft.com/office/powerpoint/2010/main" val="1339496610"/>
+      </p:ext>
+    </p:extLst>
+  </p:cSld>
+  <p:clrMapOvr>
+    <a:masterClrMapping/>
+  </p:clrMapOvr>
+</p:notes>
+</file>
+
+<file path=ppt/notesSlides/notesSlide13.xml><?xml version="1.0" encoding="utf-8"?>
+<p:notes xmlns:a="http://schemas.openxmlformats.org/drawingml/2006/main" xmlns:r="http://schemas.openxmlformats.org/officeDocument/2006/relationships" xmlns:p="http://schemas.openxmlformats.org/presentationml/2006/main">
+  <p:cSld>
+    <p:spTree>
+      <p:nvGrpSpPr>
+        <p:cNvPr id="1" name=""/>
+        <p:cNvGrpSpPr/>
+        <p:nvPr/>
+      </p:nvGrpSpPr>
+      <p:grpSpPr>
+        <a:xfrm>
+          <a:off x="0" y="0"/>
+          <a:ext cx="0" cy="0"/>
+          <a:chOff x="0" y="0"/>
+          <a:chExt cx="0" cy="0"/>
+        </a:xfrm>
+      </p:grpSpPr>
+      <p:sp>
+        <p:nvSpPr>
+          <p:cNvPr id="2" name="Folienbildplatzhalter 1"/>
+          <p:cNvSpPr>
+            <a:spLocks noGrp="1" noRot="1" noChangeAspect="1"/>
+          </p:cNvSpPr>
+          <p:nvPr>
+            <p:ph type="sldImg"/>
+          </p:nvPr>
+        </p:nvSpPr>
+        <p:spPr/>
+      </p:sp>
+      <p:sp>
+        <p:nvSpPr>
+          <p:cNvPr id="3" name="Notizenplatzhalter 2"/>
+          <p:cNvSpPr>
+            <a:spLocks noGrp="1"/>
+          </p:cNvSpPr>
+          <p:nvPr>
+            <p:ph type="body" idx="1"/>
+          </p:nvPr>
+        </p:nvSpPr>
+        <p:spPr/>
+        <p:txBody>
+          <a:bodyPr/>
+          <a:lstStyle/>
+          <a:p>
+            <a:endParaRPr lang="de-DE"/>
+          </a:p>
+        </p:txBody>
+      </p:sp>
+    </p:spTree>
+    <p:extLst>
+      <p:ext uri="{BB962C8B-B14F-4D97-AF65-F5344CB8AC3E}">
         <p14:creationId xmlns:p14="http://schemas.microsoft.com/office/powerpoint/2010/main" val="1455118150"/>
       </p:ext>
     </p:extLst>
@@ -1351,7 +1414,68 @@
 </p:notes>
 </file>
 
-<file path=ppt/notesSlides/notesSlide13.xml><?xml version="1.0" encoding="utf-8"?>
+<file path=ppt/notesSlides/notesSlide14.xml><?xml version="1.0" encoding="utf-8"?>
+<p:notes xmlns:a="http://schemas.openxmlformats.org/drawingml/2006/main" xmlns:r="http://schemas.openxmlformats.org/officeDocument/2006/relationships" xmlns:p="http://schemas.openxmlformats.org/presentationml/2006/main">
+  <p:cSld>
+    <p:spTree>
+      <p:nvGrpSpPr>
+        <p:cNvPr id="1" name=""/>
+        <p:cNvGrpSpPr/>
+        <p:nvPr/>
+      </p:nvGrpSpPr>
+      <p:grpSpPr>
+        <a:xfrm>
+          <a:off x="0" y="0"/>
+          <a:ext cx="0" cy="0"/>
+          <a:chOff x="0" y="0"/>
+          <a:chExt cx="0" cy="0"/>
+        </a:xfrm>
+      </p:grpSpPr>
+      <p:sp>
+        <p:nvSpPr>
+          <p:cNvPr id="2" name="Folienbildplatzhalter 1"/>
+          <p:cNvSpPr>
+            <a:spLocks noGrp="1" noRot="1" noChangeAspect="1"/>
+          </p:cNvSpPr>
+          <p:nvPr>
+            <p:ph type="sldImg"/>
+          </p:nvPr>
+        </p:nvSpPr>
+        <p:spPr/>
+      </p:sp>
+      <p:sp>
+        <p:nvSpPr>
+          <p:cNvPr id="3" name="Notizenplatzhalter 2"/>
+          <p:cNvSpPr>
+            <a:spLocks noGrp="1"/>
+          </p:cNvSpPr>
+          <p:nvPr>
+            <p:ph type="body" idx="1"/>
+          </p:nvPr>
+        </p:nvSpPr>
+        <p:spPr/>
+        <p:txBody>
+          <a:bodyPr/>
+          <a:lstStyle/>
+          <a:p>
+            <a:endParaRPr lang="de-DE"/>
+          </a:p>
+        </p:txBody>
+      </p:sp>
+    </p:spTree>
+    <p:extLst>
+      <p:ext uri="{BB962C8B-B14F-4D97-AF65-F5344CB8AC3E}">
+        <p14:creationId xmlns:p14="http://schemas.microsoft.com/office/powerpoint/2010/main" val="1466754966"/>
+      </p:ext>
+    </p:extLst>
+  </p:cSld>
+  <p:clrMapOvr>
+    <a:masterClrMapping/>
+  </p:clrMapOvr>
+</p:notes>
+</file>
+
+<file path=ppt/notesSlides/notesSlide15.xml><?xml version="1.0" encoding="utf-8"?>
 <p:notes xmlns:a="http://schemas.openxmlformats.org/drawingml/2006/main" xmlns:r="http://schemas.openxmlformats.org/officeDocument/2006/relationships" xmlns:p="http://schemas.openxmlformats.org/presentationml/2006/main">
   <p:cSld>
     <p:spTree>
@@ -4541,6 +4665,180 @@
               <a:rPr lang="en-GB">
                 <a:latin typeface="Eurostile" panose="020B0504020202050204" pitchFamily="34" charset="0"/>
               </a:rPr>
+              <a:t>Strategic Design Principles</a:t>
+            </a:r>
+            <a:endParaRPr lang="en-GB" dirty="0">
+              <a:latin typeface="Eurostile" panose="020B0504020202050204" pitchFamily="34" charset="0"/>
+            </a:endParaRPr>
+          </a:p>
+        </p:txBody>
+      </p:sp>
+      <p:sp>
+        <p:nvSpPr>
+          <p:cNvPr id="3" name="Inhaltsplatzhalter 2"/>
+          <p:cNvSpPr>
+            <a:spLocks noGrp="1"/>
+          </p:cNvSpPr>
+          <p:nvPr>
+            <p:ph idx="1"/>
+          </p:nvPr>
+        </p:nvSpPr>
+        <p:spPr>
+          <a:ln>
+            <a:noFill/>
+          </a:ln>
+        </p:spPr>
+        <p:txBody>
+          <a:bodyPr/>
+          <a:lstStyle/>
+          <a:p>
+            <a:pPr lvl="1"/>
+            <a:r>
+              <a:rPr lang="en-GB" b="0">
+                <a:latin typeface="Eurostile" panose="020B0504020202050204" pitchFamily="34" charset="0"/>
+              </a:rPr>
+              <a:t>Make it as easy as possible for the theorem prover</a:t>
+            </a:r>
+            <a:br>
+              <a:rPr lang="en-GB" b="0">
+                <a:latin typeface="Eurostile" panose="020B0504020202050204" pitchFamily="34" charset="0"/>
+              </a:rPr>
+            </a:br>
+            <a:r>
+              <a:rPr lang="en-GB" b="0">
+                <a:latin typeface="Eurostile" panose="020B0504020202050204" pitchFamily="34" charset="0"/>
+              </a:rPr>
+              <a:t>(for example: no </a:t>
+            </a:r>
+            <a:r>
+              <a:rPr lang="de-DE">
+                <a:latin typeface="Eurostile" panose="020B0504020202050204" pitchFamily="34" charset="0"/>
+              </a:rPr>
+              <a:t>∀, </a:t>
+            </a:r>
+            <a:r>
+              <a:rPr lang="de-DE">
+                <a:effectLst/>
+                <a:latin typeface="Eurostile" panose="020B0504020202050204" pitchFamily="34" charset="0"/>
+              </a:rPr>
+              <a:t>∃), because:</a:t>
+            </a:r>
+            <a:endParaRPr lang="en-GB">
+              <a:effectLst/>
+              <a:latin typeface="Eurostile" panose="020B0504020202050204" pitchFamily="34" charset="0"/>
+            </a:endParaRPr>
+          </a:p>
+          <a:p>
+            <a:pPr lvl="2"/>
+            <a:r>
+              <a:rPr lang="de-DE">
+                <a:effectLst/>
+                <a:latin typeface="Eurostile" panose="020B0504020202050204" pitchFamily="34" charset="0"/>
+              </a:rPr>
+              <a:t>Z3 not under my control („black box“)</a:t>
+            </a:r>
+          </a:p>
+          <a:p>
+            <a:pPr lvl="2"/>
+            <a:r>
+              <a:rPr lang="de-DE">
+                <a:latin typeface="Eurostile" panose="020B0504020202050204" pitchFamily="34" charset="0"/>
+              </a:rPr>
+              <a:t>More semantic information available for the tool</a:t>
+            </a:r>
+          </a:p>
+          <a:p>
+            <a:pPr lvl="1"/>
+            <a:endParaRPr lang="de-DE">
+              <a:latin typeface="Eurostile" panose="020B0504020202050204" pitchFamily="34" charset="0"/>
+            </a:endParaRPr>
+          </a:p>
+          <a:p>
+            <a:pPr lvl="1"/>
+            <a:r>
+              <a:rPr lang="de-DE">
+                <a:latin typeface="Eurostile" panose="020B0504020202050204" pitchFamily="34" charset="0"/>
+              </a:rPr>
+              <a:t>Extensive Logging (Dynamic HTML)</a:t>
+            </a:r>
+          </a:p>
+          <a:p>
+            <a:pPr lvl="1"/>
+            <a:endParaRPr lang="de-DE">
+              <a:latin typeface="Eurostile" panose="020B0504020202050204" pitchFamily="34" charset="0"/>
+            </a:endParaRPr>
+          </a:p>
+          <a:p>
+            <a:pPr lvl="1"/>
+            <a:r>
+              <a:rPr lang="de-DE">
+                <a:latin typeface="Eurostile" panose="020B0504020202050204" pitchFamily="34" charset="0"/>
+              </a:rPr>
+              <a:t>Defensive Programming:</a:t>
+            </a:r>
+            <a:br>
+              <a:rPr lang="de-DE">
+                <a:latin typeface="Eurostile" panose="020B0504020202050204" pitchFamily="34" charset="0"/>
+              </a:rPr>
+            </a:br>
+            <a:r>
+              <a:rPr lang="de-DE">
+                <a:latin typeface="Eurostile" panose="020B0504020202050204" pitchFamily="34" charset="0"/>
+              </a:rPr>
+              <a:t>Throw errors in all cases that were not explicitly implemented</a:t>
+            </a:r>
+          </a:p>
+        </p:txBody>
+      </p:sp>
+    </p:spTree>
+    <p:extLst>
+      <p:ext uri="{BB962C8B-B14F-4D97-AF65-F5344CB8AC3E}">
+        <p14:creationId xmlns:p14="http://schemas.microsoft.com/office/powerpoint/2010/main" val="3059703685"/>
+      </p:ext>
+    </p:extLst>
+  </p:cSld>
+  <p:clrMapOvr>
+    <a:masterClrMapping/>
+  </p:clrMapOvr>
+</p:sld>
+</file>
+
+<file path=ppt/slides/slide13.xml><?xml version="1.0" encoding="utf-8"?>
+<p:sld xmlns:a="http://schemas.openxmlformats.org/drawingml/2006/main" xmlns:r="http://schemas.openxmlformats.org/officeDocument/2006/relationships" xmlns:p="http://schemas.openxmlformats.org/presentationml/2006/main">
+  <p:cSld>
+    <p:spTree>
+      <p:nvGrpSpPr>
+        <p:cNvPr id="1" name=""/>
+        <p:cNvGrpSpPr/>
+        <p:nvPr/>
+      </p:nvGrpSpPr>
+      <p:grpSpPr>
+        <a:xfrm>
+          <a:off x="0" y="0"/>
+          <a:ext cx="0" cy="0"/>
+          <a:chOff x="0" y="0"/>
+          <a:chExt cx="0" cy="0"/>
+        </a:xfrm>
+      </p:grpSpPr>
+      <p:sp>
+        <p:nvSpPr>
+          <p:cNvPr id="2" name="Titel 1"/>
+          <p:cNvSpPr>
+            <a:spLocks noGrp="1"/>
+          </p:cNvSpPr>
+          <p:nvPr>
+            <p:ph type="title"/>
+          </p:nvPr>
+        </p:nvSpPr>
+        <p:spPr/>
+        <p:txBody>
+          <a:bodyPr/>
+          <a:lstStyle/>
+          <a:p>
+            <a:r>
+              <a:rPr lang="en-GB">
+                <a:latin typeface="Eurostile" panose="020B0504020202050204" pitchFamily="34" charset="0"/>
+              </a:rPr>
               <a:t>Loop Length Inference</a:t>
             </a:r>
             <a:endParaRPr lang="en-GB" dirty="0">
@@ -4965,7 +5263,171 @@
 </p:sld>
 </file>
 
-<file path=ppt/slides/slide13.xml><?xml version="1.0" encoding="utf-8"?>
+<file path=ppt/slides/slide14.xml><?xml version="1.0" encoding="utf-8"?>
+<p:sld xmlns:a="http://schemas.openxmlformats.org/drawingml/2006/main" xmlns:r="http://schemas.openxmlformats.org/officeDocument/2006/relationships" xmlns:p="http://schemas.openxmlformats.org/presentationml/2006/main">
+  <p:cSld>
+    <p:spTree>
+      <p:nvGrpSpPr>
+        <p:cNvPr id="1" name=""/>
+        <p:cNvGrpSpPr/>
+        <p:nvPr/>
+      </p:nvGrpSpPr>
+      <p:grpSpPr>
+        <a:xfrm>
+          <a:off x="0" y="0"/>
+          <a:ext cx="0" cy="0"/>
+          <a:chOff x="0" y="0"/>
+          <a:chExt cx="0" cy="0"/>
+        </a:xfrm>
+      </p:grpSpPr>
+      <p:sp>
+        <p:nvSpPr>
+          <p:cNvPr id="2" name="Titel 1"/>
+          <p:cNvSpPr>
+            <a:spLocks noGrp="1"/>
+          </p:cNvSpPr>
+          <p:nvPr>
+            <p:ph type="title"/>
+          </p:nvPr>
+        </p:nvSpPr>
+        <p:spPr/>
+        <p:txBody>
+          <a:bodyPr/>
+          <a:lstStyle/>
+          <a:p>
+            <a:r>
+              <a:rPr lang="en-GB">
+                <a:latin typeface="Eurostile" panose="020B0504020202050204" pitchFamily="34" charset="0"/>
+              </a:rPr>
+              <a:t>Future Work</a:t>
+            </a:r>
+            <a:endParaRPr lang="en-GB" dirty="0">
+              <a:latin typeface="Eurostile" panose="020B0504020202050204" pitchFamily="34" charset="0"/>
+            </a:endParaRPr>
+          </a:p>
+        </p:txBody>
+      </p:sp>
+      <p:sp>
+        <p:nvSpPr>
+          <p:cNvPr id="3" name="Inhaltsplatzhalter 2"/>
+          <p:cNvSpPr>
+            <a:spLocks noGrp="1"/>
+          </p:cNvSpPr>
+          <p:nvPr>
+            <p:ph idx="1"/>
+          </p:nvPr>
+        </p:nvSpPr>
+        <p:spPr>
+          <a:ln>
+            <a:noFill/>
+          </a:ln>
+        </p:spPr>
+        <p:txBody>
+          <a:bodyPr/>
+          <a:lstStyle/>
+          <a:p>
+            <a:pPr lvl="1"/>
+            <a:r>
+              <a:rPr lang="en-GB" b="0">
+                <a:latin typeface="Eurostile" panose="020B0504020202050204" pitchFamily="34" charset="0"/>
+              </a:rPr>
+              <a:t>Incremental Solving (pushing assertions, goes will with cutoff)</a:t>
+            </a:r>
+          </a:p>
+          <a:p>
+            <a:pPr lvl="1"/>
+            <a:r>
+              <a:rPr lang="en-GB">
+                <a:latin typeface="Eurostile" panose="020B0504020202050204" pitchFamily="34" charset="0"/>
+              </a:rPr>
+              <a:t>Refactor for Side Effects in Expressions</a:t>
+            </a:r>
+          </a:p>
+          <a:p>
+            <a:pPr lvl="1"/>
+            <a:r>
+              <a:rPr lang="en-GB" b="0">
+                <a:latin typeface="Eurostile" panose="020B0504020202050204" pitchFamily="34" charset="0"/>
+              </a:rPr>
+              <a:t>Semantic Simplifications?!</a:t>
+            </a:r>
+          </a:p>
+          <a:p>
+            <a:pPr lvl="1"/>
+            <a:r>
+              <a:rPr lang="en-GB">
+                <a:latin typeface="Eurostile" panose="020B0504020202050204" pitchFamily="34" charset="0"/>
+              </a:rPr>
+              <a:t>Hourglass Optimization</a:t>
+            </a:r>
+          </a:p>
+          <a:p>
+            <a:pPr lvl="1"/>
+            <a:r>
+              <a:rPr lang="en-GB">
+                <a:latin typeface="Eurostile" panose="020B0504020202050204" pitchFamily="34" charset="0"/>
+              </a:rPr>
+              <a:t>Logical isolation of functions</a:t>
+            </a:r>
+          </a:p>
+          <a:p>
+            <a:pPr lvl="1"/>
+            <a:r>
+              <a:rPr lang="en-GB">
+                <a:latin typeface="Eurostile" panose="020B0504020202050204" pitchFamily="34" charset="0"/>
+              </a:rPr>
+              <a:t>Better understanding of inner workings of Z3</a:t>
+            </a:r>
+          </a:p>
+          <a:p>
+            <a:pPr lvl="1"/>
+            <a:r>
+              <a:rPr lang="en-GB" b="0">
+                <a:latin typeface="Eurostile" panose="020B0504020202050204" pitchFamily="34" charset="0"/>
+              </a:rPr>
+              <a:t>Completing Code Snippe</a:t>
+            </a:r>
+            <a:r>
+              <a:rPr lang="en-GB">
+                <a:latin typeface="Eurostile" panose="020B0504020202050204" pitchFamily="34" charset="0"/>
+              </a:rPr>
+              <a:t>ts automatically</a:t>
+            </a:r>
+          </a:p>
+          <a:p>
+            <a:pPr lvl="1"/>
+            <a:r>
+              <a:rPr lang="en-GB" b="0">
+                <a:latin typeface="Eurostile" panose="020B0504020202050204" pitchFamily="34" charset="0"/>
+              </a:rPr>
+              <a:t>C++</a:t>
+            </a:r>
+            <a:r>
+              <a:rPr lang="en-GB">
+                <a:latin typeface="Eurostile" panose="020B0504020202050204" pitchFamily="34" charset="0"/>
+              </a:rPr>
+              <a:t> (when C++ Parser is available)</a:t>
+            </a:r>
+            <a:endParaRPr lang="en-GB" b="0">
+              <a:latin typeface="Eurostile" panose="020B0504020202050204" pitchFamily="34" charset="0"/>
+            </a:endParaRPr>
+          </a:p>
+        </p:txBody>
+      </p:sp>
+    </p:spTree>
+    <p:extLst>
+      <p:ext uri="{BB962C8B-B14F-4D97-AF65-F5344CB8AC3E}">
+        <p14:creationId xmlns:p14="http://schemas.microsoft.com/office/powerpoint/2010/main" val="156873020"/>
+      </p:ext>
+    </p:extLst>
+  </p:cSld>
+  <p:clrMapOvr>
+    <a:masterClrMapping/>
+  </p:clrMapOvr>
+</p:sld>
+</file>
+
+<file path=ppt/slides/slide15.xml><?xml version="1.0" encoding="utf-8"?>
 <p:sld xmlns:a="http://schemas.openxmlformats.org/drawingml/2006/main" xmlns:r="http://schemas.openxmlformats.org/officeDocument/2006/relationships" xmlns:p="http://schemas.openxmlformats.org/presentationml/2006/main">
   <p:cSld>
     <p:spTree>

--- a/Vortraege/tvg.pptx
+++ b/Vortraege/tvg.pptx
@@ -4847,8 +4847,8 @@
           </a:p>
         </p:txBody>
       </p:sp>
-      <mc:AlternateContent xmlns:mc="http://schemas.openxmlformats.org/markup-compatibility/2006" xmlns:a14="http://schemas.microsoft.com/office/drawing/2010/main">
-        <mc:Choice Requires="a14">
+      <mc:AlternateContent xmlns:mc="http://schemas.openxmlformats.org/markup-compatibility/2006">
+        <mc:Choice xmlns:a14="http://schemas.microsoft.com/office/drawing/2010/main" Requires="a14">
           <p:sp>
             <p:nvSpPr>
               <p:cNvPr id="3" name="Inhaltsplatzhalter 2"/>
@@ -4995,8 +4995,11 @@
                   <a:rPr lang="en-GB" b="0">
                     <a:latin typeface="Eurostile" panose="020B0504020202050204" pitchFamily="34" charset="0"/>
                   </a:rPr>
-                  <a:t> in every body trace?</a:t>
+                  <a:t> in every body trace? E.g.</a:t>
                 </a:r>
+              </a:p>
+              <a:p>
+                <a:pPr lvl="1"/>
                 <a:br>
                   <a:rPr lang="en-GB" b="0">
                     <a:latin typeface="Eurostile" panose="020B0504020202050204" pitchFamily="34" charset="0"/>
@@ -5029,7 +5032,7 @@
                           <a:rPr lang="de-DE" b="0" i="1" smtClean="0">
                             <a:latin typeface="Cambria Math" panose="02040503050406030204" pitchFamily="18" charset="0"/>
                           </a:rPr>
-                          <m:t>≫1;)</m:t>
+                          <m:t>≫=1;)</m:t>
                         </m:r>
                       </m:e>
                       <m:sup>
@@ -5041,18 +5044,106 @@
                         </m:r>
                       </m:sup>
                     </m:sSup>
+                    <m:r>
+                      <a:rPr lang="de-DE" b="0" i="1" smtClean="0">
+                        <a:latin typeface="Cambria Math" panose="02040503050406030204" pitchFamily="18" charset="0"/>
+                      </a:rPr>
+                      <m:t>     </m:t>
+                    </m:r>
                     <m:groupChr>
                       <m:groupChrPr>
-                        <m:chr m:val="→"/>
+                        <m:chr m:val="⇒"/>
                         <m:vertJc m:val="bot"/>
                         <m:ctrlPr>
-                          <a:rPr lang="en-GB" b="0" i="1" smtClean="0">
+                          <a:rPr lang="de-DE" b="0" i="1" smtClean="0">
                             <a:latin typeface="Cambria Math" panose="02040503050406030204" pitchFamily="18" charset="0"/>
                           </a:rPr>
                         </m:ctrlPr>
                       </m:groupChrPr>
-                      <m:e/>
+                      <m:e>
+                        <m:r>
+                          <m:rPr>
+                            <m:brk m:alnAt="2"/>
+                          </m:rPr>
+                          <a:rPr lang="de-DE" b="0" i="1" smtClean="0">
+                            <a:latin typeface="Cambria Math" panose="02040503050406030204" pitchFamily="18" charset="0"/>
+                          </a:rPr>
+                          <m:t> </m:t>
+                        </m:r>
+                      </m:e>
                     </m:groupChr>
+                    <m:r>
+                      <a:rPr lang="de-DE" b="0" i="1" smtClean="0">
+                        <a:latin typeface="Cambria Math" panose="02040503050406030204" pitchFamily="18" charset="0"/>
+                      </a:rPr>
+                      <m:t>     </m:t>
+                    </m:r>
+                    <m:r>
+                      <a:rPr lang="de-DE" b="0" i="1" smtClean="0">
+                        <a:latin typeface="Cambria Math" panose="02040503050406030204" pitchFamily="18" charset="0"/>
+                      </a:rPr>
+                      <m:t>𝑥</m:t>
+                    </m:r>
+                    <m:d>
+                      <m:dPr>
+                        <m:ctrlPr>
+                          <a:rPr lang="de-DE" b="0" i="1" smtClean="0">
+                            <a:latin typeface="Cambria Math" panose="02040503050406030204" pitchFamily="18" charset="0"/>
+                          </a:rPr>
+                        </m:ctrlPr>
+                      </m:dPr>
+                      <m:e>
+                        <m:r>
+                          <a:rPr lang="de-DE" b="0" i="1" smtClean="0">
+                            <a:latin typeface="Cambria Math" panose="02040503050406030204" pitchFamily="18" charset="0"/>
+                          </a:rPr>
+                          <m:t>𝑛</m:t>
+                        </m:r>
+                      </m:e>
+                    </m:d>
+                    <m:r>
+                      <a:rPr lang="de-DE" b="0" i="1" smtClean="0">
+                        <a:latin typeface="Cambria Math" panose="02040503050406030204" pitchFamily="18" charset="0"/>
+                      </a:rPr>
+                      <m:t>=</m:t>
+                    </m:r>
+                    <m:sSub>
+                      <m:sSubPr>
+                        <m:ctrlPr>
+                          <a:rPr lang="de-DE" b="0" i="1" smtClean="0">
+                            <a:latin typeface="Cambria Math" panose="02040503050406030204" pitchFamily="18" charset="0"/>
+                          </a:rPr>
+                        </m:ctrlPr>
+                      </m:sSubPr>
+                      <m:e>
+                        <m:r>
+                          <a:rPr lang="de-DE" b="0" i="1" smtClean="0">
+                            <a:latin typeface="Cambria Math" panose="02040503050406030204" pitchFamily="18" charset="0"/>
+                          </a:rPr>
+                          <m:t>𝑥</m:t>
+                        </m:r>
+                      </m:e>
+                      <m:sub>
+                        <m:r>
+                          <a:rPr lang="de-DE" b="0" i="1" smtClean="0">
+                            <a:latin typeface="Cambria Math" panose="02040503050406030204" pitchFamily="18" charset="0"/>
+                          </a:rPr>
+                          <m:t>0</m:t>
+                        </m:r>
+                      </m:sub>
+                    </m:sSub>
+                    <m:r>
+                      <a:rPr lang="de-DE" b="0" i="1" smtClean="0">
+                        <a:latin typeface="Cambria Math" panose="02040503050406030204" pitchFamily="18" charset="0"/>
+                      </a:rPr>
+                      <m:t>≫</m:t>
+                    </m:r>
+                    <m:r>
+                      <a:rPr lang="de-DE" b="0" i="1" smtClean="0">
+                        <a:latin typeface="Cambria Math" panose="02040503050406030204" pitchFamily="18" charset="0"/>
+                      </a:rPr>
+                      <m:t>𝑛</m:t>
+                    </m:r>
                     <m:r>
                       <a:rPr lang="de-DE" b="0" i="1" smtClean="0">
                         <a:latin typeface="Cambria Math" panose="02040503050406030204" pitchFamily="18" charset="0"/>
@@ -5114,11 +5205,54 @@
                       <a:rPr lang="de-DE" b="0" i="1" smtClean="0">
                         <a:latin typeface="Cambria Math" panose="02040503050406030204" pitchFamily="18" charset="0"/>
                       </a:rPr>
-                      <m:t>   </m:t>
+                      <m:t> =</m:t>
+                    </m:r>
+                    <m:sSup>
+                      <m:sSupPr>
+                        <m:ctrlPr>
+                          <a:rPr lang="de-DE" b="0" i="1" smtClean="0">
+                            <a:latin typeface="Cambria Math" panose="02040503050406030204" pitchFamily="18" charset="0"/>
+                          </a:rPr>
+                        </m:ctrlPr>
+                      </m:sSupPr>
+                      <m:e>
+                        <m:r>
+                          <a:rPr lang="de-DE" i="1">
+                            <a:latin typeface="Cambria Math" panose="02040503050406030204" pitchFamily="18" charset="0"/>
+                          </a:rPr>
+                          <m:t>(</m:t>
+                        </m:r>
+                        <m:r>
+                          <a:rPr lang="de-DE" i="1">
+                            <a:latin typeface="Cambria Math" panose="02040503050406030204" pitchFamily="18" charset="0"/>
+                          </a:rPr>
+                          <m:t>𝑥</m:t>
+                        </m:r>
+                        <m:r>
+                          <a:rPr lang="de-DE" i="1">
+                            <a:latin typeface="Cambria Math" panose="02040503050406030204" pitchFamily="18" charset="0"/>
+                          </a:rPr>
+                          <m:t>+=1;)</m:t>
+                        </m:r>
+                      </m:e>
+                      <m:sup>
+                        <m:r>
+                          <a:rPr lang="de-DE" b="0" i="1" smtClean="0">
+                            <a:latin typeface="Cambria Math" panose="02040503050406030204" pitchFamily="18" charset="0"/>
+                          </a:rPr>
+                          <m:t>𝑛</m:t>
+                        </m:r>
+                      </m:sup>
+                    </m:sSup>
+                    <m:r>
+                      <a:rPr lang="de-DE" b="0" i="1" smtClean="0">
+                        <a:latin typeface="Cambria Math" panose="02040503050406030204" pitchFamily="18" charset="0"/>
+                      </a:rPr>
+                      <m:t>    </m:t>
                     </m:r>
                     <m:groupChr>
                       <m:groupChrPr>
-                        <m:chr m:val="⇔"/>
+                        <m:chr m:val="⇒"/>
                         <m:vertJc m:val="bot"/>
                         <m:ctrlPr>
                           <a:rPr lang="de-DE" b="0" i="1" smtClean="0">
@@ -5134,13 +5268,7 @@
                           <a:rPr lang="de-DE" b="0" i="1" smtClean="0">
                             <a:latin typeface="Cambria Math" panose="02040503050406030204" pitchFamily="18" charset="0"/>
                           </a:rPr>
-                          <m:t>𝑏</m:t>
-                        </m:r>
-                        <m:r>
-                          <a:rPr lang="de-DE" b="0" i="1" smtClean="0">
-                            <a:latin typeface="Cambria Math" panose="02040503050406030204" pitchFamily="18" charset="0"/>
-                          </a:rPr>
-                          <m:t>𝑖𝑠𝑖𝑚𝑢𝑙𝑎𝑟</m:t>
+                          <m:t> </m:t>
                         </m:r>
                       </m:e>
                     </m:groupChr>
@@ -5148,7 +5276,7 @@
                       <a:rPr lang="de-DE" b="0" i="1" smtClean="0">
                         <a:latin typeface="Cambria Math" panose="02040503050406030204" pitchFamily="18" charset="0"/>
                       </a:rPr>
-                      <m:t>  </m:t>
+                      <m:t>     </m:t>
                     </m:r>
                     <m:r>
                       <a:rPr lang="de-DE" b="0" i="1" smtClean="0">
@@ -5160,7 +5288,7 @@
                       <a:rPr lang="de-DE" b="0" i="1" smtClean="0">
                         <a:latin typeface="Cambria Math" panose="02040503050406030204" pitchFamily="18" charset="0"/>
                       </a:rPr>
-                      <m:t>+=</m:t>
+                      <m:t>(</m:t>
                     </m:r>
                     <m:r>
                       <a:rPr lang="de-DE" b="0" i="1" smtClean="0">
@@ -5172,7 +5300,44 @@
                       <a:rPr lang="de-DE" b="0" i="1" smtClean="0">
                         <a:latin typeface="Cambria Math" panose="02040503050406030204" pitchFamily="18" charset="0"/>
                       </a:rPr>
-                      <m:t>;</m:t>
+                      <m:t>)=</m:t>
+                    </m:r>
+                    <m:sSub>
+                      <m:sSubPr>
+                        <m:ctrlPr>
+                          <a:rPr lang="de-DE" b="0" i="1" smtClean="0">
+                            <a:latin typeface="Cambria Math" panose="02040503050406030204" pitchFamily="18" charset="0"/>
+                          </a:rPr>
+                        </m:ctrlPr>
+                      </m:sSubPr>
+                      <m:e>
+                        <m:r>
+                          <a:rPr lang="de-DE" b="0" i="1" smtClean="0">
+                            <a:latin typeface="Cambria Math" panose="02040503050406030204" pitchFamily="18" charset="0"/>
+                          </a:rPr>
+                          <m:t>𝑥</m:t>
+                        </m:r>
+                      </m:e>
+                      <m:sub>
+                        <m:r>
+                          <a:rPr lang="de-DE" b="0" i="1" smtClean="0">
+                            <a:latin typeface="Cambria Math" panose="02040503050406030204" pitchFamily="18" charset="0"/>
+                          </a:rPr>
+                          <m:t>0</m:t>
+                        </m:r>
+                      </m:sub>
+                    </m:sSub>
+                    <m:r>
+                      <a:rPr lang="de-DE" b="0" i="1" smtClean="0">
+                        <a:latin typeface="Cambria Math" panose="02040503050406030204" pitchFamily="18" charset="0"/>
+                      </a:rPr>
+                      <m:t>+</m:t>
+                    </m:r>
+                    <m:r>
+                      <a:rPr lang="de-DE" b="0" i="1" smtClean="0">
+                        <a:latin typeface="Cambria Math" panose="02040503050406030204" pitchFamily="18" charset="0"/>
+                      </a:rPr>
+                      <m:t>𝑛</m:t>
                     </m:r>
                   </m:oMath>
                 </a14:m>
@@ -5183,7 +5348,7 @@
             </p:txBody>
           </p:sp>
         </mc:Choice>
-        <mc:Fallback xmlns="">
+        <mc:Fallback>
           <p:sp>
             <p:nvSpPr>
               <p:cNvPr id="3" name="Inhaltsplatzhalter 2"/>
@@ -5220,36 +5385,402 @@
           </p:sp>
         </mc:Fallback>
       </mc:AlternateContent>
-      <p:pic>
-        <p:nvPicPr>
-          <p:cNvPr id="5" name="Grafik 4">
+      <p:sp>
+        <p:nvSpPr>
+          <p:cNvPr id="11" name="Rectangle 2">
             <a:extLst>
               <a:ext uri="{FF2B5EF4-FFF2-40B4-BE49-F238E27FC236}">
-                <a16:creationId xmlns:a16="http://schemas.microsoft.com/office/drawing/2014/main" id="{ABF593DC-6687-40FC-8FE3-B0D10ADCD9EC}"/>
+                <a16:creationId xmlns:a16="http://schemas.microsoft.com/office/drawing/2014/main" id="{7473162F-2B77-4FAF-8D23-5B9E460E083F}"/>
               </a:ext>
             </a:extLst>
           </p:cNvPr>
-          <p:cNvPicPr>
-            <a:picLocks noChangeAspect="1"/>
-          </p:cNvPicPr>
+          <p:cNvSpPr>
+            <a:spLocks noChangeArrowheads="1"/>
+          </p:cNvSpPr>
           <p:nvPr/>
-        </p:nvPicPr>
-        <p:blipFill>
-          <a:blip r:embed="rId4"/>
-          <a:stretch>
-            <a:fillRect/>
-          </a:stretch>
-        </p:blipFill>
-        <p:spPr>
+        </p:nvSpPr>
+        <p:spPr bwMode="auto">
           <a:xfrm>
-            <a:off x="1123055" y="6275950"/>
-            <a:ext cx="10758689" cy="2398433"/>
+            <a:off x="1788948" y="6428156"/>
+            <a:ext cx="9426904" cy="2246769"/>
           </a:xfrm>
           <a:prstGeom prst="rect">
             <a:avLst/>
           </a:prstGeom>
+          <a:solidFill>
+            <a:srgbClr val="C2E49C"/>
+          </a:solidFill>
+          <a:ln>
+            <a:noFill/>
+          </a:ln>
+          <a:effectLst/>
         </p:spPr>
-      </p:pic>
+        <p:txBody>
+          <a:bodyPr vert="horz" wrap="square" lIns="91440" tIns="45720" rIns="91440" bIns="45720" numCol="1" anchor="ctr" anchorCtr="0" compatLnSpc="1">
+            <a:prstTxWarp prst="textNoShape">
+              <a:avLst/>
+            </a:prstTxWarp>
+            <a:spAutoFit/>
+          </a:bodyPr>
+          <a:lstStyle/>
+          <a:p>
+            <a:pPr marL="0" marR="0" lvl="0" indent="0" algn="l" defTabSz="914400" rtl="0" eaLnBrk="0" fontAlgn="base" latinLnBrk="0" hangingPunct="0">
+              <a:lnSpc>
+                <a:spcPct val="100000"/>
+              </a:lnSpc>
+              <a:spcBef>
+                <a:spcPct val="0"/>
+              </a:spcBef>
+              <a:spcAft>
+                <a:spcPct val="0"/>
+              </a:spcAft>
+              <a:buClrTx/>
+              <a:buSzTx/>
+              <a:buFontTx/>
+              <a:buNone/>
+              <a:tabLst/>
+            </a:pPr>
+            <a:r>
+              <a:rPr kumimoji="0" lang="de-DE" altLang="de-DE" sz="2800" b="0" i="0" u="none" strike="noStrike" cap="none" normalizeH="0" baseline="0">
+                <a:ln>
+                  <a:noFill/>
+                </a:ln>
+                <a:solidFill>
+                  <a:srgbClr val="000000"/>
+                </a:solidFill>
+                <a:effectLst/>
+                <a:latin typeface="Droid Sans Mono" panose="020B0609030804020204" pitchFamily="49" charset="0"/>
+                <a:ea typeface="Droid Sans Mono" panose="020B0609030804020204" pitchFamily="49" charset="0"/>
+                <a:cs typeface="Droid Sans Mono" panose="020B0609030804020204" pitchFamily="49" charset="0"/>
+              </a:rPr>
+              <a:t>n </a:t>
+            </a:r>
+            <a:r>
+              <a:rPr kumimoji="0" lang="de-DE" altLang="de-DE" sz="2800" b="0" i="0" u="none" strike="noStrike" cap="none" normalizeH="0" baseline="0">
+                <a:ln>
+                  <a:noFill/>
+                </a:ln>
+                <a:solidFill>
+                  <a:srgbClr val="080808"/>
+                </a:solidFill>
+                <a:effectLst/>
+                <a:latin typeface="Droid Sans Mono" panose="020B0609030804020204" pitchFamily="49" charset="0"/>
+                <a:ea typeface="Droid Sans Mono" panose="020B0609030804020204" pitchFamily="49" charset="0"/>
+                <a:cs typeface="Droid Sans Mono" panose="020B0609030804020204" pitchFamily="49" charset="0"/>
+              </a:rPr>
+              <a:t>⩾ </a:t>
+            </a:r>
+            <a:r>
+              <a:rPr kumimoji="0" lang="de-DE" altLang="de-DE" sz="2800" b="0" i="0" u="none" strike="noStrike" cap="none" normalizeH="0" baseline="0">
+                <a:ln>
+                  <a:noFill/>
+                </a:ln>
+                <a:solidFill>
+                  <a:srgbClr val="000000"/>
+                </a:solidFill>
+                <a:effectLst/>
+                <a:latin typeface="Droid Sans Mono" panose="020B0609030804020204" pitchFamily="49" charset="0"/>
+                <a:ea typeface="Droid Sans Mono" panose="020B0609030804020204" pitchFamily="49" charset="0"/>
+                <a:cs typeface="Droid Sans Mono" panose="020B0609030804020204" pitchFamily="49" charset="0"/>
+              </a:rPr>
+              <a:t>_0,</a:t>
+            </a:r>
+            <a:br>
+              <a:rPr kumimoji="0" lang="de-DE" altLang="de-DE" sz="2800" b="0" i="0" u="none" strike="noStrike" cap="none" normalizeH="0" baseline="0">
+                <a:ln>
+                  <a:noFill/>
+                </a:ln>
+                <a:solidFill>
+                  <a:srgbClr val="000000"/>
+                </a:solidFill>
+                <a:effectLst/>
+                <a:latin typeface="Droid Sans Mono" panose="020B0609030804020204" pitchFamily="49" charset="0"/>
+                <a:ea typeface="Droid Sans Mono" panose="020B0609030804020204" pitchFamily="49" charset="0"/>
+                <a:cs typeface="Droid Sans Mono" panose="020B0609030804020204" pitchFamily="49" charset="0"/>
+              </a:rPr>
+            </a:br>
+            <a:r>
+              <a:rPr kumimoji="0" lang="de-DE" altLang="de-DE" sz="2800" b="0" i="0" u="none" strike="noStrike" cap="none" normalizeH="0" baseline="0">
+                <a:ln>
+                  <a:noFill/>
+                </a:ln>
+                <a:solidFill>
+                  <a:srgbClr val="000000"/>
+                </a:solidFill>
+                <a:effectLst/>
+                <a:latin typeface="Droid Sans Mono" panose="020B0609030804020204" pitchFamily="49" charset="0"/>
+                <a:ea typeface="Droid Sans Mono" panose="020B0609030804020204" pitchFamily="49" charset="0"/>
+                <a:cs typeface="Droid Sans Mono" panose="020B0609030804020204" pitchFamily="49" charset="0"/>
+              </a:rPr>
+              <a:t>not_ cond_0  </a:t>
+            </a:r>
+            <a:r>
+              <a:rPr kumimoji="0" lang="de-DE" altLang="de-DE" sz="2800" b="0" i="0" u="none" strike="noStrike" cap="none" normalizeH="0" baseline="0">
+                <a:ln>
+                  <a:noFill/>
+                </a:ln>
+                <a:solidFill>
+                  <a:srgbClr val="080808"/>
+                </a:solidFill>
+                <a:effectLst/>
+                <a:latin typeface="Droid Sans Mono" panose="020B0609030804020204" pitchFamily="49" charset="0"/>
+                <a:ea typeface="Droid Sans Mono" panose="020B0609030804020204" pitchFamily="49" charset="0"/>
+                <a:cs typeface="Droid Sans Mono" panose="020B0609030804020204" pitchFamily="49" charset="0"/>
+              </a:rPr>
+              <a:t>⋏  </a:t>
+            </a:r>
+            <a:r>
+              <a:rPr kumimoji="0" lang="de-DE" altLang="de-DE" sz="2800" b="0" i="0" u="none" strike="noStrike" cap="none" normalizeH="0" baseline="0">
+                <a:ln>
+                  <a:noFill/>
+                </a:ln>
+                <a:solidFill>
+                  <a:srgbClr val="000000"/>
+                </a:solidFill>
+                <a:effectLst/>
+                <a:latin typeface="Droid Sans Mono" panose="020B0609030804020204" pitchFamily="49" charset="0"/>
+                <a:ea typeface="Droid Sans Mono" panose="020B0609030804020204" pitchFamily="49" charset="0"/>
+                <a:cs typeface="Droid Sans Mono" panose="020B0609030804020204" pitchFamily="49" charset="0"/>
+              </a:rPr>
+              <a:t>n </a:t>
+            </a:r>
+            <a:r>
+              <a:rPr kumimoji="0" lang="de-DE" altLang="de-DE" sz="2800" b="0" i="0" u="none" strike="noStrike" cap="none" normalizeH="0" baseline="0">
+                <a:ln>
+                  <a:noFill/>
+                </a:ln>
+                <a:solidFill>
+                  <a:srgbClr val="080808"/>
+                </a:solidFill>
+                <a:effectLst/>
+                <a:latin typeface="Droid Sans Mono" panose="020B0609030804020204" pitchFamily="49" charset="0"/>
+                <a:ea typeface="Droid Sans Mono" panose="020B0609030804020204" pitchFamily="49" charset="0"/>
+                <a:cs typeface="Droid Sans Mono" panose="020B0609030804020204" pitchFamily="49" charset="0"/>
+              </a:rPr>
+              <a:t>⩵ </a:t>
+            </a:r>
+            <a:r>
+              <a:rPr kumimoji="0" lang="de-DE" altLang="de-DE" sz="2800" b="0" i="0" u="none" strike="noStrike" cap="none" normalizeH="0" baseline="0">
+                <a:ln>
+                  <a:noFill/>
+                </a:ln>
+                <a:solidFill>
+                  <a:srgbClr val="000000"/>
+                </a:solidFill>
+                <a:effectLst/>
+                <a:latin typeface="Droid Sans Mono" panose="020B0609030804020204" pitchFamily="49" charset="0"/>
+                <a:ea typeface="Droid Sans Mono" panose="020B0609030804020204" pitchFamily="49" charset="0"/>
+                <a:cs typeface="Droid Sans Mono" panose="020B0609030804020204" pitchFamily="49" charset="0"/>
+              </a:rPr>
+              <a:t>_0</a:t>
+            </a:r>
+            <a:br>
+              <a:rPr kumimoji="0" lang="de-DE" altLang="de-DE" sz="2800" b="0" i="0" u="none" strike="noStrike" cap="none" normalizeH="0" baseline="0">
+                <a:ln>
+                  <a:noFill/>
+                </a:ln>
+                <a:solidFill>
+                  <a:srgbClr val="000000"/>
+                </a:solidFill>
+                <a:effectLst/>
+                <a:latin typeface="Droid Sans Mono" panose="020B0609030804020204" pitchFamily="49" charset="0"/>
+                <a:ea typeface="Droid Sans Mono" panose="020B0609030804020204" pitchFamily="49" charset="0"/>
+                <a:cs typeface="Droid Sans Mono" panose="020B0609030804020204" pitchFamily="49" charset="0"/>
+              </a:rPr>
+            </a:br>
+            <a:r>
+              <a:rPr kumimoji="0" lang="de-DE" altLang="de-DE" sz="2800" b="0" i="0" u="none" strike="noStrike" cap="none" normalizeH="0" baseline="0">
+                <a:ln>
+                  <a:noFill/>
+                </a:ln>
+                <a:solidFill>
+                  <a:srgbClr val="000000"/>
+                </a:solidFill>
+                <a:effectLst/>
+                <a:latin typeface="Droid Sans Mono" panose="020B0609030804020204" pitchFamily="49" charset="0"/>
+                <a:ea typeface="Droid Sans Mono" panose="020B0609030804020204" pitchFamily="49" charset="0"/>
+                <a:cs typeface="Droid Sans Mono" panose="020B0609030804020204" pitchFamily="49" charset="0"/>
+              </a:rPr>
+              <a:t>   </a:t>
+            </a:r>
+            <a:r>
+              <a:rPr kumimoji="0" lang="de-DE" altLang="de-DE" sz="2800" b="0" i="0" u="none" strike="noStrike" cap="none" normalizeH="0" baseline="0">
+                <a:ln>
+                  <a:noFill/>
+                </a:ln>
+                <a:solidFill>
+                  <a:srgbClr val="080808"/>
+                </a:solidFill>
+                <a:effectLst/>
+                <a:latin typeface="Droid Sans Mono" panose="020B0609030804020204" pitchFamily="49" charset="0"/>
+                <a:ea typeface="Droid Sans Mono" panose="020B0609030804020204" pitchFamily="49" charset="0"/>
+                <a:cs typeface="Droid Sans Mono" panose="020B0609030804020204" pitchFamily="49" charset="0"/>
+              </a:rPr>
+              <a:t>⋎</a:t>
+            </a:r>
+            <a:br>
+              <a:rPr kumimoji="0" lang="de-DE" altLang="de-DE" sz="2800" b="0" i="0" u="none" strike="noStrike" cap="none" normalizeH="0" baseline="0">
+                <a:ln>
+                  <a:noFill/>
+                </a:ln>
+                <a:solidFill>
+                  <a:srgbClr val="080808"/>
+                </a:solidFill>
+                <a:effectLst/>
+                <a:latin typeface="Droid Sans Mono" panose="020B0609030804020204" pitchFamily="49" charset="0"/>
+                <a:ea typeface="Droid Sans Mono" panose="020B0609030804020204" pitchFamily="49" charset="0"/>
+                <a:cs typeface="Droid Sans Mono" panose="020B0609030804020204" pitchFamily="49" charset="0"/>
+              </a:rPr>
+            </a:br>
+            <a:r>
+              <a:rPr kumimoji="0" lang="de-DE" altLang="de-DE" sz="2800" b="0" i="0" u="none" strike="noStrike" cap="none" normalizeH="0" baseline="0">
+                <a:ln>
+                  <a:noFill/>
+                </a:ln>
+                <a:solidFill>
+                  <a:srgbClr val="080808"/>
+                </a:solidFill>
+                <a:effectLst/>
+                <a:latin typeface="Droid Sans Mono" panose="020B0609030804020204" pitchFamily="49" charset="0"/>
+                <a:ea typeface="Droid Sans Mono" panose="020B0609030804020204" pitchFamily="49" charset="0"/>
+                <a:cs typeface="Droid Sans Mono" panose="020B0609030804020204" pitchFamily="49" charset="0"/>
+              </a:rPr>
+              <a:t>   </a:t>
+            </a:r>
+            <a:r>
+              <a:rPr kumimoji="0" lang="de-DE" altLang="de-DE" sz="2800" b="0" i="0" u="none" strike="noStrike" cap="none" normalizeH="0" baseline="0">
+                <a:ln>
+                  <a:noFill/>
+                </a:ln>
+                <a:solidFill>
+                  <a:srgbClr val="000000"/>
+                </a:solidFill>
+                <a:effectLst/>
+                <a:latin typeface="Droid Sans Mono" panose="020B0609030804020204" pitchFamily="49" charset="0"/>
+                <a:ea typeface="Droid Sans Mono" panose="020B0609030804020204" pitchFamily="49" charset="0"/>
+                <a:cs typeface="Droid Sans Mono" panose="020B0609030804020204" pitchFamily="49" charset="0"/>
+              </a:rPr>
+              <a:t>cond_nminus1 </a:t>
+            </a:r>
+            <a:r>
+              <a:rPr kumimoji="0" lang="de-DE" altLang="de-DE" sz="2800" b="0" i="0" u="none" strike="noStrike" cap="none" normalizeH="0" baseline="0">
+                <a:ln>
+                  <a:noFill/>
+                </a:ln>
+                <a:solidFill>
+                  <a:srgbClr val="080808"/>
+                </a:solidFill>
+                <a:effectLst/>
+                <a:latin typeface="Droid Sans Mono" panose="020B0609030804020204" pitchFamily="49" charset="0"/>
+                <a:ea typeface="Droid Sans Mono" panose="020B0609030804020204" pitchFamily="49" charset="0"/>
+                <a:cs typeface="Droid Sans Mono" panose="020B0609030804020204" pitchFamily="49" charset="0"/>
+              </a:rPr>
+              <a:t>⋏ </a:t>
+            </a:r>
+            <a:r>
+              <a:rPr kumimoji="0" lang="de-DE" altLang="de-DE" sz="2800" b="0" i="0" u="none" strike="noStrike" cap="none" normalizeH="0" baseline="0">
+                <a:ln>
+                  <a:noFill/>
+                </a:ln>
+                <a:solidFill>
+                  <a:srgbClr val="000000"/>
+                </a:solidFill>
+                <a:effectLst/>
+                <a:latin typeface="Droid Sans Mono" panose="020B0609030804020204" pitchFamily="49" charset="0"/>
+                <a:ea typeface="Droid Sans Mono" panose="020B0609030804020204" pitchFamily="49" charset="0"/>
+                <a:cs typeface="Droid Sans Mono" panose="020B0609030804020204" pitchFamily="49" charset="0"/>
+              </a:rPr>
+              <a:t>n </a:t>
+            </a:r>
+            <a:r>
+              <a:rPr kumimoji="0" lang="de-DE" altLang="de-DE" sz="2800" b="0" i="0" u="none" strike="noStrike" cap="none" normalizeH="0" baseline="0">
+                <a:ln>
+                  <a:noFill/>
+                </a:ln>
+                <a:solidFill>
+                  <a:srgbClr val="080808"/>
+                </a:solidFill>
+                <a:effectLst/>
+                <a:latin typeface="Droid Sans Mono" panose="020B0609030804020204" pitchFamily="49" charset="0"/>
+                <a:ea typeface="Droid Sans Mono" panose="020B0609030804020204" pitchFamily="49" charset="0"/>
+                <a:cs typeface="Droid Sans Mono" panose="020B0609030804020204" pitchFamily="49" charset="0"/>
+              </a:rPr>
+              <a:t>⩾ </a:t>
+            </a:r>
+            <a:r>
+              <a:rPr kumimoji="0" lang="de-DE" altLang="de-DE" sz="2800" b="0" i="0" u="none" strike="noStrike" cap="none" normalizeH="0" baseline="0">
+                <a:ln>
+                  <a:noFill/>
+                </a:ln>
+                <a:solidFill>
+                  <a:srgbClr val="000000"/>
+                </a:solidFill>
+                <a:effectLst/>
+                <a:latin typeface="Droid Sans Mono" panose="020B0609030804020204" pitchFamily="49" charset="0"/>
+                <a:ea typeface="Droid Sans Mono" panose="020B0609030804020204" pitchFamily="49" charset="0"/>
+                <a:cs typeface="Droid Sans Mono" panose="020B0609030804020204" pitchFamily="49" charset="0"/>
+              </a:rPr>
+              <a:t>_1 </a:t>
+            </a:r>
+            <a:r>
+              <a:rPr kumimoji="0" lang="de-DE" altLang="de-DE" sz="2800" b="0" i="0" u="none" strike="noStrike" cap="none" normalizeH="0" baseline="0">
+                <a:ln>
+                  <a:noFill/>
+                </a:ln>
+                <a:solidFill>
+                  <a:srgbClr val="080808"/>
+                </a:solidFill>
+                <a:effectLst/>
+                <a:latin typeface="Droid Sans Mono" panose="020B0609030804020204" pitchFamily="49" charset="0"/>
+                <a:ea typeface="Droid Sans Mono" panose="020B0609030804020204" pitchFamily="49" charset="0"/>
+                <a:cs typeface="Droid Sans Mono" panose="020B0609030804020204" pitchFamily="49" charset="0"/>
+              </a:rPr>
+              <a:t>⋏ </a:t>
+            </a:r>
+            <a:r>
+              <a:rPr kumimoji="0" lang="de-DE" altLang="de-DE" sz="2800" b="0" i="0" u="none" strike="noStrike" cap="none" normalizeH="0" baseline="0">
+                <a:ln>
+                  <a:noFill/>
+                </a:ln>
+                <a:solidFill>
+                  <a:srgbClr val="000000"/>
+                </a:solidFill>
+                <a:effectLst/>
+                <a:latin typeface="Droid Sans Mono" panose="020B0609030804020204" pitchFamily="49" charset="0"/>
+                <a:ea typeface="Droid Sans Mono" panose="020B0609030804020204" pitchFamily="49" charset="0"/>
+                <a:cs typeface="Droid Sans Mono" panose="020B0609030804020204" pitchFamily="49" charset="0"/>
+              </a:rPr>
+              <a:t>not_ cond_n</a:t>
+            </a:r>
+            <a:br>
+              <a:rPr kumimoji="0" lang="de-DE" altLang="de-DE" sz="2800" b="0" i="0" u="none" strike="noStrike" cap="none" normalizeH="0" baseline="0">
+                <a:ln>
+                  <a:noFill/>
+                </a:ln>
+                <a:solidFill>
+                  <a:srgbClr val="000000"/>
+                </a:solidFill>
+                <a:effectLst/>
+                <a:latin typeface="Droid Sans Mono" panose="020B0609030804020204" pitchFamily="49" charset="0"/>
+                <a:ea typeface="Droid Sans Mono" panose="020B0609030804020204" pitchFamily="49" charset="0"/>
+                <a:cs typeface="Droid Sans Mono" panose="020B0609030804020204" pitchFamily="49" charset="0"/>
+              </a:rPr>
+            </a:br>
+            <a:endParaRPr kumimoji="0" lang="de-DE" altLang="de-DE" sz="2800" b="0" i="0" u="none" strike="noStrike" cap="none" normalizeH="0" baseline="0">
+              <a:ln>
+                <a:noFill/>
+              </a:ln>
+              <a:solidFill>
+                <a:schemeClr val="tx1"/>
+              </a:solidFill>
+              <a:effectLst/>
+              <a:latin typeface="Droid Sans Mono" panose="020B0609030804020204" pitchFamily="49" charset="0"/>
+              <a:ea typeface="Droid Sans Mono" panose="020B0609030804020204" pitchFamily="49" charset="0"/>
+              <a:cs typeface="Droid Sans Mono" panose="020B0609030804020204" pitchFamily="49" charset="0"/>
+            </a:endParaRPr>
+          </a:p>
+        </p:txBody>
+      </p:sp>
     </p:spTree>
     <p:extLst>
       <p:ext uri="{BB962C8B-B14F-4D97-AF65-F5344CB8AC3E}">

--- a/Vortraege/tvg.pptx
+++ b/Vortraege/tvg.pptx
@@ -5032,7 +5032,19 @@
                           <a:rPr lang="de-DE" b="0" i="1" smtClean="0">
                             <a:latin typeface="Cambria Math" panose="02040503050406030204" pitchFamily="18" charset="0"/>
                           </a:rPr>
-                          <m:t>≫=1;)</m:t>
+                          <m:t>=</m:t>
+                        </m:r>
+                        <m:r>
+                          <a:rPr lang="de-DE" b="0" i="1" smtClean="0">
+                            <a:latin typeface="Cambria Math" panose="02040503050406030204" pitchFamily="18" charset="0"/>
+                          </a:rPr>
+                          <m:t>𝑥</m:t>
+                        </m:r>
+                        <m:r>
+                          <a:rPr lang="de-DE" b="0" i="1" smtClean="0">
+                            <a:latin typeface="Cambria Math" panose="02040503050406030204" pitchFamily="18" charset="0"/>
+                          </a:rPr>
+                          <m:t>≫1;)</m:t>
                         </m:r>
                       </m:e>
                       <m:sup>
@@ -5232,7 +5244,19 @@
                           <a:rPr lang="de-DE" i="1">
                             <a:latin typeface="Cambria Math" panose="02040503050406030204" pitchFamily="18" charset="0"/>
                           </a:rPr>
-                          <m:t>+=1;)</m:t>
+                          <m:t>=</m:t>
+                        </m:r>
+                        <m:r>
+                          <a:rPr lang="de-DE" b="0" i="1" smtClean="0">
+                            <a:latin typeface="Cambria Math" panose="02040503050406030204" pitchFamily="18" charset="0"/>
+                          </a:rPr>
+                          <m:t>𝑥</m:t>
+                        </m:r>
+                        <m:r>
+                          <a:rPr lang="de-DE" b="0" i="1" smtClean="0">
+                            <a:latin typeface="Cambria Math" panose="02040503050406030204" pitchFamily="18" charset="0"/>
+                          </a:rPr>
+                          <m:t>+1;)</m:t>
                         </m:r>
                       </m:e>
                       <m:sup>

--- a/Vortraege/tvg.pptx
+++ b/Vortraege/tvg.pptx
@@ -5,10 +5,10 @@
     <p:sldMasterId id="2147483708" r:id="rId1"/>
   </p:sldMasterIdLst>
   <p:notesMasterIdLst>
-    <p:notesMasterId r:id="rId17"/>
+    <p:notesMasterId r:id="rId18"/>
   </p:notesMasterIdLst>
   <p:handoutMasterIdLst>
-    <p:handoutMasterId r:id="rId18"/>
+    <p:handoutMasterId r:id="rId19"/>
   </p:handoutMasterIdLst>
   <p:sldIdLst>
     <p:sldId id="303" r:id="rId2"/>
@@ -24,41 +24,42 @@
     <p:sldId id="396" r:id="rId12"/>
     <p:sldId id="398" r:id="rId13"/>
     <p:sldId id="397" r:id="rId14"/>
-    <p:sldId id="399" r:id="rId15"/>
-    <p:sldId id="388" r:id="rId16"/>
+    <p:sldId id="400" r:id="rId15"/>
+    <p:sldId id="399" r:id="rId16"/>
+    <p:sldId id="388" r:id="rId17"/>
   </p:sldIdLst>
   <p:sldSz cx="13004800" cy="9753600"/>
   <p:notesSz cx="6819900" cy="9931400"/>
   <p:embeddedFontLst>
     <p:embeddedFont>
       <p:font typeface="Arial Narrow" panose="020B0606020202030204" pitchFamily="34" charset="0"/>
-      <p:regular r:id="rId19"/>
-      <p:bold r:id="rId20"/>
-      <p:italic r:id="rId21"/>
-      <p:boldItalic r:id="rId22"/>
+      <p:regular r:id="rId20"/>
+      <p:bold r:id="rId21"/>
+      <p:italic r:id="rId22"/>
+      <p:boldItalic r:id="rId23"/>
     </p:embeddedFont>
     <p:embeddedFont>
       <p:font typeface="Calibri" panose="020F0502020204030204" pitchFamily="34" charset="0"/>
-      <p:regular r:id="rId23"/>
-      <p:bold r:id="rId24"/>
-      <p:italic r:id="rId25"/>
-      <p:boldItalic r:id="rId26"/>
+      <p:regular r:id="rId24"/>
+      <p:bold r:id="rId25"/>
+      <p:italic r:id="rId26"/>
+      <p:boldItalic r:id="rId27"/>
     </p:embeddedFont>
     <p:embeddedFont>
       <p:font typeface="Cambria Math" panose="02040503050406030204" pitchFamily="18" charset="0"/>
-      <p:regular r:id="rId27"/>
+      <p:regular r:id="rId28"/>
     </p:embeddedFont>
     <p:embeddedFont>
       <p:font typeface="Droid Sans Mono" panose="020B0609030804020204" pitchFamily="49" charset="0"/>
-      <p:regular r:id="rId28"/>
+      <p:regular r:id="rId29"/>
     </p:embeddedFont>
     <p:embeddedFont>
       <p:font typeface="Eurostile" panose="020B0504020202050204" pitchFamily="34" charset="0"/>
-      <p:regular r:id="rId29"/>
+      <p:regular r:id="rId30"/>
     </p:embeddedFont>
     <p:embeddedFont>
       <p:font typeface="Wingdings 3" panose="05040102010807070707" pitchFamily="18" charset="2"/>
-      <p:regular r:id="rId30"/>
+      <p:regular r:id="rId31"/>
     </p:embeddedFont>
   </p:embeddedFontLst>
   <p:defaultTextStyle>
@@ -1465,6 +1466,67 @@
     </p:spTree>
     <p:extLst>
       <p:ext uri="{BB962C8B-B14F-4D97-AF65-F5344CB8AC3E}">
+        <p14:creationId xmlns:p14="http://schemas.microsoft.com/office/powerpoint/2010/main" val="1374714229"/>
+      </p:ext>
+    </p:extLst>
+  </p:cSld>
+  <p:clrMapOvr>
+    <a:masterClrMapping/>
+  </p:clrMapOvr>
+</p:notes>
+</file>
+
+<file path=ppt/notesSlides/notesSlide15.xml><?xml version="1.0" encoding="utf-8"?>
+<p:notes xmlns:a="http://schemas.openxmlformats.org/drawingml/2006/main" xmlns:r="http://schemas.openxmlformats.org/officeDocument/2006/relationships" xmlns:p="http://schemas.openxmlformats.org/presentationml/2006/main">
+  <p:cSld>
+    <p:spTree>
+      <p:nvGrpSpPr>
+        <p:cNvPr id="1" name=""/>
+        <p:cNvGrpSpPr/>
+        <p:nvPr/>
+      </p:nvGrpSpPr>
+      <p:grpSpPr>
+        <a:xfrm>
+          <a:off x="0" y="0"/>
+          <a:ext cx="0" cy="0"/>
+          <a:chOff x="0" y="0"/>
+          <a:chExt cx="0" cy="0"/>
+        </a:xfrm>
+      </p:grpSpPr>
+      <p:sp>
+        <p:nvSpPr>
+          <p:cNvPr id="2" name="Folienbildplatzhalter 1"/>
+          <p:cNvSpPr>
+            <a:spLocks noGrp="1" noRot="1" noChangeAspect="1"/>
+          </p:cNvSpPr>
+          <p:nvPr>
+            <p:ph type="sldImg"/>
+          </p:nvPr>
+        </p:nvSpPr>
+        <p:spPr/>
+      </p:sp>
+      <p:sp>
+        <p:nvSpPr>
+          <p:cNvPr id="3" name="Notizenplatzhalter 2"/>
+          <p:cNvSpPr>
+            <a:spLocks noGrp="1"/>
+          </p:cNvSpPr>
+          <p:nvPr>
+            <p:ph type="body" idx="1"/>
+          </p:nvPr>
+        </p:nvSpPr>
+        <p:spPr/>
+        <p:txBody>
+          <a:bodyPr/>
+          <a:lstStyle/>
+          <a:p>
+            <a:endParaRPr lang="de-DE"/>
+          </a:p>
+        </p:txBody>
+      </p:sp>
+    </p:spTree>
+    <p:extLst>
+      <p:ext uri="{BB962C8B-B14F-4D97-AF65-F5344CB8AC3E}">
         <p14:creationId xmlns:p14="http://schemas.microsoft.com/office/powerpoint/2010/main" val="1466754966"/>
       </p:ext>
     </p:extLst>
@@ -1475,7 +1537,7 @@
 </p:notes>
 </file>
 
-<file path=ppt/notesSlides/notesSlide15.xml><?xml version="1.0" encoding="utf-8"?>
+<file path=ppt/notesSlides/notesSlide16.xml><?xml version="1.0" encoding="utf-8"?>
 <p:notes xmlns:a="http://schemas.openxmlformats.org/drawingml/2006/main" xmlns:r="http://schemas.openxmlformats.org/officeDocument/2006/relationships" xmlns:p="http://schemas.openxmlformats.org/presentationml/2006/main">
   <p:cSld>
     <p:spTree>
@@ -4978,7 +5040,7 @@
                   <a:rPr lang="en-GB">
                     <a:latin typeface="Eurostile" panose="020B0504020202050204" pitchFamily="34" charset="0"/>
                   </a:rPr>
-                  <a:t>Infer loop length (possible for most loops):</a:t>
+                  <a:t>Infer loop length (possible for many loops):</a:t>
                 </a:r>
                 <a:br>
                   <a:rPr lang="en-GB">
@@ -4999,170 +5061,177 @@
                 </a:r>
               </a:p>
               <a:p>
-                <a:pPr lvl="1"/>
+                <a:pPr marL="650875" lvl="1" indent="0">
+                  <a:buNone/>
+                </a:pPr>
                 <a:br>
                   <a:rPr lang="en-GB" b="0">
                     <a:latin typeface="Eurostile" panose="020B0504020202050204" pitchFamily="34" charset="0"/>
                   </a:rPr>
                 </a:br>
                 <a14:m>
-                  <m:oMath xmlns:m="http://schemas.openxmlformats.org/officeDocument/2006/math">
-                    <m:sSup>
-                      <m:sSupPr>
-                        <m:ctrlPr>
-                          <a:rPr lang="en-GB" b="0" i="1" smtClean="0">
-                            <a:latin typeface="Cambria Math" panose="02040503050406030204" pitchFamily="18" charset="0"/>
-                          </a:rPr>
-                        </m:ctrlPr>
-                      </m:sSupPr>
-                      <m:e>
-                        <m:r>
-                          <a:rPr lang="de-DE" b="0" i="1" smtClean="0">
-                            <a:latin typeface="Cambria Math" panose="02040503050406030204" pitchFamily="18" charset="0"/>
-                          </a:rPr>
-                          <m:t>(</m:t>
-                        </m:r>
-                        <m:r>
-                          <a:rPr lang="de-DE" b="0" i="1" smtClean="0">
-                            <a:latin typeface="Cambria Math" panose="02040503050406030204" pitchFamily="18" charset="0"/>
-                          </a:rPr>
-                          <m:t>𝑥</m:t>
-                        </m:r>
-                        <m:r>
-                          <a:rPr lang="de-DE" b="0" i="1" smtClean="0">
-                            <a:latin typeface="Cambria Math" panose="02040503050406030204" pitchFamily="18" charset="0"/>
-                          </a:rPr>
-                          <m:t>=</m:t>
-                        </m:r>
-                        <m:r>
-                          <a:rPr lang="de-DE" b="0" i="1" smtClean="0">
-                            <a:latin typeface="Cambria Math" panose="02040503050406030204" pitchFamily="18" charset="0"/>
-                          </a:rPr>
-                          <m:t>𝑥</m:t>
-                        </m:r>
-                        <m:r>
-                          <a:rPr lang="de-DE" b="0" i="1" smtClean="0">
-                            <a:latin typeface="Cambria Math" panose="02040503050406030204" pitchFamily="18" charset="0"/>
-                          </a:rPr>
-                          <m:t>≫1;)</m:t>
-                        </m:r>
-                      </m:e>
-                      <m:sup>
-                        <m:r>
-                          <a:rPr lang="de-DE" b="0" i="1" smtClean="0">
-                            <a:latin typeface="Cambria Math" panose="02040503050406030204" pitchFamily="18" charset="0"/>
-                          </a:rPr>
-                          <m:t>𝑛</m:t>
-                        </m:r>
-                      </m:sup>
-                    </m:sSup>
-                    <m:r>
-                      <a:rPr lang="de-DE" b="0" i="1" smtClean="0">
-                        <a:latin typeface="Cambria Math" panose="02040503050406030204" pitchFamily="18" charset="0"/>
-                      </a:rPr>
-                      <m:t>     </m:t>
-                    </m:r>
-                    <m:groupChr>
-                      <m:groupChrPr>
-                        <m:chr m:val="⇒"/>
-                        <m:vertJc m:val="bot"/>
-                        <m:ctrlPr>
-                          <a:rPr lang="de-DE" b="0" i="1" smtClean="0">
-                            <a:latin typeface="Cambria Math" panose="02040503050406030204" pitchFamily="18" charset="0"/>
-                          </a:rPr>
-                        </m:ctrlPr>
-                      </m:groupChrPr>
-                      <m:e>
-                        <m:r>
-                          <m:rPr>
-                            <m:brk m:alnAt="2"/>
-                          </m:rPr>
-                          <a:rPr lang="de-DE" b="0" i="1" smtClean="0">
-                            <a:latin typeface="Cambria Math" panose="02040503050406030204" pitchFamily="18" charset="0"/>
-                          </a:rPr>
-                          <m:t> </m:t>
-                        </m:r>
-                      </m:e>
-                    </m:groupChr>
-                    <m:r>
-                      <a:rPr lang="de-DE" b="0" i="1" smtClean="0">
-                        <a:latin typeface="Cambria Math" panose="02040503050406030204" pitchFamily="18" charset="0"/>
-                      </a:rPr>
-                      <m:t>     </m:t>
-                    </m:r>
-                    <m:r>
-                      <a:rPr lang="de-DE" b="0" i="1" smtClean="0">
-                        <a:latin typeface="Cambria Math" panose="02040503050406030204" pitchFamily="18" charset="0"/>
-                      </a:rPr>
-                      <m:t>𝑥</m:t>
-                    </m:r>
-                    <m:d>
-                      <m:dPr>
-                        <m:ctrlPr>
-                          <a:rPr lang="de-DE" b="0" i="1" smtClean="0">
-                            <a:latin typeface="Cambria Math" panose="02040503050406030204" pitchFamily="18" charset="0"/>
-                          </a:rPr>
-                        </m:ctrlPr>
-                      </m:dPr>
-                      <m:e>
-                        <m:r>
-                          <a:rPr lang="de-DE" b="0" i="1" smtClean="0">
-                            <a:latin typeface="Cambria Math" panose="02040503050406030204" pitchFamily="18" charset="0"/>
-                          </a:rPr>
-                          <m:t>𝑛</m:t>
-                        </m:r>
-                      </m:e>
-                    </m:d>
-                    <m:r>
-                      <a:rPr lang="de-DE" b="0" i="1" smtClean="0">
-                        <a:latin typeface="Cambria Math" panose="02040503050406030204" pitchFamily="18" charset="0"/>
-                      </a:rPr>
-                      <m:t>=</m:t>
-                    </m:r>
-                    <m:sSub>
-                      <m:sSubPr>
-                        <m:ctrlPr>
-                          <a:rPr lang="de-DE" b="0" i="1" smtClean="0">
-                            <a:latin typeface="Cambria Math" panose="02040503050406030204" pitchFamily="18" charset="0"/>
-                          </a:rPr>
-                        </m:ctrlPr>
-                      </m:sSubPr>
-                      <m:e>
-                        <m:r>
-                          <a:rPr lang="de-DE" b="0" i="1" smtClean="0">
-                            <a:latin typeface="Cambria Math" panose="02040503050406030204" pitchFamily="18" charset="0"/>
-                          </a:rPr>
-                          <m:t>𝑥</m:t>
-                        </m:r>
-                      </m:e>
-                      <m:sub>
-                        <m:r>
-                          <a:rPr lang="de-DE" b="0" i="1" smtClean="0">
-                            <a:latin typeface="Cambria Math" panose="02040503050406030204" pitchFamily="18" charset="0"/>
-                          </a:rPr>
-                          <m:t>0</m:t>
-                        </m:r>
-                      </m:sub>
-                    </m:sSub>
-                    <m:r>
-                      <a:rPr lang="de-DE" b="0" i="1" smtClean="0">
-                        <a:latin typeface="Cambria Math" panose="02040503050406030204" pitchFamily="18" charset="0"/>
-                      </a:rPr>
-                      <m:t>≫</m:t>
-                    </m:r>
-                    <m:r>
-                      <a:rPr lang="de-DE" b="0" i="1" smtClean="0">
-                        <a:latin typeface="Cambria Math" panose="02040503050406030204" pitchFamily="18" charset="0"/>
-                      </a:rPr>
-                      <m:t>𝑛</m:t>
-                    </m:r>
-                    <m:r>
-                      <a:rPr lang="de-DE" b="0" i="1" smtClean="0">
-                        <a:latin typeface="Cambria Math" panose="02040503050406030204" pitchFamily="18" charset="0"/>
-                      </a:rPr>
-                      <m:t> </m:t>
-                    </m:r>
-                  </m:oMath>
+                  <m:oMathPara xmlns:m="http://schemas.openxmlformats.org/officeDocument/2006/math">
+                    <m:oMathParaPr>
+                      <m:jc m:val="centerGroup"/>
+                    </m:oMathParaPr>
+                    <m:oMath xmlns:m="http://schemas.openxmlformats.org/officeDocument/2006/math">
+                      <m:sSup>
+                        <m:sSupPr>
+                          <m:ctrlPr>
+                            <a:rPr lang="en-GB" b="0" i="1" smtClean="0">
+                              <a:latin typeface="Cambria Math" panose="02040503050406030204" pitchFamily="18" charset="0"/>
+                            </a:rPr>
+                          </m:ctrlPr>
+                        </m:sSupPr>
+                        <m:e>
+                          <m:r>
+                            <a:rPr lang="de-DE" b="0" i="1" smtClean="0">
+                              <a:latin typeface="Cambria Math" panose="02040503050406030204" pitchFamily="18" charset="0"/>
+                            </a:rPr>
+                            <m:t>(</m:t>
+                          </m:r>
+                          <m:r>
+                            <a:rPr lang="de-DE" b="0" i="1" smtClean="0">
+                              <a:latin typeface="Cambria Math" panose="02040503050406030204" pitchFamily="18" charset="0"/>
+                            </a:rPr>
+                            <m:t>𝑥</m:t>
+                          </m:r>
+                          <m:r>
+                            <a:rPr lang="de-DE" b="0" i="1" smtClean="0">
+                              <a:latin typeface="Cambria Math" panose="02040503050406030204" pitchFamily="18" charset="0"/>
+                            </a:rPr>
+                            <m:t>=</m:t>
+                          </m:r>
+                          <m:r>
+                            <a:rPr lang="de-DE" b="0" i="1" smtClean="0">
+                              <a:latin typeface="Cambria Math" panose="02040503050406030204" pitchFamily="18" charset="0"/>
+                            </a:rPr>
+                            <m:t>𝑥</m:t>
+                          </m:r>
+                          <m:r>
+                            <a:rPr lang="de-DE" b="0" i="1" smtClean="0">
+                              <a:latin typeface="Cambria Math" panose="02040503050406030204" pitchFamily="18" charset="0"/>
+                            </a:rPr>
+                            <m:t>≫1;)</m:t>
+                          </m:r>
+                        </m:e>
+                        <m:sup>
+                          <m:r>
+                            <a:rPr lang="de-DE" b="0" i="1" smtClean="0">
+                              <a:latin typeface="Cambria Math" panose="02040503050406030204" pitchFamily="18" charset="0"/>
+                            </a:rPr>
+                            <m:t>𝑛</m:t>
+                          </m:r>
+                        </m:sup>
+                      </m:sSup>
+                      <m:r>
+                        <a:rPr lang="de-DE" b="0" i="1" smtClean="0">
+                          <a:latin typeface="Cambria Math" panose="02040503050406030204" pitchFamily="18" charset="0"/>
+                        </a:rPr>
+                        <m:t>     </m:t>
+                      </m:r>
+                      <m:groupChr>
+                        <m:groupChrPr>
+                          <m:chr m:val="⇒"/>
+                          <m:vertJc m:val="bot"/>
+                          <m:ctrlPr>
+                            <a:rPr lang="de-DE" b="0" i="1" smtClean="0">
+                              <a:latin typeface="Cambria Math" panose="02040503050406030204" pitchFamily="18" charset="0"/>
+                            </a:rPr>
+                          </m:ctrlPr>
+                        </m:groupChrPr>
+                        <m:e>
+                          <m:r>
+                            <m:rPr>
+                              <m:brk m:alnAt="2"/>
+                            </m:rPr>
+                            <a:rPr lang="de-DE" b="0" i="1" smtClean="0">
+                              <a:latin typeface="Cambria Math" panose="02040503050406030204" pitchFamily="18" charset="0"/>
+                            </a:rPr>
+                            <m:t> </m:t>
+                          </m:r>
+                        </m:e>
+                      </m:groupChr>
+                      <m:r>
+                        <a:rPr lang="de-DE" b="0" i="1" smtClean="0">
+                          <a:latin typeface="Cambria Math" panose="02040503050406030204" pitchFamily="18" charset="0"/>
+                        </a:rPr>
+                        <m:t>     </m:t>
+                      </m:r>
+                      <m:r>
+                        <a:rPr lang="de-DE" b="0" i="1" smtClean="0">
+                          <a:latin typeface="Cambria Math" panose="02040503050406030204" pitchFamily="18" charset="0"/>
+                        </a:rPr>
+                        <m:t>𝑥</m:t>
+                      </m:r>
+                      <m:d>
+                        <m:dPr>
+                          <m:ctrlPr>
+                            <a:rPr lang="de-DE" b="0" i="1" smtClean="0">
+                              <a:latin typeface="Cambria Math" panose="02040503050406030204" pitchFamily="18" charset="0"/>
+                            </a:rPr>
+                          </m:ctrlPr>
+                        </m:dPr>
+                        <m:e>
+                          <m:r>
+                            <a:rPr lang="de-DE" b="0" i="1" smtClean="0">
+                              <a:latin typeface="Cambria Math" panose="02040503050406030204" pitchFamily="18" charset="0"/>
+                            </a:rPr>
+                            <m:t>𝑛</m:t>
+                          </m:r>
+                        </m:e>
+                      </m:d>
+                      <m:r>
+                        <a:rPr lang="de-DE" b="0" i="1" smtClean="0">
+                          <a:latin typeface="Cambria Math" panose="02040503050406030204" pitchFamily="18" charset="0"/>
+                        </a:rPr>
+                        <m:t>=</m:t>
+                      </m:r>
+                      <m:sSub>
+                        <m:sSubPr>
+                          <m:ctrlPr>
+                            <a:rPr lang="de-DE" b="0" i="1" smtClean="0">
+                              <a:latin typeface="Cambria Math" panose="02040503050406030204" pitchFamily="18" charset="0"/>
+                            </a:rPr>
+                          </m:ctrlPr>
+                        </m:sSubPr>
+                        <m:e>
+                          <m:r>
+                            <a:rPr lang="de-DE" b="0" i="1" smtClean="0">
+                              <a:latin typeface="Cambria Math" panose="02040503050406030204" pitchFamily="18" charset="0"/>
+                            </a:rPr>
+                            <m:t>𝑥</m:t>
+                          </m:r>
+                        </m:e>
+                        <m:sub>
+                          <m:r>
+                            <a:rPr lang="de-DE" b="0" i="1" smtClean="0">
+                              <a:latin typeface="Cambria Math" panose="02040503050406030204" pitchFamily="18" charset="0"/>
+                            </a:rPr>
+                            <m:t>0</m:t>
+                          </m:r>
+                        </m:sub>
+                      </m:sSub>
+                      <m:r>
+                        <a:rPr lang="de-DE" b="0" i="1" smtClean="0">
+                          <a:latin typeface="Cambria Math" panose="02040503050406030204" pitchFamily="18" charset="0"/>
+                        </a:rPr>
+                        <m:t>≫</m:t>
+                      </m:r>
+                      <m:r>
+                        <a:rPr lang="de-DE" b="0" i="1" smtClean="0">
+                          <a:latin typeface="Cambria Math" panose="02040503050406030204" pitchFamily="18" charset="0"/>
+                        </a:rPr>
+                        <m:t>𝑛</m:t>
+                      </m:r>
+                      <m:r>
+                        <a:rPr lang="de-DE" b="0" i="1" smtClean="0">
+                          <a:latin typeface="Cambria Math" panose="02040503050406030204" pitchFamily="18" charset="0"/>
+                        </a:rPr>
+                        <m:t> </m:t>
+                      </m:r>
+                    </m:oMath>
+                  </m:oMathPara>
                 </a14:m>
                 <a:br>
                   <a:rPr lang="de-DE" b="0" i="1">
@@ -5175,195 +5244,200 @@
                   </a:rPr>
                 </a:br>
                 <a14:m>
-                  <m:oMath xmlns:m="http://schemas.openxmlformats.org/officeDocument/2006/math">
-                    <m:sSup>
-                      <m:sSupPr>
-                        <m:ctrlPr>
-                          <a:rPr lang="en-GB" b="0" i="1" smtClean="0">
-                            <a:latin typeface="Cambria Math" panose="02040503050406030204" pitchFamily="18" charset="0"/>
-                          </a:rPr>
-                        </m:ctrlPr>
-                      </m:sSupPr>
-                      <m:e>
-                        <m:r>
-                          <a:rPr lang="de-DE" b="0" i="1" smtClean="0">
-                            <a:latin typeface="Cambria Math" panose="02040503050406030204" pitchFamily="18" charset="0"/>
-                          </a:rPr>
-                          <m:t>(</m:t>
-                        </m:r>
-                        <m:r>
-                          <a:rPr lang="de-DE" b="0" i="1" smtClean="0">
-                            <a:latin typeface="Cambria Math" panose="02040503050406030204" pitchFamily="18" charset="0"/>
-                          </a:rPr>
-                          <m:t>𝑥</m:t>
-                        </m:r>
-                        <m:r>
-                          <a:rPr lang="de-DE" b="0" i="1" smtClean="0">
-                            <a:latin typeface="Cambria Math" panose="02040503050406030204" pitchFamily="18" charset="0"/>
-                          </a:rPr>
-                          <m:t>++;)</m:t>
-                        </m:r>
-                      </m:e>
-                      <m:sup>
-                        <m:r>
-                          <a:rPr lang="de-DE" b="0" i="1" smtClean="0">
-                            <a:latin typeface="Cambria Math" panose="02040503050406030204" pitchFamily="18" charset="0"/>
-                          </a:rPr>
-                          <m:t>𝑛</m:t>
-                        </m:r>
-                      </m:sup>
-                    </m:sSup>
-                    <m:r>
-                      <a:rPr lang="de-DE" b="0" i="1" smtClean="0">
-                        <a:latin typeface="Cambria Math" panose="02040503050406030204" pitchFamily="18" charset="0"/>
-                      </a:rPr>
-                      <m:t> =</m:t>
-                    </m:r>
-                    <m:sSup>
-                      <m:sSupPr>
-                        <m:ctrlPr>
-                          <a:rPr lang="de-DE" b="0" i="1" smtClean="0">
-                            <a:latin typeface="Cambria Math" panose="02040503050406030204" pitchFamily="18" charset="0"/>
-                          </a:rPr>
-                        </m:ctrlPr>
-                      </m:sSupPr>
-                      <m:e>
-                        <m:r>
-                          <a:rPr lang="de-DE" i="1">
-                            <a:latin typeface="Cambria Math" panose="02040503050406030204" pitchFamily="18" charset="0"/>
-                          </a:rPr>
-                          <m:t>(</m:t>
-                        </m:r>
-                        <m:r>
-                          <a:rPr lang="de-DE" i="1">
-                            <a:latin typeface="Cambria Math" panose="02040503050406030204" pitchFamily="18" charset="0"/>
-                          </a:rPr>
-                          <m:t>𝑥</m:t>
-                        </m:r>
-                        <m:r>
-                          <a:rPr lang="de-DE" i="1">
-                            <a:latin typeface="Cambria Math" panose="02040503050406030204" pitchFamily="18" charset="0"/>
-                          </a:rPr>
-                          <m:t>=</m:t>
-                        </m:r>
-                        <m:r>
-                          <a:rPr lang="de-DE" b="0" i="1" smtClean="0">
-                            <a:latin typeface="Cambria Math" panose="02040503050406030204" pitchFamily="18" charset="0"/>
-                          </a:rPr>
-                          <m:t>𝑥</m:t>
-                        </m:r>
-                        <m:r>
-                          <a:rPr lang="de-DE" b="0" i="1" smtClean="0">
-                            <a:latin typeface="Cambria Math" panose="02040503050406030204" pitchFamily="18" charset="0"/>
-                          </a:rPr>
-                          <m:t>+1;)</m:t>
-                        </m:r>
-                      </m:e>
-                      <m:sup>
-                        <m:r>
-                          <a:rPr lang="de-DE" b="0" i="1" smtClean="0">
-                            <a:latin typeface="Cambria Math" panose="02040503050406030204" pitchFamily="18" charset="0"/>
-                          </a:rPr>
-                          <m:t>𝑛</m:t>
-                        </m:r>
-                      </m:sup>
-                    </m:sSup>
-                    <m:r>
-                      <a:rPr lang="de-DE" b="0" i="1" smtClean="0">
-                        <a:latin typeface="Cambria Math" panose="02040503050406030204" pitchFamily="18" charset="0"/>
-                      </a:rPr>
-                      <m:t>    </m:t>
-                    </m:r>
-                    <m:groupChr>
-                      <m:groupChrPr>
-                        <m:chr m:val="⇒"/>
-                        <m:vertJc m:val="bot"/>
-                        <m:ctrlPr>
-                          <a:rPr lang="de-DE" b="0" i="1" smtClean="0">
-                            <a:latin typeface="Cambria Math" panose="02040503050406030204" pitchFamily="18" charset="0"/>
-                          </a:rPr>
-                        </m:ctrlPr>
-                      </m:groupChrPr>
-                      <m:e>
-                        <m:r>
-                          <m:rPr>
-                            <m:brk m:alnAt="2"/>
-                          </m:rPr>
-                          <a:rPr lang="de-DE" b="0" i="1" smtClean="0">
-                            <a:latin typeface="Cambria Math" panose="02040503050406030204" pitchFamily="18" charset="0"/>
-                          </a:rPr>
-                          <m:t> </m:t>
-                        </m:r>
-                      </m:e>
-                    </m:groupChr>
-                    <m:r>
-                      <a:rPr lang="de-DE" b="0" i="1" smtClean="0">
-                        <a:latin typeface="Cambria Math" panose="02040503050406030204" pitchFamily="18" charset="0"/>
-                      </a:rPr>
-                      <m:t>     </m:t>
-                    </m:r>
-                    <m:r>
-                      <a:rPr lang="de-DE" b="0" i="1" smtClean="0">
-                        <a:latin typeface="Cambria Math" panose="02040503050406030204" pitchFamily="18" charset="0"/>
-                      </a:rPr>
-                      <m:t>𝑥</m:t>
-                    </m:r>
-                    <m:r>
-                      <a:rPr lang="de-DE" b="0" i="1" smtClean="0">
-                        <a:latin typeface="Cambria Math" panose="02040503050406030204" pitchFamily="18" charset="0"/>
-                      </a:rPr>
-                      <m:t>(</m:t>
-                    </m:r>
-                    <m:r>
-                      <a:rPr lang="de-DE" b="0" i="1" smtClean="0">
-                        <a:latin typeface="Cambria Math" panose="02040503050406030204" pitchFamily="18" charset="0"/>
-                      </a:rPr>
-                      <m:t>𝑛</m:t>
-                    </m:r>
-                    <m:r>
-                      <a:rPr lang="de-DE" b="0" i="1" smtClean="0">
-                        <a:latin typeface="Cambria Math" panose="02040503050406030204" pitchFamily="18" charset="0"/>
-                      </a:rPr>
-                      <m:t>)=</m:t>
-                    </m:r>
-                    <m:sSub>
-                      <m:sSubPr>
-                        <m:ctrlPr>
-                          <a:rPr lang="de-DE" b="0" i="1" smtClean="0">
-                            <a:latin typeface="Cambria Math" panose="02040503050406030204" pitchFamily="18" charset="0"/>
-                          </a:rPr>
-                        </m:ctrlPr>
-                      </m:sSubPr>
-                      <m:e>
-                        <m:r>
-                          <a:rPr lang="de-DE" b="0" i="1" smtClean="0">
-                            <a:latin typeface="Cambria Math" panose="02040503050406030204" pitchFamily="18" charset="0"/>
-                          </a:rPr>
-                          <m:t>𝑥</m:t>
-                        </m:r>
-                      </m:e>
-                      <m:sub>
-                        <m:r>
-                          <a:rPr lang="de-DE" b="0" i="1" smtClean="0">
-                            <a:latin typeface="Cambria Math" panose="02040503050406030204" pitchFamily="18" charset="0"/>
-                          </a:rPr>
-                          <m:t>0</m:t>
-                        </m:r>
-                      </m:sub>
-                    </m:sSub>
-                    <m:r>
-                      <a:rPr lang="de-DE" b="0" i="1" smtClean="0">
-                        <a:latin typeface="Cambria Math" panose="02040503050406030204" pitchFamily="18" charset="0"/>
-                      </a:rPr>
-                      <m:t>+</m:t>
-                    </m:r>
-                    <m:r>
-                      <a:rPr lang="de-DE" b="0" i="1" smtClean="0">
-                        <a:latin typeface="Cambria Math" panose="02040503050406030204" pitchFamily="18" charset="0"/>
-                      </a:rPr>
-                      <m:t>𝑛</m:t>
-                    </m:r>
-                  </m:oMath>
+                  <m:oMathPara xmlns:m="http://schemas.openxmlformats.org/officeDocument/2006/math">
+                    <m:oMathParaPr>
+                      <m:jc m:val="centerGroup"/>
+                    </m:oMathParaPr>
+                    <m:oMath xmlns:m="http://schemas.openxmlformats.org/officeDocument/2006/math">
+                      <m:sSup>
+                        <m:sSupPr>
+                          <m:ctrlPr>
+                            <a:rPr lang="en-GB" b="0" i="1" smtClean="0">
+                              <a:latin typeface="Cambria Math" panose="02040503050406030204" pitchFamily="18" charset="0"/>
+                            </a:rPr>
+                          </m:ctrlPr>
+                        </m:sSupPr>
+                        <m:e>
+                          <m:r>
+                            <a:rPr lang="de-DE" b="0" i="1" smtClean="0">
+                              <a:latin typeface="Cambria Math" panose="02040503050406030204" pitchFamily="18" charset="0"/>
+                            </a:rPr>
+                            <m:t>(</m:t>
+                          </m:r>
+                          <m:r>
+                            <a:rPr lang="de-DE" b="0" i="1" smtClean="0">
+                              <a:latin typeface="Cambria Math" panose="02040503050406030204" pitchFamily="18" charset="0"/>
+                            </a:rPr>
+                            <m:t>𝑥</m:t>
+                          </m:r>
+                          <m:r>
+                            <a:rPr lang="de-DE" b="0" i="1" smtClean="0">
+                              <a:latin typeface="Cambria Math" panose="02040503050406030204" pitchFamily="18" charset="0"/>
+                            </a:rPr>
+                            <m:t>++;)</m:t>
+                          </m:r>
+                        </m:e>
+                        <m:sup>
+                          <m:r>
+                            <a:rPr lang="de-DE" b="0" i="1" smtClean="0">
+                              <a:latin typeface="Cambria Math" panose="02040503050406030204" pitchFamily="18" charset="0"/>
+                            </a:rPr>
+                            <m:t>𝑛</m:t>
+                          </m:r>
+                        </m:sup>
+                      </m:sSup>
+                      <m:r>
+                        <a:rPr lang="de-DE" b="0" i="1" smtClean="0">
+                          <a:latin typeface="Cambria Math" panose="02040503050406030204" pitchFamily="18" charset="0"/>
+                        </a:rPr>
+                        <m:t> =</m:t>
+                      </m:r>
+                      <m:sSup>
+                        <m:sSupPr>
+                          <m:ctrlPr>
+                            <a:rPr lang="de-DE" b="0" i="1" smtClean="0">
+                              <a:latin typeface="Cambria Math" panose="02040503050406030204" pitchFamily="18" charset="0"/>
+                            </a:rPr>
+                          </m:ctrlPr>
+                        </m:sSupPr>
+                        <m:e>
+                          <m:r>
+                            <a:rPr lang="de-DE" i="1">
+                              <a:latin typeface="Cambria Math" panose="02040503050406030204" pitchFamily="18" charset="0"/>
+                            </a:rPr>
+                            <m:t>(</m:t>
+                          </m:r>
+                          <m:r>
+                            <a:rPr lang="de-DE" i="1">
+                              <a:latin typeface="Cambria Math" panose="02040503050406030204" pitchFamily="18" charset="0"/>
+                            </a:rPr>
+                            <m:t>𝑥</m:t>
+                          </m:r>
+                          <m:r>
+                            <a:rPr lang="de-DE" i="1">
+                              <a:latin typeface="Cambria Math" panose="02040503050406030204" pitchFamily="18" charset="0"/>
+                            </a:rPr>
+                            <m:t>=</m:t>
+                          </m:r>
+                          <m:r>
+                            <a:rPr lang="de-DE" b="0" i="1" smtClean="0">
+                              <a:latin typeface="Cambria Math" panose="02040503050406030204" pitchFamily="18" charset="0"/>
+                            </a:rPr>
+                            <m:t>𝑥</m:t>
+                          </m:r>
+                          <m:r>
+                            <a:rPr lang="de-DE" b="0" i="1" smtClean="0">
+                              <a:latin typeface="Cambria Math" panose="02040503050406030204" pitchFamily="18" charset="0"/>
+                            </a:rPr>
+                            <m:t>+1;)</m:t>
+                          </m:r>
+                        </m:e>
+                        <m:sup>
+                          <m:r>
+                            <a:rPr lang="de-DE" b="0" i="1" smtClean="0">
+                              <a:latin typeface="Cambria Math" panose="02040503050406030204" pitchFamily="18" charset="0"/>
+                            </a:rPr>
+                            <m:t>𝑛</m:t>
+                          </m:r>
+                        </m:sup>
+                      </m:sSup>
+                      <m:r>
+                        <a:rPr lang="de-DE" b="0" i="1" smtClean="0">
+                          <a:latin typeface="Cambria Math" panose="02040503050406030204" pitchFamily="18" charset="0"/>
+                        </a:rPr>
+                        <m:t>    </m:t>
+                      </m:r>
+                      <m:groupChr>
+                        <m:groupChrPr>
+                          <m:chr m:val="⇒"/>
+                          <m:vertJc m:val="bot"/>
+                          <m:ctrlPr>
+                            <a:rPr lang="de-DE" b="0" i="1" smtClean="0">
+                              <a:latin typeface="Cambria Math" panose="02040503050406030204" pitchFamily="18" charset="0"/>
+                            </a:rPr>
+                          </m:ctrlPr>
+                        </m:groupChrPr>
+                        <m:e>
+                          <m:r>
+                            <m:rPr>
+                              <m:brk m:alnAt="2"/>
+                            </m:rPr>
+                            <a:rPr lang="de-DE" b="0" i="1" smtClean="0">
+                              <a:latin typeface="Cambria Math" panose="02040503050406030204" pitchFamily="18" charset="0"/>
+                            </a:rPr>
+                            <m:t> </m:t>
+                          </m:r>
+                        </m:e>
+                      </m:groupChr>
+                      <m:r>
+                        <a:rPr lang="de-DE" b="0" i="1" smtClean="0">
+                          <a:latin typeface="Cambria Math" panose="02040503050406030204" pitchFamily="18" charset="0"/>
+                        </a:rPr>
+                        <m:t>     </m:t>
+                      </m:r>
+                      <m:r>
+                        <a:rPr lang="de-DE" b="0" i="1" smtClean="0">
+                          <a:latin typeface="Cambria Math" panose="02040503050406030204" pitchFamily="18" charset="0"/>
+                        </a:rPr>
+                        <m:t>𝑥</m:t>
+                      </m:r>
+                      <m:r>
+                        <a:rPr lang="de-DE" b="0" i="1" smtClean="0">
+                          <a:latin typeface="Cambria Math" panose="02040503050406030204" pitchFamily="18" charset="0"/>
+                        </a:rPr>
+                        <m:t>(</m:t>
+                      </m:r>
+                      <m:r>
+                        <a:rPr lang="de-DE" b="0" i="1" smtClean="0">
+                          <a:latin typeface="Cambria Math" panose="02040503050406030204" pitchFamily="18" charset="0"/>
+                        </a:rPr>
+                        <m:t>𝑛</m:t>
+                      </m:r>
+                      <m:r>
+                        <a:rPr lang="de-DE" b="0" i="1" smtClean="0">
+                          <a:latin typeface="Cambria Math" panose="02040503050406030204" pitchFamily="18" charset="0"/>
+                        </a:rPr>
+                        <m:t>)=</m:t>
+                      </m:r>
+                      <m:sSub>
+                        <m:sSubPr>
+                          <m:ctrlPr>
+                            <a:rPr lang="de-DE" b="0" i="1" smtClean="0">
+                              <a:latin typeface="Cambria Math" panose="02040503050406030204" pitchFamily="18" charset="0"/>
+                            </a:rPr>
+                          </m:ctrlPr>
+                        </m:sSubPr>
+                        <m:e>
+                          <m:r>
+                            <a:rPr lang="de-DE" b="0" i="1" smtClean="0">
+                              <a:latin typeface="Cambria Math" panose="02040503050406030204" pitchFamily="18" charset="0"/>
+                            </a:rPr>
+                            <m:t>𝑥</m:t>
+                          </m:r>
+                        </m:e>
+                        <m:sub>
+                          <m:r>
+                            <a:rPr lang="de-DE" b="0" i="1" smtClean="0">
+                              <a:latin typeface="Cambria Math" panose="02040503050406030204" pitchFamily="18" charset="0"/>
+                            </a:rPr>
+                            <m:t>0</m:t>
+                          </m:r>
+                        </m:sub>
+                      </m:sSub>
+                      <m:r>
+                        <a:rPr lang="de-DE" b="0" i="1" smtClean="0">
+                          <a:latin typeface="Cambria Math" panose="02040503050406030204" pitchFamily="18" charset="0"/>
+                        </a:rPr>
+                        <m:t>+</m:t>
+                      </m:r>
+                      <m:r>
+                        <a:rPr lang="de-DE" b="0" i="1" smtClean="0">
+                          <a:latin typeface="Cambria Math" panose="02040503050406030204" pitchFamily="18" charset="0"/>
+                        </a:rPr>
+                        <m:t>𝑛</m:t>
+                      </m:r>
+                    </m:oMath>
+                  </m:oMathPara>
                 </a14:m>
                 <a:endParaRPr lang="en-GB" b="0">
                   <a:latin typeface="Eurostile" panose="020B0504020202050204" pitchFamily="34" charset="0"/>
@@ -5425,7 +5499,7 @@
         </p:nvSpPr>
         <p:spPr bwMode="auto">
           <a:xfrm>
-            <a:off x="1788948" y="6428156"/>
+            <a:off x="1788948" y="6427614"/>
             <a:ext cx="9426904" cy="2246769"/>
           </a:xfrm>
           <a:prstGeom prst="rect">
@@ -5854,6 +5928,751 @@
               <a:rPr lang="en-GB">
                 <a:latin typeface="Eurostile" panose="020B0504020202050204" pitchFamily="34" charset="0"/>
               </a:rPr>
+              <a:t>Loop Length Inference Effect</a:t>
+            </a:r>
+            <a:endParaRPr lang="en-GB" dirty="0">
+              <a:latin typeface="Eurostile" panose="020B0504020202050204" pitchFamily="34" charset="0"/>
+            </a:endParaRPr>
+          </a:p>
+        </p:txBody>
+      </p:sp>
+      <mc:AlternateContent xmlns:mc="http://schemas.openxmlformats.org/markup-compatibility/2006">
+        <mc:Choice xmlns:a14="http://schemas.microsoft.com/office/drawing/2010/main" Requires="a14">
+          <p:sp>
+            <p:nvSpPr>
+              <p:cNvPr id="3" name="Inhaltsplatzhalter 2"/>
+              <p:cNvSpPr>
+                <a:spLocks noGrp="1"/>
+              </p:cNvSpPr>
+              <p:nvPr>
+                <p:ph idx="1"/>
+              </p:nvPr>
+            </p:nvSpPr>
+            <p:spPr>
+              <a:xfrm>
+                <a:off x="487680" y="5258063"/>
+                <a:ext cx="12029440" cy="3416320"/>
+              </a:xfrm>
+              <a:ln>
+                <a:noFill/>
+              </a:ln>
+            </p:spPr>
+            <p:txBody>
+              <a:bodyPr/>
+              <a:lstStyle/>
+              <a:p>
+                <a:pPr marL="650875" lvl="1" indent="0">
+                  <a:buNone/>
+                </a:pPr>
+                <a:endParaRPr lang="en-GB" b="0">
+                  <a:latin typeface="Eurostile" panose="020B0504020202050204" pitchFamily="34" charset="0"/>
+                </a:endParaRPr>
+              </a:p>
+              <a:p>
+                <a:pPr marL="650875" lvl="1" indent="0">
+                  <a:buNone/>
+                </a:pPr>
+                <a:endParaRPr lang="en-GB" b="0">
+                  <a:latin typeface="Eurostile" panose="020B0504020202050204" pitchFamily="34" charset="0"/>
+                </a:endParaRPr>
+              </a:p>
+              <a:p>
+                <a:pPr lvl="1"/>
+                <a:endParaRPr lang="en-GB" b="0">
+                  <a:latin typeface="Eurostile" panose="020B0504020202050204" pitchFamily="34" charset="0"/>
+                </a:endParaRPr>
+              </a:p>
+              <a:p>
+                <a:pPr lvl="1"/>
+                <a:endParaRPr lang="en-GB">
+                  <a:latin typeface="Eurostile" panose="020B0504020202050204" pitchFamily="34" charset="0"/>
+                </a:endParaRPr>
+              </a:p>
+              <a:p>
+                <a:pPr lvl="1"/>
+                <a:endParaRPr lang="en-GB" b="0">
+                  <a:latin typeface="Eurostile" panose="020B0504020202050204" pitchFamily="34" charset="0"/>
+                </a:endParaRPr>
+              </a:p>
+              <a:p>
+                <a:pPr lvl="1"/>
+                <a:endParaRPr lang="en-GB">
+                  <a:latin typeface="Eurostile" panose="020B0504020202050204" pitchFamily="34" charset="0"/>
+                </a:endParaRPr>
+              </a:p>
+              <a:p>
+                <a:pPr lvl="1"/>
+                <a:endParaRPr lang="en-GB" b="0">
+                  <a:latin typeface="Eurostile" panose="020B0504020202050204" pitchFamily="34" charset="0"/>
+                </a:endParaRPr>
+              </a:p>
+              <a:p>
+                <a:pPr lvl="1"/>
+                <a:endParaRPr lang="en-GB">
+                  <a:latin typeface="Eurostile" panose="020B0504020202050204" pitchFamily="34" charset="0"/>
+                </a:endParaRPr>
+              </a:p>
+              <a:p>
+                <a:pPr lvl="1"/>
+                <a:endParaRPr lang="en-GB" b="0">
+                  <a:latin typeface="Eurostile" panose="020B0504020202050204" pitchFamily="34" charset="0"/>
+                </a:endParaRPr>
+              </a:p>
+              <a:p>
+                <a:pPr lvl="1"/>
+                <a:r>
+                  <a:rPr lang="en-GB" b="0">
+                    <a:latin typeface="Eurostile" panose="020B0504020202050204" pitchFamily="34" charset="0"/>
+                  </a:rPr>
+                  <a:t>t traces in a loop body, loops n times:</a:t>
+                </a:r>
+                <a:br>
+                  <a:rPr lang="en-GB" b="0">
+                    <a:latin typeface="Eurostile" panose="020B0504020202050204" pitchFamily="34" charset="0"/>
+                  </a:rPr>
+                </a:br>
+                <a14:m>
+                  <m:oMath xmlns:m="http://schemas.openxmlformats.org/officeDocument/2006/math">
+                    <m:nary>
+                      <m:naryPr>
+                        <m:chr m:val="∑"/>
+                        <m:ctrlPr>
+                          <a:rPr lang="en-GB" b="0" i="1" smtClean="0">
+                            <a:latin typeface="Cambria Math" panose="02040503050406030204" pitchFamily="18" charset="0"/>
+                          </a:rPr>
+                        </m:ctrlPr>
+                      </m:naryPr>
+                      <m:sub>
+                        <m:r>
+                          <m:rPr>
+                            <m:brk m:alnAt="23"/>
+                          </m:rPr>
+                          <a:rPr lang="de-DE" b="0" i="1" smtClean="0">
+                            <a:latin typeface="Cambria Math" panose="02040503050406030204" pitchFamily="18" charset="0"/>
+                          </a:rPr>
+                          <m:t>𝑛</m:t>
+                        </m:r>
+                        <m:r>
+                          <a:rPr lang="de-DE" b="0" i="1" smtClean="0">
+                            <a:latin typeface="Cambria Math" panose="02040503050406030204" pitchFamily="18" charset="0"/>
+                          </a:rPr>
+                          <m:t>=0</m:t>
+                        </m:r>
+                      </m:sub>
+                      <m:sup>
+                        <m:sSub>
+                          <m:sSubPr>
+                            <m:ctrlPr>
+                              <a:rPr lang="de-DE" b="0" i="1" smtClean="0">
+                                <a:latin typeface="Cambria Math" panose="02040503050406030204" pitchFamily="18" charset="0"/>
+                              </a:rPr>
+                            </m:ctrlPr>
+                          </m:sSubPr>
+                          <m:e>
+                            <m:r>
+                              <a:rPr lang="de-DE" b="0" i="1" smtClean="0">
+                                <a:latin typeface="Cambria Math" panose="02040503050406030204" pitchFamily="18" charset="0"/>
+                              </a:rPr>
+                              <m:t>𝑛</m:t>
+                            </m:r>
+                          </m:e>
+                          <m:sub>
+                            <m:r>
+                              <a:rPr lang="de-DE" b="0" i="1" smtClean="0">
+                                <a:latin typeface="Cambria Math" panose="02040503050406030204" pitchFamily="18" charset="0"/>
+                              </a:rPr>
+                              <m:t>𝑙𝑜𝑜𝑝𝑠</m:t>
+                            </m:r>
+                          </m:sub>
+                        </m:sSub>
+                      </m:sup>
+                      <m:e>
+                        <m:sSup>
+                          <m:sSupPr>
+                            <m:ctrlPr>
+                              <a:rPr lang="en-GB" b="0" i="1" smtClean="0">
+                                <a:latin typeface="Cambria Math" panose="02040503050406030204" pitchFamily="18" charset="0"/>
+                              </a:rPr>
+                            </m:ctrlPr>
+                          </m:sSupPr>
+                          <m:e>
+                            <m:r>
+                              <a:rPr lang="de-DE" b="0" i="1" smtClean="0">
+                                <a:latin typeface="Cambria Math" panose="02040503050406030204" pitchFamily="18" charset="0"/>
+                              </a:rPr>
+                              <m:t>𝑡</m:t>
+                            </m:r>
+                          </m:e>
+                          <m:sup>
+                            <m:r>
+                              <a:rPr lang="de-DE" b="0" i="1" smtClean="0">
+                                <a:latin typeface="Cambria Math" panose="02040503050406030204" pitchFamily="18" charset="0"/>
+                              </a:rPr>
+                              <m:t>𝑛</m:t>
+                            </m:r>
+                          </m:sup>
+                        </m:sSup>
+                      </m:e>
+                    </m:nary>
+                  </m:oMath>
+                </a14:m>
+                <a:r>
+                  <a:rPr lang="en-GB" b="0">
+                    <a:latin typeface="Eurostile" panose="020B0504020202050204" pitchFamily="34" charset="0"/>
+                  </a:rPr>
+                  <a:t> traces to examine.</a:t>
+                </a:r>
+              </a:p>
+              <a:p>
+                <a:pPr lvl="1"/>
+                <a:r>
+                  <a:rPr lang="en-GB" b="0">
+                    <a:latin typeface="Eurostile" panose="020B0504020202050204" pitchFamily="34" charset="0"/>
+                  </a:rPr>
+                  <a:t>Say, </a:t>
+                </a:r>
+              </a:p>
+            </p:txBody>
+          </p:sp>
+        </mc:Choice>
+        <mc:Fallback>
+          <p:sp>
+            <p:nvSpPr>
+              <p:cNvPr id="3" name="Inhaltsplatzhalter 2"/>
+              <p:cNvSpPr>
+                <a:spLocks noGrp="1" noRot="1" noChangeAspect="1" noMove="1" noResize="1" noEditPoints="1" noAdjustHandles="1" noChangeArrowheads="1" noChangeShapeType="1" noTextEdit="1"/>
+              </p:cNvSpPr>
+              <p:nvPr>
+                <p:ph idx="1"/>
+              </p:nvPr>
+            </p:nvSpPr>
+            <p:spPr>
+              <a:xfrm>
+                <a:off x="487680" y="5258063"/>
+                <a:ext cx="12029440" cy="3416320"/>
+              </a:xfrm>
+              <a:blipFill>
+                <a:blip r:embed="rId3"/>
+                <a:stretch>
+                  <a:fillRect b="-86786"/>
+                </a:stretch>
+              </a:blipFill>
+              <a:ln>
+                <a:noFill/>
+              </a:ln>
+            </p:spPr>
+            <p:txBody>
+              <a:bodyPr/>
+              <a:lstStyle/>
+              <a:p>
+                <a:r>
+                  <a:rPr lang="de-DE">
+                    <a:noFill/>
+                  </a:rPr>
+                  <a:t> </a:t>
+                </a:r>
+              </a:p>
+            </p:txBody>
+          </p:sp>
+        </mc:Fallback>
+      </mc:AlternateContent>
+      <p:sp>
+        <p:nvSpPr>
+          <p:cNvPr id="5" name="Rectangle 2">
+            <a:extLst>
+              <a:ext uri="{FF2B5EF4-FFF2-40B4-BE49-F238E27FC236}">
+                <a16:creationId xmlns:a16="http://schemas.microsoft.com/office/drawing/2014/main" id="{091C17DA-DC2B-4225-A456-4B159E28B8F3}"/>
+              </a:ext>
+            </a:extLst>
+          </p:cNvPr>
+          <p:cNvSpPr>
+            <a:spLocks noChangeArrowheads="1"/>
+          </p:cNvSpPr>
+          <p:nvPr/>
+        </p:nvSpPr>
+        <p:spPr bwMode="auto">
+          <a:xfrm>
+            <a:off x="4166387" y="1437471"/>
+            <a:ext cx="8687463" cy="3416320"/>
+          </a:xfrm>
+          <a:prstGeom prst="rect">
+            <a:avLst/>
+          </a:prstGeom>
+          <a:solidFill>
+            <a:srgbClr val="C2E49C"/>
+          </a:solidFill>
+          <a:ln>
+            <a:noFill/>
+          </a:ln>
+          <a:effectLst/>
+        </p:spPr>
+        <p:txBody>
+          <a:bodyPr vert="horz" wrap="square" lIns="91440" tIns="45720" rIns="91440" bIns="45720" numCol="1" anchor="ctr" anchorCtr="0" compatLnSpc="1">
+            <a:prstTxWarp prst="textNoShape">
+              <a:avLst/>
+            </a:prstTxWarp>
+            <a:spAutoFit/>
+          </a:bodyPr>
+          <a:lstStyle/>
+          <a:p>
+            <a:pPr marL="0" marR="0" lvl="0" indent="0" algn="l" defTabSz="914400" rtl="0" eaLnBrk="0" fontAlgn="base" latinLnBrk="0" hangingPunct="0">
+              <a:lnSpc>
+                <a:spcPct val="100000"/>
+              </a:lnSpc>
+              <a:spcBef>
+                <a:spcPct val="0"/>
+              </a:spcBef>
+              <a:spcAft>
+                <a:spcPct val="0"/>
+              </a:spcAft>
+              <a:buClrTx/>
+              <a:buSzTx/>
+              <a:buFontTx/>
+              <a:buNone/>
+              <a:tabLst/>
+            </a:pPr>
+            <a:r>
+              <a:rPr kumimoji="0" lang="de-DE" altLang="de-DE" b="0" i="0" u="none" strike="noStrike" cap="none" normalizeH="0" baseline="0">
+                <a:ln>
+                  <a:noFill/>
+                </a:ln>
+                <a:solidFill>
+                  <a:srgbClr val="000000"/>
+                </a:solidFill>
+                <a:effectLst/>
+                <a:latin typeface="Droid Sans Mono" panose="020B0609030804020204" pitchFamily="49" charset="0"/>
+                <a:ea typeface="Droid Sans Mono" panose="020B0609030804020204" pitchFamily="49" charset="0"/>
+                <a:cs typeface="Droid Sans Mono" panose="020B0609030804020204" pitchFamily="49" charset="0"/>
+              </a:rPr>
+              <a:t> bit = IMPLICIT_1;  // = 1&lt;&lt;30</a:t>
+            </a:r>
+          </a:p>
+          <a:p>
+            <a:pPr marL="0" marR="0" lvl="0" indent="0" algn="l" defTabSz="914400" rtl="0" eaLnBrk="0" fontAlgn="base" latinLnBrk="0" hangingPunct="0">
+              <a:lnSpc>
+                <a:spcPct val="100000"/>
+              </a:lnSpc>
+              <a:spcBef>
+                <a:spcPct val="0"/>
+              </a:spcBef>
+              <a:spcAft>
+                <a:spcPct val="0"/>
+              </a:spcAft>
+              <a:buClrTx/>
+              <a:buSzTx/>
+              <a:buFontTx/>
+              <a:buNone/>
+              <a:tabLst/>
+            </a:pPr>
+            <a:r>
+              <a:rPr kumimoji="0" lang="de-DE" altLang="de-DE" b="0" i="0" u="none" strike="noStrike" cap="none" normalizeH="0" baseline="0">
+                <a:ln>
+                  <a:noFill/>
+                </a:ln>
+                <a:solidFill>
+                  <a:srgbClr val="000000"/>
+                </a:solidFill>
+                <a:effectLst/>
+                <a:latin typeface="Droid Sans Mono" panose="020B0609030804020204" pitchFamily="49" charset="0"/>
+                <a:ea typeface="Droid Sans Mono" panose="020B0609030804020204" pitchFamily="49" charset="0"/>
+                <a:cs typeface="Droid Sans Mono" panose="020B0609030804020204" pitchFamily="49" charset="0"/>
+              </a:rPr>
+              <a:t> quotient = 0;</a:t>
+            </a:r>
+          </a:p>
+          <a:p>
+            <a:pPr marL="0" marR="0" lvl="0" indent="0" algn="l" defTabSz="914400" rtl="0" eaLnBrk="0" fontAlgn="base" latinLnBrk="0" hangingPunct="0">
+              <a:lnSpc>
+                <a:spcPct val="100000"/>
+              </a:lnSpc>
+              <a:spcBef>
+                <a:spcPct val="0"/>
+              </a:spcBef>
+              <a:spcAft>
+                <a:spcPct val="0"/>
+              </a:spcAft>
+              <a:buClrTx/>
+              <a:buSzTx/>
+              <a:buFontTx/>
+              <a:buNone/>
+              <a:tabLst/>
+            </a:pPr>
+            <a:r>
+              <a:rPr kumimoji="0" lang="de-DE" altLang="de-DE" b="0" i="0" u="none" strike="noStrike" cap="none" normalizeH="0" baseline="0">
+                <a:ln>
+                  <a:noFill/>
+                </a:ln>
+                <a:solidFill>
+                  <a:srgbClr val="000000"/>
+                </a:solidFill>
+                <a:effectLst/>
+                <a:latin typeface="Droid Sans Mono" panose="020B0609030804020204" pitchFamily="49" charset="0"/>
+                <a:ea typeface="Droid Sans Mono" panose="020B0609030804020204" pitchFamily="49" charset="0"/>
+                <a:cs typeface="Droid Sans Mono" panose="020B0609030804020204" pitchFamily="49" charset="0"/>
+              </a:rPr>
+              <a:t> while (bit)</a:t>
+            </a:r>
+          </a:p>
+          <a:p>
+            <a:pPr marL="0" marR="0" lvl="0" indent="0" algn="l" defTabSz="914400" rtl="0" eaLnBrk="0" fontAlgn="base" latinLnBrk="0" hangingPunct="0">
+              <a:lnSpc>
+                <a:spcPct val="100000"/>
+              </a:lnSpc>
+              <a:spcBef>
+                <a:spcPct val="0"/>
+              </a:spcBef>
+              <a:spcAft>
+                <a:spcPct val="0"/>
+              </a:spcAft>
+              <a:buClrTx/>
+              <a:buSzTx/>
+              <a:buFontTx/>
+              <a:buNone/>
+              <a:tabLst/>
+            </a:pPr>
+            <a:r>
+              <a:rPr kumimoji="0" lang="de-DE" altLang="de-DE" b="0" i="0" u="none" strike="noStrike" cap="none" normalizeH="0" baseline="0">
+                <a:ln>
+                  <a:noFill/>
+                </a:ln>
+                <a:solidFill>
+                  <a:srgbClr val="000000"/>
+                </a:solidFill>
+                <a:effectLst/>
+                <a:latin typeface="Droid Sans Mono" panose="020B0609030804020204" pitchFamily="49" charset="0"/>
+                <a:ea typeface="Droid Sans Mono" panose="020B0609030804020204" pitchFamily="49" charset="0"/>
+                <a:cs typeface="Droid Sans Mono" panose="020B0609030804020204" pitchFamily="49" charset="0"/>
+              </a:rPr>
+              <a:t> {</a:t>
+            </a:r>
+          </a:p>
+          <a:p>
+            <a:pPr marL="0" marR="0" lvl="0" indent="0" algn="l" defTabSz="914400" rtl="0" eaLnBrk="0" fontAlgn="base" latinLnBrk="0" hangingPunct="0">
+              <a:lnSpc>
+                <a:spcPct val="100000"/>
+              </a:lnSpc>
+              <a:spcBef>
+                <a:spcPct val="0"/>
+              </a:spcBef>
+              <a:spcAft>
+                <a:spcPct val="0"/>
+              </a:spcAft>
+              <a:buClrTx/>
+              <a:buSzTx/>
+              <a:buFontTx/>
+              <a:buNone/>
+              <a:tabLst/>
+            </a:pPr>
+            <a:r>
+              <a:rPr kumimoji="0" lang="de-DE" altLang="de-DE" b="0" i="0" u="none" strike="noStrike" cap="none" normalizeH="0" baseline="0">
+                <a:ln>
+                  <a:noFill/>
+                </a:ln>
+                <a:solidFill>
+                  <a:srgbClr val="000000"/>
+                </a:solidFill>
+                <a:effectLst/>
+                <a:latin typeface="Droid Sans Mono" panose="020B0609030804020204" pitchFamily="49" charset="0"/>
+                <a:ea typeface="Droid Sans Mono" panose="020B0609030804020204" pitchFamily="49" charset="0"/>
+                <a:cs typeface="Droid Sans Mono" panose="020B0609030804020204" pitchFamily="49" charset="0"/>
+              </a:rPr>
+              <a:t>    if (numerator &gt;= denominator)</a:t>
+            </a:r>
+          </a:p>
+          <a:p>
+            <a:pPr marL="0" marR="0" lvl="0" indent="0" algn="l" defTabSz="914400" rtl="0" eaLnBrk="0" fontAlgn="base" latinLnBrk="0" hangingPunct="0">
+              <a:lnSpc>
+                <a:spcPct val="100000"/>
+              </a:lnSpc>
+              <a:spcBef>
+                <a:spcPct val="0"/>
+              </a:spcBef>
+              <a:spcAft>
+                <a:spcPct val="0"/>
+              </a:spcAft>
+              <a:buClrTx/>
+              <a:buSzTx/>
+              <a:buFontTx/>
+              <a:buNone/>
+              <a:tabLst/>
+            </a:pPr>
+            <a:r>
+              <a:rPr kumimoji="0" lang="de-DE" altLang="de-DE" b="0" i="0" u="none" strike="noStrike" cap="none" normalizeH="0" baseline="0">
+                <a:ln>
+                  <a:noFill/>
+                </a:ln>
+                <a:solidFill>
+                  <a:srgbClr val="000000"/>
+                </a:solidFill>
+                <a:effectLst/>
+                <a:latin typeface="Droid Sans Mono" panose="020B0609030804020204" pitchFamily="49" charset="0"/>
+                <a:ea typeface="Droid Sans Mono" panose="020B0609030804020204" pitchFamily="49" charset="0"/>
+                <a:cs typeface="Droid Sans Mono" panose="020B0609030804020204" pitchFamily="49" charset="0"/>
+              </a:rPr>
+              <a:t>    {</a:t>
+            </a:r>
+          </a:p>
+          <a:p>
+            <a:pPr marL="0" marR="0" lvl="0" indent="0" algn="l" defTabSz="914400" rtl="0" eaLnBrk="0" fontAlgn="base" latinLnBrk="0" hangingPunct="0">
+              <a:lnSpc>
+                <a:spcPct val="100000"/>
+              </a:lnSpc>
+              <a:spcBef>
+                <a:spcPct val="0"/>
+              </a:spcBef>
+              <a:spcAft>
+                <a:spcPct val="0"/>
+              </a:spcAft>
+              <a:buClrTx/>
+              <a:buSzTx/>
+              <a:buFontTx/>
+              <a:buNone/>
+              <a:tabLst/>
+            </a:pPr>
+            <a:r>
+              <a:rPr kumimoji="0" lang="de-DE" altLang="de-DE" b="0" i="0" u="none" strike="noStrike" cap="none" normalizeH="0" baseline="0">
+                <a:ln>
+                  <a:noFill/>
+                </a:ln>
+                <a:solidFill>
+                  <a:srgbClr val="000000"/>
+                </a:solidFill>
+                <a:effectLst/>
+                <a:latin typeface="Droid Sans Mono" panose="020B0609030804020204" pitchFamily="49" charset="0"/>
+                <a:ea typeface="Droid Sans Mono" panose="020B0609030804020204" pitchFamily="49" charset="0"/>
+                <a:cs typeface="Droid Sans Mono" panose="020B0609030804020204" pitchFamily="49" charset="0"/>
+              </a:rPr>
+              <a:t>        quotient |= bit;</a:t>
+            </a:r>
+          </a:p>
+          <a:p>
+            <a:pPr marL="0" marR="0" lvl="0" indent="0" algn="l" defTabSz="914400" rtl="0" eaLnBrk="0" fontAlgn="base" latinLnBrk="0" hangingPunct="0">
+              <a:lnSpc>
+                <a:spcPct val="100000"/>
+              </a:lnSpc>
+              <a:spcBef>
+                <a:spcPct val="0"/>
+              </a:spcBef>
+              <a:spcAft>
+                <a:spcPct val="0"/>
+              </a:spcAft>
+              <a:buClrTx/>
+              <a:buSzTx/>
+              <a:buFontTx/>
+              <a:buNone/>
+              <a:tabLst/>
+            </a:pPr>
+            <a:r>
+              <a:rPr kumimoji="0" lang="de-DE" altLang="de-DE" b="0" i="0" u="none" strike="noStrike" cap="none" normalizeH="0" baseline="0">
+                <a:ln>
+                  <a:noFill/>
+                </a:ln>
+                <a:solidFill>
+                  <a:srgbClr val="000000"/>
+                </a:solidFill>
+                <a:effectLst/>
+                <a:latin typeface="Droid Sans Mono" panose="020B0609030804020204" pitchFamily="49" charset="0"/>
+                <a:ea typeface="Droid Sans Mono" panose="020B0609030804020204" pitchFamily="49" charset="0"/>
+                <a:cs typeface="Droid Sans Mono" panose="020B0609030804020204" pitchFamily="49" charset="0"/>
+              </a:rPr>
+              <a:t>        numerator -= denominator;</a:t>
+            </a:r>
+          </a:p>
+          <a:p>
+            <a:pPr marL="0" marR="0" lvl="0" indent="0" algn="l" defTabSz="914400" rtl="0" eaLnBrk="0" fontAlgn="base" latinLnBrk="0" hangingPunct="0">
+              <a:lnSpc>
+                <a:spcPct val="100000"/>
+              </a:lnSpc>
+              <a:spcBef>
+                <a:spcPct val="0"/>
+              </a:spcBef>
+              <a:spcAft>
+                <a:spcPct val="0"/>
+              </a:spcAft>
+              <a:buClrTx/>
+              <a:buSzTx/>
+              <a:buFontTx/>
+              <a:buNone/>
+              <a:tabLst/>
+            </a:pPr>
+            <a:r>
+              <a:rPr kumimoji="0" lang="de-DE" altLang="de-DE" b="0" i="0" u="none" strike="noStrike" cap="none" normalizeH="0" baseline="0">
+                <a:ln>
+                  <a:noFill/>
+                </a:ln>
+                <a:solidFill>
+                  <a:srgbClr val="000000"/>
+                </a:solidFill>
+                <a:effectLst/>
+                <a:latin typeface="Droid Sans Mono" panose="020B0609030804020204" pitchFamily="49" charset="0"/>
+                <a:ea typeface="Droid Sans Mono" panose="020B0609030804020204" pitchFamily="49" charset="0"/>
+                <a:cs typeface="Droid Sans Mono" panose="020B0609030804020204" pitchFamily="49" charset="0"/>
+              </a:rPr>
+              <a:t>    }</a:t>
+            </a:r>
+          </a:p>
+          <a:p>
+            <a:pPr marL="0" marR="0" lvl="0" indent="0" algn="l" defTabSz="914400" rtl="0" eaLnBrk="0" fontAlgn="base" latinLnBrk="0" hangingPunct="0">
+              <a:lnSpc>
+                <a:spcPct val="100000"/>
+              </a:lnSpc>
+              <a:spcBef>
+                <a:spcPct val="0"/>
+              </a:spcBef>
+              <a:spcAft>
+                <a:spcPct val="0"/>
+              </a:spcAft>
+              <a:buClrTx/>
+              <a:buSzTx/>
+              <a:buFontTx/>
+              <a:buNone/>
+              <a:tabLst/>
+            </a:pPr>
+            <a:r>
+              <a:rPr kumimoji="0" lang="de-DE" altLang="de-DE" b="0" i="0" u="none" strike="noStrike" cap="none" normalizeH="0" baseline="0">
+                <a:ln>
+                  <a:noFill/>
+                </a:ln>
+                <a:solidFill>
+                  <a:srgbClr val="000000"/>
+                </a:solidFill>
+                <a:effectLst/>
+                <a:latin typeface="Droid Sans Mono" panose="020B0609030804020204" pitchFamily="49" charset="0"/>
+                <a:ea typeface="Droid Sans Mono" panose="020B0609030804020204" pitchFamily="49" charset="0"/>
+                <a:cs typeface="Droid Sans Mono" panose="020B0609030804020204" pitchFamily="49" charset="0"/>
+              </a:rPr>
+              <a:t>    bit &gt;&gt;= 1;</a:t>
+            </a:r>
+          </a:p>
+          <a:p>
+            <a:pPr marL="0" marR="0" lvl="0" indent="0" algn="l" defTabSz="914400" rtl="0" eaLnBrk="0" fontAlgn="base" latinLnBrk="0" hangingPunct="0">
+              <a:lnSpc>
+                <a:spcPct val="100000"/>
+              </a:lnSpc>
+              <a:spcBef>
+                <a:spcPct val="0"/>
+              </a:spcBef>
+              <a:spcAft>
+                <a:spcPct val="0"/>
+              </a:spcAft>
+              <a:buClrTx/>
+              <a:buSzTx/>
+              <a:buFontTx/>
+              <a:buNone/>
+              <a:tabLst/>
+            </a:pPr>
+            <a:r>
+              <a:rPr kumimoji="0" lang="de-DE" altLang="de-DE" b="0" i="0" u="none" strike="noStrike" cap="none" normalizeH="0" baseline="0">
+                <a:ln>
+                  <a:noFill/>
+                </a:ln>
+                <a:solidFill>
+                  <a:srgbClr val="000000"/>
+                </a:solidFill>
+                <a:effectLst/>
+                <a:latin typeface="Droid Sans Mono" panose="020B0609030804020204" pitchFamily="49" charset="0"/>
+                <a:ea typeface="Droid Sans Mono" panose="020B0609030804020204" pitchFamily="49" charset="0"/>
+                <a:cs typeface="Droid Sans Mono" panose="020B0609030804020204" pitchFamily="49" charset="0"/>
+              </a:rPr>
+              <a:t>    numerator *= 2;</a:t>
+            </a:r>
+          </a:p>
+          <a:p>
+            <a:pPr marL="0" marR="0" lvl="0" indent="0" algn="l" defTabSz="914400" rtl="0" eaLnBrk="0" fontAlgn="base" latinLnBrk="0" hangingPunct="0">
+              <a:lnSpc>
+                <a:spcPct val="100000"/>
+              </a:lnSpc>
+              <a:spcBef>
+                <a:spcPct val="0"/>
+              </a:spcBef>
+              <a:spcAft>
+                <a:spcPct val="0"/>
+              </a:spcAft>
+              <a:buClrTx/>
+              <a:buSzTx/>
+              <a:buFontTx/>
+              <a:buNone/>
+              <a:tabLst/>
+            </a:pPr>
+            <a:r>
+              <a:rPr kumimoji="0" lang="de-DE" altLang="de-DE" b="0" i="0" u="none" strike="noStrike" cap="none" normalizeH="0" baseline="0">
+                <a:ln>
+                  <a:noFill/>
+                </a:ln>
+                <a:solidFill>
+                  <a:srgbClr val="000000"/>
+                </a:solidFill>
+                <a:effectLst/>
+                <a:latin typeface="Droid Sans Mono" panose="020B0609030804020204" pitchFamily="49" charset="0"/>
+                <a:ea typeface="Droid Sans Mono" panose="020B0609030804020204" pitchFamily="49" charset="0"/>
+                <a:cs typeface="Droid Sans Mono" panose="020B0609030804020204" pitchFamily="49" charset="0"/>
+              </a:rPr>
+              <a:t> }</a:t>
+            </a:r>
+            <a:endParaRPr kumimoji="0" lang="de-DE" altLang="de-DE" b="0" i="0" u="none" strike="noStrike" cap="none" normalizeH="0" baseline="0">
+              <a:ln>
+                <a:noFill/>
+              </a:ln>
+              <a:solidFill>
+                <a:schemeClr val="tx1"/>
+              </a:solidFill>
+              <a:effectLst/>
+              <a:latin typeface="Droid Sans Mono" panose="020B0609030804020204" pitchFamily="49" charset="0"/>
+              <a:ea typeface="Droid Sans Mono" panose="020B0609030804020204" pitchFamily="49" charset="0"/>
+              <a:cs typeface="Droid Sans Mono" panose="020B0609030804020204" pitchFamily="49" charset="0"/>
+            </a:endParaRPr>
+          </a:p>
+        </p:txBody>
+      </p:sp>
+    </p:spTree>
+    <p:extLst>
+      <p:ext uri="{BB962C8B-B14F-4D97-AF65-F5344CB8AC3E}">
+        <p14:creationId xmlns:p14="http://schemas.microsoft.com/office/powerpoint/2010/main" val="2368288981"/>
+      </p:ext>
+    </p:extLst>
+  </p:cSld>
+  <p:clrMapOvr>
+    <a:masterClrMapping/>
+  </p:clrMapOvr>
+</p:sld>
+</file>
+
+<file path=ppt/slides/slide15.xml><?xml version="1.0" encoding="utf-8"?>
+<p:sld xmlns:a="http://schemas.openxmlformats.org/drawingml/2006/main" xmlns:r="http://schemas.openxmlformats.org/officeDocument/2006/relationships" xmlns:p="http://schemas.openxmlformats.org/presentationml/2006/main">
+  <p:cSld>
+    <p:spTree>
+      <p:nvGrpSpPr>
+        <p:cNvPr id="1" name=""/>
+        <p:cNvGrpSpPr/>
+        <p:nvPr/>
+      </p:nvGrpSpPr>
+      <p:grpSpPr>
+        <a:xfrm>
+          <a:off x="0" y="0"/>
+          <a:ext cx="0" cy="0"/>
+          <a:chOff x="0" y="0"/>
+          <a:chExt cx="0" cy="0"/>
+        </a:xfrm>
+      </p:grpSpPr>
+      <p:sp>
+        <p:nvSpPr>
+          <p:cNvPr id="2" name="Titel 1"/>
+          <p:cNvSpPr>
+            <a:spLocks noGrp="1"/>
+          </p:cNvSpPr>
+          <p:nvPr>
+            <p:ph type="title"/>
+          </p:nvPr>
+        </p:nvSpPr>
+        <p:spPr/>
+        <p:txBody>
+          <a:bodyPr/>
+          <a:lstStyle/>
+          <a:p>
+            <a:r>
+              <a:rPr lang="en-GB">
+                <a:latin typeface="Eurostile" panose="020B0504020202050204" pitchFamily="34" charset="0"/>
+              </a:rPr>
               <a:t>Future Work</a:t>
             </a:r>
             <a:endParaRPr lang="en-GB" dirty="0">
@@ -5982,7 +6801,7 @@
 </p:sld>
 </file>
 
-<file path=ppt/slides/slide15.xml><?xml version="1.0" encoding="utf-8"?>
+<file path=ppt/slides/slide16.xml><?xml version="1.0" encoding="utf-8"?>
 <p:sld xmlns:a="http://schemas.openxmlformats.org/drawingml/2006/main" xmlns:r="http://schemas.openxmlformats.org/officeDocument/2006/relationships" xmlns:p="http://schemas.openxmlformats.org/presentationml/2006/main">
   <p:cSld>
     <p:spTree>
